--- a/Presentations/DS-course-4-frontend.pptx
+++ b/Presentations/DS-course-4-frontend.pptx
@@ -5,12 +5,13 @@
     <p:sldMasterId id="2147483648" r:id="rId1"/>
   </p:sldMasterIdLst>
   <p:notesMasterIdLst>
-    <p:notesMasterId r:id="rId5"/>
+    <p:notesMasterId r:id="rId6"/>
   </p:notesMasterIdLst>
   <p:sldIdLst>
     <p:sldId id="257" r:id="rId2"/>
     <p:sldId id="258" r:id="rId3"/>
     <p:sldId id="276" r:id="rId4"/>
+    <p:sldId id="372" r:id="rId5"/>
   </p:sldIdLst>
   <p:sldSz cx="12192000" cy="6858000"/>
   <p:notesSz cx="6858000" cy="9144000"/>
@@ -199,7 +200,7 @@
           <a:p>
             <a:fld id="{16B0145C-99AC-4644-A36E-A4ECBC555925}" type="datetimeFigureOut">
               <a:rPr lang="en-US" smtClean="0"/>
-              <a:t>8/23/2022</a:t>
+              <a:t>8/24/2022</a:t>
             </a:fld>
             <a:endParaRPr lang="en-US"/>
           </a:p>
@@ -594,7 +595,10 @@
           <a:bodyPr/>
           <a:lstStyle/>
           <a:p>
-            <a:endParaRPr lang="en-US" noProof="0" dirty="0"/>
+            <a:r>
+              <a:rPr lang="en-US" noProof="0" dirty="0"/>
+              <a:t>&lt;use this slide for agenda&gt;</a:t>
+            </a:r>
           </a:p>
         </p:txBody>
       </p:sp>
@@ -625,6 +629,93 @@
     <p:extLst>
       <p:ext uri="{BB962C8B-B14F-4D97-AF65-F5344CB8AC3E}">
         <p14:creationId xmlns:p14="http://schemas.microsoft.com/office/powerpoint/2010/main" val="1996970317"/>
+      </p:ext>
+    </p:extLst>
+  </p:cSld>
+  <p:clrMapOvr>
+    <a:masterClrMapping/>
+  </p:clrMapOvr>
+</p:notes>
+</file>
+
+<file path=ppt/notesSlides/notesSlide3.xml><?xml version="1.0" encoding="utf-8"?>
+<p:notes xmlns:a="http://schemas.openxmlformats.org/drawingml/2006/main" xmlns:r="http://schemas.openxmlformats.org/officeDocument/2006/relationships" xmlns:p="http://schemas.openxmlformats.org/presentationml/2006/main">
+  <p:cSld>
+    <p:spTree>
+      <p:nvGrpSpPr>
+        <p:cNvPr id="1" name=""/>
+        <p:cNvGrpSpPr/>
+        <p:nvPr/>
+      </p:nvGrpSpPr>
+      <p:grpSpPr>
+        <a:xfrm>
+          <a:off x="0" y="0"/>
+          <a:ext cx="0" cy="0"/>
+          <a:chOff x="0" y="0"/>
+          <a:chExt cx="0" cy="0"/>
+        </a:xfrm>
+      </p:grpSpPr>
+      <p:sp>
+        <p:nvSpPr>
+          <p:cNvPr id="2" name="Slide Image Placeholder 1"/>
+          <p:cNvSpPr>
+            <a:spLocks noGrp="1" noRot="1" noChangeAspect="1"/>
+          </p:cNvSpPr>
+          <p:nvPr>
+            <p:ph type="sldImg"/>
+          </p:nvPr>
+        </p:nvSpPr>
+        <p:spPr/>
+      </p:sp>
+      <p:sp>
+        <p:nvSpPr>
+          <p:cNvPr id="3" name="Notes Placeholder 2"/>
+          <p:cNvSpPr>
+            <a:spLocks noGrp="1"/>
+          </p:cNvSpPr>
+          <p:nvPr>
+            <p:ph type="body" idx="1"/>
+          </p:nvPr>
+        </p:nvSpPr>
+        <p:spPr/>
+        <p:txBody>
+          <a:bodyPr/>
+          <a:lstStyle/>
+          <a:p>
+            <a:r>
+              <a:rPr lang="en-US" noProof="0" dirty="0"/>
+              <a:t>&lt;use this slide for breaks&gt;</a:t>
+            </a:r>
+          </a:p>
+        </p:txBody>
+      </p:sp>
+      <p:sp>
+        <p:nvSpPr>
+          <p:cNvPr id="4" name="Slide Number Placeholder 3"/>
+          <p:cNvSpPr>
+            <a:spLocks noGrp="1"/>
+          </p:cNvSpPr>
+          <p:nvPr>
+            <p:ph type="sldNum" sz="quarter" idx="5"/>
+          </p:nvPr>
+        </p:nvSpPr>
+        <p:spPr/>
+        <p:txBody>
+          <a:bodyPr/>
+          <a:lstStyle/>
+          <a:p>
+            <a:fld id="{63C35790-097B-4F4A-AC65-68906F1196B8}" type="slidenum">
+              <a:rPr lang="en-US" smtClean="0"/>
+              <a:t>4</a:t>
+            </a:fld>
+            <a:endParaRPr lang="en-US"/>
+          </a:p>
+        </p:txBody>
+      </p:sp>
+    </p:spTree>
+    <p:extLst>
+      <p:ext uri="{BB962C8B-B14F-4D97-AF65-F5344CB8AC3E}">
+        <p14:creationId xmlns:p14="http://schemas.microsoft.com/office/powerpoint/2010/main" val="1321608382"/>
       </p:ext>
     </p:extLst>
   </p:cSld>
@@ -781,7 +872,7 @@
           <a:p>
             <a:fld id="{973BC00D-352D-4681-8132-8CC5EB9D512D}" type="datetimeFigureOut">
               <a:rPr lang="en-US" smtClean="0"/>
-              <a:t>8/23/2022</a:t>
+              <a:t>8/24/2022</a:t>
             </a:fld>
             <a:endParaRPr lang="en-US"/>
           </a:p>
@@ -979,7 +1070,7 @@
           <a:p>
             <a:fld id="{973BC00D-352D-4681-8132-8CC5EB9D512D}" type="datetimeFigureOut">
               <a:rPr lang="en-US" smtClean="0"/>
-              <a:t>8/23/2022</a:t>
+              <a:t>8/24/2022</a:t>
             </a:fld>
             <a:endParaRPr lang="en-US"/>
           </a:p>
@@ -1187,7 +1278,7 @@
           <a:p>
             <a:fld id="{973BC00D-352D-4681-8132-8CC5EB9D512D}" type="datetimeFigureOut">
               <a:rPr lang="en-US" smtClean="0"/>
-              <a:t>8/23/2022</a:t>
+              <a:t>8/24/2022</a:t>
             </a:fld>
             <a:endParaRPr lang="en-US"/>
           </a:p>
@@ -1385,7 +1476,7 @@
           <a:p>
             <a:fld id="{973BC00D-352D-4681-8132-8CC5EB9D512D}" type="datetimeFigureOut">
               <a:rPr lang="en-US" smtClean="0"/>
-              <a:t>8/23/2022</a:t>
+              <a:t>8/24/2022</a:t>
             </a:fld>
             <a:endParaRPr lang="en-US"/>
           </a:p>
@@ -1660,7 +1751,7 @@
           <a:p>
             <a:fld id="{973BC00D-352D-4681-8132-8CC5EB9D512D}" type="datetimeFigureOut">
               <a:rPr lang="en-US" smtClean="0"/>
-              <a:t>8/23/2022</a:t>
+              <a:t>8/24/2022</a:t>
             </a:fld>
             <a:endParaRPr lang="en-US"/>
           </a:p>
@@ -1925,7 +2016,7 @@
           <a:p>
             <a:fld id="{973BC00D-352D-4681-8132-8CC5EB9D512D}" type="datetimeFigureOut">
               <a:rPr lang="en-US" smtClean="0"/>
-              <a:t>8/23/2022</a:t>
+              <a:t>8/24/2022</a:t>
             </a:fld>
             <a:endParaRPr lang="en-US"/>
           </a:p>
@@ -2337,7 +2428,7 @@
           <a:p>
             <a:fld id="{973BC00D-352D-4681-8132-8CC5EB9D512D}" type="datetimeFigureOut">
               <a:rPr lang="en-US" smtClean="0"/>
-              <a:t>8/23/2022</a:t>
+              <a:t>8/24/2022</a:t>
             </a:fld>
             <a:endParaRPr lang="en-US"/>
           </a:p>
@@ -2478,7 +2569,7 @@
           <a:p>
             <a:fld id="{973BC00D-352D-4681-8132-8CC5EB9D512D}" type="datetimeFigureOut">
               <a:rPr lang="en-US" smtClean="0"/>
-              <a:t>8/23/2022</a:t>
+              <a:t>8/24/2022</a:t>
             </a:fld>
             <a:endParaRPr lang="en-US"/>
           </a:p>
@@ -2591,7 +2682,7 @@
           <a:p>
             <a:fld id="{973BC00D-352D-4681-8132-8CC5EB9D512D}" type="datetimeFigureOut">
               <a:rPr lang="en-US" smtClean="0"/>
-              <a:t>8/23/2022</a:t>
+              <a:t>8/24/2022</a:t>
             </a:fld>
             <a:endParaRPr lang="en-US"/>
           </a:p>
@@ -2902,7 +2993,7 @@
           <a:p>
             <a:fld id="{973BC00D-352D-4681-8132-8CC5EB9D512D}" type="datetimeFigureOut">
               <a:rPr lang="en-US" smtClean="0"/>
-              <a:t>8/23/2022</a:t>
+              <a:t>8/24/2022</a:t>
             </a:fld>
             <a:endParaRPr lang="en-US"/>
           </a:p>
@@ -3190,7 +3281,7 @@
           <a:p>
             <a:fld id="{973BC00D-352D-4681-8132-8CC5EB9D512D}" type="datetimeFigureOut">
               <a:rPr lang="en-US" smtClean="0"/>
-              <a:t>8/23/2022</a:t>
+              <a:t>8/24/2022</a:t>
             </a:fld>
             <a:endParaRPr lang="en-US"/>
           </a:p>
@@ -3431,7 +3522,7 @@
           <a:p>
             <a:fld id="{973BC00D-352D-4681-8132-8CC5EB9D512D}" type="datetimeFigureOut">
               <a:rPr lang="en-US" smtClean="0"/>
-              <a:t>8/23/2022</a:t>
+              <a:t>8/24/2022</a:t>
             </a:fld>
             <a:endParaRPr lang="en-US"/>
           </a:p>
@@ -6110,6 +6201,66 @@
     <p:extLst>
       <p:ext uri="{BB962C8B-B14F-4D97-AF65-F5344CB8AC3E}">
         <p14:creationId xmlns:p14="http://schemas.microsoft.com/office/powerpoint/2010/main" val="1456164604"/>
+      </p:ext>
+    </p:extLst>
+  </p:cSld>
+  <p:clrMapOvr>
+    <a:masterClrMapping/>
+  </p:clrMapOvr>
+</p:sld>
+</file>
+
+<file path=ppt/slides/slide4.xml><?xml version="1.0" encoding="utf-8"?>
+<p:sld xmlns:a="http://schemas.openxmlformats.org/drawingml/2006/main" xmlns:r="http://schemas.openxmlformats.org/officeDocument/2006/relationships" xmlns:p="http://schemas.openxmlformats.org/presentationml/2006/main">
+  <p:cSld>
+    <p:spTree>
+      <p:nvGrpSpPr>
+        <p:cNvPr id="1" name=""/>
+        <p:cNvGrpSpPr/>
+        <p:nvPr/>
+      </p:nvGrpSpPr>
+      <p:grpSpPr>
+        <a:xfrm>
+          <a:off x="0" y="0"/>
+          <a:ext cx="0" cy="0"/>
+          <a:chOff x="0" y="0"/>
+          <a:chExt cx="0" cy="0"/>
+        </a:xfrm>
+      </p:grpSpPr>
+      <p:pic>
+        <p:nvPicPr>
+          <p:cNvPr id="2" name="Picture 1">
+            <a:extLst>
+              <a:ext uri="{FF2B5EF4-FFF2-40B4-BE49-F238E27FC236}">
+                <a16:creationId xmlns:a16="http://schemas.microsoft.com/office/drawing/2014/main" id="{3576221B-5445-C99C-807A-E57066650809}"/>
+              </a:ext>
+            </a:extLst>
+          </p:cNvPr>
+          <p:cNvPicPr>
+            <a:picLocks noChangeAspect="1"/>
+          </p:cNvPicPr>
+          <p:nvPr/>
+        </p:nvPicPr>
+        <p:blipFill>
+          <a:blip r:embed="rId3"/>
+          <a:stretch>
+            <a:fillRect/>
+          </a:stretch>
+        </p:blipFill>
+        <p:spPr>
+          <a:xfrm>
+            <a:off x="2905648" y="1305857"/>
+            <a:ext cx="6380704" cy="4246286"/>
+          </a:xfrm>
+          <a:prstGeom prst="rect">
+            <a:avLst/>
+          </a:prstGeom>
+        </p:spPr>
+      </p:pic>
+    </p:spTree>
+    <p:extLst>
+      <p:ext uri="{BB962C8B-B14F-4D97-AF65-F5344CB8AC3E}">
+        <p14:creationId xmlns:p14="http://schemas.microsoft.com/office/powerpoint/2010/main" val="2185139754"/>
       </p:ext>
     </p:extLst>
   </p:cSld>

--- a/Presentations/DS-course-4-frontend.pptx
+++ b/Presentations/DS-course-4-frontend.pptx
@@ -5,13 +5,20 @@
     <p:sldMasterId id="2147483648" r:id="rId1"/>
   </p:sldMasterIdLst>
   <p:notesMasterIdLst>
-    <p:notesMasterId r:id="rId6"/>
+    <p:notesMasterId r:id="rId13"/>
   </p:notesMasterIdLst>
   <p:sldIdLst>
     <p:sldId id="257" r:id="rId2"/>
     <p:sldId id="258" r:id="rId3"/>
     <p:sldId id="276" r:id="rId4"/>
     <p:sldId id="372" r:id="rId5"/>
+    <p:sldId id="352" r:id="rId6"/>
+    <p:sldId id="373" r:id="rId7"/>
+    <p:sldId id="374" r:id="rId8"/>
+    <p:sldId id="375" r:id="rId9"/>
+    <p:sldId id="376" r:id="rId10"/>
+    <p:sldId id="378" r:id="rId11"/>
+    <p:sldId id="379" r:id="rId12"/>
   </p:sldIdLst>
   <p:sldSz cx="12192000" cy="6858000"/>
   <p:notesSz cx="6858000" cy="9144000"/>
@@ -200,7 +207,7 @@
           <a:p>
             <a:fld id="{16B0145C-99AC-4644-A36E-A4ECBC555925}" type="datetimeFigureOut">
               <a:rPr lang="en-US" smtClean="0"/>
-              <a:t>8/24/2022</a:t>
+              <a:t>8/26/2022</a:t>
             </a:fld>
             <a:endParaRPr lang="en-US"/>
           </a:p>
@@ -872,7 +879,7 @@
           <a:p>
             <a:fld id="{973BC00D-352D-4681-8132-8CC5EB9D512D}" type="datetimeFigureOut">
               <a:rPr lang="en-US" smtClean="0"/>
-              <a:t>8/24/2022</a:t>
+              <a:t>8/26/2022</a:t>
             </a:fld>
             <a:endParaRPr lang="en-US"/>
           </a:p>
@@ -1070,7 +1077,7 @@
           <a:p>
             <a:fld id="{973BC00D-352D-4681-8132-8CC5EB9D512D}" type="datetimeFigureOut">
               <a:rPr lang="en-US" smtClean="0"/>
-              <a:t>8/24/2022</a:t>
+              <a:t>8/26/2022</a:t>
             </a:fld>
             <a:endParaRPr lang="en-US"/>
           </a:p>
@@ -1278,7 +1285,7 @@
           <a:p>
             <a:fld id="{973BC00D-352D-4681-8132-8CC5EB9D512D}" type="datetimeFigureOut">
               <a:rPr lang="en-US" smtClean="0"/>
-              <a:t>8/24/2022</a:t>
+              <a:t>8/26/2022</a:t>
             </a:fld>
             <a:endParaRPr lang="en-US"/>
           </a:p>
@@ -1476,7 +1483,7 @@
           <a:p>
             <a:fld id="{973BC00D-352D-4681-8132-8CC5EB9D512D}" type="datetimeFigureOut">
               <a:rPr lang="en-US" smtClean="0"/>
-              <a:t>8/24/2022</a:t>
+              <a:t>8/26/2022</a:t>
             </a:fld>
             <a:endParaRPr lang="en-US"/>
           </a:p>
@@ -1751,7 +1758,7 @@
           <a:p>
             <a:fld id="{973BC00D-352D-4681-8132-8CC5EB9D512D}" type="datetimeFigureOut">
               <a:rPr lang="en-US" smtClean="0"/>
-              <a:t>8/24/2022</a:t>
+              <a:t>8/26/2022</a:t>
             </a:fld>
             <a:endParaRPr lang="en-US"/>
           </a:p>
@@ -2016,7 +2023,7 @@
           <a:p>
             <a:fld id="{973BC00D-352D-4681-8132-8CC5EB9D512D}" type="datetimeFigureOut">
               <a:rPr lang="en-US" smtClean="0"/>
-              <a:t>8/24/2022</a:t>
+              <a:t>8/26/2022</a:t>
             </a:fld>
             <a:endParaRPr lang="en-US"/>
           </a:p>
@@ -2428,7 +2435,7 @@
           <a:p>
             <a:fld id="{973BC00D-352D-4681-8132-8CC5EB9D512D}" type="datetimeFigureOut">
               <a:rPr lang="en-US" smtClean="0"/>
-              <a:t>8/24/2022</a:t>
+              <a:t>8/26/2022</a:t>
             </a:fld>
             <a:endParaRPr lang="en-US"/>
           </a:p>
@@ -2569,7 +2576,7 @@
           <a:p>
             <a:fld id="{973BC00D-352D-4681-8132-8CC5EB9D512D}" type="datetimeFigureOut">
               <a:rPr lang="en-US" smtClean="0"/>
-              <a:t>8/24/2022</a:t>
+              <a:t>8/26/2022</a:t>
             </a:fld>
             <a:endParaRPr lang="en-US"/>
           </a:p>
@@ -2682,7 +2689,7 @@
           <a:p>
             <a:fld id="{973BC00D-352D-4681-8132-8CC5EB9D512D}" type="datetimeFigureOut">
               <a:rPr lang="en-US" smtClean="0"/>
-              <a:t>8/24/2022</a:t>
+              <a:t>8/26/2022</a:t>
             </a:fld>
             <a:endParaRPr lang="en-US"/>
           </a:p>
@@ -2993,7 +3000,7 @@
           <a:p>
             <a:fld id="{973BC00D-352D-4681-8132-8CC5EB9D512D}" type="datetimeFigureOut">
               <a:rPr lang="en-US" smtClean="0"/>
-              <a:t>8/24/2022</a:t>
+              <a:t>8/26/2022</a:t>
             </a:fld>
             <a:endParaRPr lang="en-US"/>
           </a:p>
@@ -3281,7 +3288,7 @@
           <a:p>
             <a:fld id="{973BC00D-352D-4681-8132-8CC5EB9D512D}" type="datetimeFigureOut">
               <a:rPr lang="en-US" smtClean="0"/>
-              <a:t>8/24/2022</a:t>
+              <a:t>8/26/2022</a:t>
             </a:fld>
             <a:endParaRPr lang="en-US"/>
           </a:p>
@@ -3522,7 +3529,7 @@
           <a:p>
             <a:fld id="{973BC00D-352D-4681-8132-8CC5EB9D512D}" type="datetimeFigureOut">
               <a:rPr lang="en-US" smtClean="0"/>
-              <a:t>8/24/2022</a:t>
+              <a:t>8/26/2022</a:t>
             </a:fld>
             <a:endParaRPr lang="en-US"/>
           </a:p>
@@ -4138,6 +4145,329 @@
 </p:sld>
 </file>
 
+<file path=ppt/slides/slide10.xml><?xml version="1.0" encoding="utf-8"?>
+<p:sld xmlns:a="http://schemas.openxmlformats.org/drawingml/2006/main" xmlns:r="http://schemas.openxmlformats.org/officeDocument/2006/relationships" xmlns:p="http://schemas.openxmlformats.org/presentationml/2006/main">
+  <p:cSld>
+    <p:spTree>
+      <p:nvGrpSpPr>
+        <p:cNvPr id="1" name=""/>
+        <p:cNvGrpSpPr/>
+        <p:nvPr/>
+      </p:nvGrpSpPr>
+      <p:grpSpPr>
+        <a:xfrm>
+          <a:off x="0" y="0"/>
+          <a:ext cx="0" cy="0"/>
+          <a:chOff x="0" y="0"/>
+          <a:chExt cx="0" cy="0"/>
+        </a:xfrm>
+      </p:grpSpPr>
+      <p:sp>
+        <p:nvSpPr>
+          <p:cNvPr id="2" name="TextBox 1">
+            <a:extLst>
+              <a:ext uri="{FF2B5EF4-FFF2-40B4-BE49-F238E27FC236}">
+                <a16:creationId xmlns:a16="http://schemas.microsoft.com/office/drawing/2014/main" id="{2F95C7AD-28A6-6FFA-F6A5-977AB6EDBB6E}"/>
+              </a:ext>
+            </a:extLst>
+          </p:cNvPr>
+          <p:cNvSpPr txBox="1"/>
+          <p:nvPr/>
+        </p:nvSpPr>
+        <p:spPr>
+          <a:xfrm>
+            <a:off x="3397415" y="314625"/>
+            <a:ext cx="4172809" cy="769441"/>
+          </a:xfrm>
+          <a:prstGeom prst="rect">
+            <a:avLst/>
+          </a:prstGeom>
+          <a:noFill/>
+        </p:spPr>
+        <p:txBody>
+          <a:bodyPr wrap="none" rtlCol="0">
+            <a:spAutoFit/>
+          </a:bodyPr>
+          <a:lstStyle/>
+          <a:p>
+            <a:r>
+              <a:rPr lang="da-DK" sz="4400" dirty="0"/>
+              <a:t>Test state storage</a:t>
+            </a:r>
+            <a:endParaRPr lang="en-US" sz="4400" dirty="0"/>
+          </a:p>
+        </p:txBody>
+      </p:sp>
+      <p:sp>
+        <p:nvSpPr>
+          <p:cNvPr id="3" name="TextBox 2">
+            <a:extLst>
+              <a:ext uri="{FF2B5EF4-FFF2-40B4-BE49-F238E27FC236}">
+                <a16:creationId xmlns:a16="http://schemas.microsoft.com/office/drawing/2014/main" id="{C58B6763-E146-6C0C-77B8-4D4745DBD649}"/>
+              </a:ext>
+            </a:extLst>
+          </p:cNvPr>
+          <p:cNvSpPr txBox="1"/>
+          <p:nvPr/>
+        </p:nvSpPr>
+        <p:spPr>
+          <a:xfrm>
+            <a:off x="636693" y="1625600"/>
+            <a:ext cx="6230103" cy="369332"/>
+          </a:xfrm>
+          <a:prstGeom prst="rect">
+            <a:avLst/>
+          </a:prstGeom>
+          <a:noFill/>
+        </p:spPr>
+        <p:txBody>
+          <a:bodyPr wrap="none" rtlCol="0">
+            <a:spAutoFit/>
+          </a:bodyPr>
+          <a:lstStyle/>
+          <a:p>
+            <a:r>
+              <a:rPr lang="en-US" dirty="0"/>
+              <a:t>Add a click handler on the login page that updates the data page</a:t>
+            </a:r>
+          </a:p>
+        </p:txBody>
+      </p:sp>
+      <p:pic>
+        <p:nvPicPr>
+          <p:cNvPr id="6" name="Picture 5">
+            <a:extLst>
+              <a:ext uri="{FF2B5EF4-FFF2-40B4-BE49-F238E27FC236}">
+                <a16:creationId xmlns:a16="http://schemas.microsoft.com/office/drawing/2014/main" id="{79087C41-5A5C-653A-4A9D-1FAB0C6B51BC}"/>
+              </a:ext>
+            </a:extLst>
+          </p:cNvPr>
+          <p:cNvPicPr>
+            <a:picLocks noChangeAspect="1"/>
+          </p:cNvPicPr>
+          <p:nvPr/>
+        </p:nvPicPr>
+        <p:blipFill>
+          <a:blip r:embed="rId2"/>
+          <a:stretch>
+            <a:fillRect/>
+          </a:stretch>
+        </p:blipFill>
+        <p:spPr>
+          <a:xfrm>
+            <a:off x="1633429" y="2894918"/>
+            <a:ext cx="7700779" cy="2584691"/>
+          </a:xfrm>
+          <a:prstGeom prst="rect">
+            <a:avLst/>
+          </a:prstGeom>
+        </p:spPr>
+      </p:pic>
+    </p:spTree>
+    <p:extLst>
+      <p:ext uri="{BB962C8B-B14F-4D97-AF65-F5344CB8AC3E}">
+        <p14:creationId xmlns:p14="http://schemas.microsoft.com/office/powerpoint/2010/main" val="992770438"/>
+      </p:ext>
+    </p:extLst>
+  </p:cSld>
+  <p:clrMapOvr>
+    <a:masterClrMapping/>
+  </p:clrMapOvr>
+</p:sld>
+</file>
+
+<file path=ppt/slides/slide11.xml><?xml version="1.0" encoding="utf-8"?>
+<p:sld xmlns:a="http://schemas.openxmlformats.org/drawingml/2006/main" xmlns:r="http://schemas.openxmlformats.org/officeDocument/2006/relationships" xmlns:p="http://schemas.openxmlformats.org/presentationml/2006/main">
+  <p:cSld>
+    <p:spTree>
+      <p:nvGrpSpPr>
+        <p:cNvPr id="1" name=""/>
+        <p:cNvGrpSpPr/>
+        <p:nvPr/>
+      </p:nvGrpSpPr>
+      <p:grpSpPr>
+        <a:xfrm>
+          <a:off x="0" y="0"/>
+          <a:ext cx="0" cy="0"/>
+          <a:chOff x="0" y="0"/>
+          <a:chExt cx="0" cy="0"/>
+        </a:xfrm>
+      </p:grpSpPr>
+      <p:sp>
+        <p:nvSpPr>
+          <p:cNvPr id="2" name="TextBox 1">
+            <a:extLst>
+              <a:ext uri="{FF2B5EF4-FFF2-40B4-BE49-F238E27FC236}">
+                <a16:creationId xmlns:a16="http://schemas.microsoft.com/office/drawing/2014/main" id="{2F95C7AD-28A6-6FFA-F6A5-977AB6EDBB6E}"/>
+              </a:ext>
+            </a:extLst>
+          </p:cNvPr>
+          <p:cNvSpPr txBox="1"/>
+          <p:nvPr/>
+        </p:nvSpPr>
+        <p:spPr>
+          <a:xfrm>
+            <a:off x="3397415" y="314625"/>
+            <a:ext cx="4200894" cy="769441"/>
+          </a:xfrm>
+          <a:prstGeom prst="rect">
+            <a:avLst/>
+          </a:prstGeom>
+          <a:noFill/>
+        </p:spPr>
+        <p:txBody>
+          <a:bodyPr wrap="none" rtlCol="0">
+            <a:spAutoFit/>
+          </a:bodyPr>
+          <a:lstStyle/>
+          <a:p>
+            <a:r>
+              <a:rPr lang="da-DK" sz="4400" dirty="0"/>
+              <a:t>Login page layout</a:t>
+            </a:r>
+            <a:endParaRPr lang="en-US" sz="4400" dirty="0"/>
+          </a:p>
+        </p:txBody>
+      </p:sp>
+      <p:sp>
+        <p:nvSpPr>
+          <p:cNvPr id="3" name="TextBox 2">
+            <a:extLst>
+              <a:ext uri="{FF2B5EF4-FFF2-40B4-BE49-F238E27FC236}">
+                <a16:creationId xmlns:a16="http://schemas.microsoft.com/office/drawing/2014/main" id="{C58B6763-E146-6C0C-77B8-4D4745DBD649}"/>
+              </a:ext>
+            </a:extLst>
+          </p:cNvPr>
+          <p:cNvSpPr txBox="1"/>
+          <p:nvPr/>
+        </p:nvSpPr>
+        <p:spPr>
+          <a:xfrm>
+            <a:off x="636693" y="1625600"/>
+            <a:ext cx="8176790" cy="923330"/>
+          </a:xfrm>
+          <a:prstGeom prst="rect">
+            <a:avLst/>
+          </a:prstGeom>
+          <a:noFill/>
+        </p:spPr>
+        <p:txBody>
+          <a:bodyPr wrap="none" rtlCol="0">
+            <a:spAutoFit/>
+          </a:bodyPr>
+          <a:lstStyle/>
+          <a:p>
+            <a:r>
+              <a:rPr lang="en-US" dirty="0"/>
+              <a:t>Install </a:t>
+            </a:r>
+            <a:r>
+              <a:rPr lang="en-US" dirty="0" err="1"/>
+              <a:t>dhi</a:t>
+            </a:r>
+            <a:r>
+              <a:rPr lang="en-US" dirty="0"/>
+              <a:t>/react-components to get material-</a:t>
+            </a:r>
+            <a:r>
+              <a:rPr lang="en-US" dirty="0" err="1"/>
+              <a:t>ui</a:t>
+            </a:r>
+            <a:r>
+              <a:rPr lang="en-US" dirty="0"/>
+              <a:t> and many other dependencies</a:t>
+            </a:r>
+          </a:p>
+          <a:p>
+            <a:endParaRPr lang="en-US" dirty="0"/>
+          </a:p>
+          <a:p>
+            <a:r>
+              <a:rPr lang="en-US" dirty="0">
+                <a:hlinkClick r:id="rId2"/>
+              </a:rPr>
+              <a:t>https://github.com/DHI/react-components/tree/master/packages/react-components</a:t>
+            </a:r>
+            <a:r>
+              <a:rPr lang="en-US" dirty="0"/>
+              <a:t> </a:t>
+            </a:r>
+          </a:p>
+        </p:txBody>
+      </p:sp>
+      <p:pic>
+        <p:nvPicPr>
+          <p:cNvPr id="5" name="Picture 4">
+            <a:extLst>
+              <a:ext uri="{FF2B5EF4-FFF2-40B4-BE49-F238E27FC236}">
+                <a16:creationId xmlns:a16="http://schemas.microsoft.com/office/drawing/2014/main" id="{30300618-E7D0-D3F2-BBA0-C53F702D40A1}"/>
+              </a:ext>
+            </a:extLst>
+          </p:cNvPr>
+          <p:cNvPicPr>
+            <a:picLocks noChangeAspect="1"/>
+          </p:cNvPicPr>
+          <p:nvPr/>
+        </p:nvPicPr>
+        <p:blipFill>
+          <a:blip r:embed="rId3"/>
+          <a:stretch>
+            <a:fillRect/>
+          </a:stretch>
+        </p:blipFill>
+        <p:spPr>
+          <a:xfrm>
+            <a:off x="1300799" y="2919307"/>
+            <a:ext cx="3864005" cy="3215125"/>
+          </a:xfrm>
+          <a:prstGeom prst="rect">
+            <a:avLst/>
+          </a:prstGeom>
+        </p:spPr>
+      </p:pic>
+      <p:pic>
+        <p:nvPicPr>
+          <p:cNvPr id="8" name="Picture 7">
+            <a:extLst>
+              <a:ext uri="{FF2B5EF4-FFF2-40B4-BE49-F238E27FC236}">
+                <a16:creationId xmlns:a16="http://schemas.microsoft.com/office/drawing/2014/main" id="{A74852F7-9730-FC14-E408-FF47B64376A0}"/>
+              </a:ext>
+            </a:extLst>
+          </p:cNvPr>
+          <p:cNvPicPr>
+            <a:picLocks noChangeAspect="1"/>
+          </p:cNvPicPr>
+          <p:nvPr/>
+        </p:nvPicPr>
+        <p:blipFill>
+          <a:blip r:embed="rId4"/>
+          <a:stretch>
+            <a:fillRect/>
+          </a:stretch>
+        </p:blipFill>
+        <p:spPr>
+          <a:xfrm>
+            <a:off x="6460552" y="3637126"/>
+            <a:ext cx="3963608" cy="1779485"/>
+          </a:xfrm>
+          <a:prstGeom prst="rect">
+            <a:avLst/>
+          </a:prstGeom>
+        </p:spPr>
+      </p:pic>
+    </p:spTree>
+    <p:extLst>
+      <p:ext uri="{BB962C8B-B14F-4D97-AF65-F5344CB8AC3E}">
+        <p14:creationId xmlns:p14="http://schemas.microsoft.com/office/powerpoint/2010/main" val="4073216413"/>
+      </p:ext>
+    </p:extLst>
+  </p:cSld>
+  <p:clrMapOvr>
+    <a:masterClrMapping/>
+  </p:clrMapOvr>
+</p:sld>
+</file>
+
 <file path=ppt/slides/slide2.xml><?xml version="1.0" encoding="utf-8"?>
 <p:sld xmlns:a="http://schemas.openxmlformats.org/drawingml/2006/main" xmlns:r="http://schemas.openxmlformats.org/officeDocument/2006/relationships" xmlns:p="http://schemas.openxmlformats.org/presentationml/2006/main">
   <p:cSld>
@@ -6261,6 +6591,544 @@
     <p:extLst>
       <p:ext uri="{BB962C8B-B14F-4D97-AF65-F5344CB8AC3E}">
         <p14:creationId xmlns:p14="http://schemas.microsoft.com/office/powerpoint/2010/main" val="2185139754"/>
+      </p:ext>
+    </p:extLst>
+  </p:cSld>
+  <p:clrMapOvr>
+    <a:masterClrMapping/>
+  </p:clrMapOvr>
+</p:sld>
+</file>
+
+<file path=ppt/slides/slide5.xml><?xml version="1.0" encoding="utf-8"?>
+<p:sld xmlns:a="http://schemas.openxmlformats.org/drawingml/2006/main" xmlns:r="http://schemas.openxmlformats.org/officeDocument/2006/relationships" xmlns:p="http://schemas.openxmlformats.org/presentationml/2006/main">
+  <p:cSld>
+    <p:spTree>
+      <p:nvGrpSpPr>
+        <p:cNvPr id="1" name=""/>
+        <p:cNvGrpSpPr/>
+        <p:nvPr/>
+      </p:nvGrpSpPr>
+      <p:grpSpPr>
+        <a:xfrm>
+          <a:off x="0" y="0"/>
+          <a:ext cx="0" cy="0"/>
+          <a:chOff x="0" y="0"/>
+          <a:chExt cx="0" cy="0"/>
+        </a:xfrm>
+      </p:grpSpPr>
+      <p:sp>
+        <p:nvSpPr>
+          <p:cNvPr id="2" name="TextBox 1">
+            <a:extLst>
+              <a:ext uri="{FF2B5EF4-FFF2-40B4-BE49-F238E27FC236}">
+                <a16:creationId xmlns:a16="http://schemas.microsoft.com/office/drawing/2014/main" id="{2F95C7AD-28A6-6FFA-F6A5-977AB6EDBB6E}"/>
+              </a:ext>
+            </a:extLst>
+          </p:cNvPr>
+          <p:cNvSpPr txBox="1"/>
+          <p:nvPr/>
+        </p:nvSpPr>
+        <p:spPr>
+          <a:xfrm>
+            <a:off x="3492242" y="3044279"/>
+            <a:ext cx="5920019" cy="769441"/>
+          </a:xfrm>
+          <a:prstGeom prst="rect">
+            <a:avLst/>
+          </a:prstGeom>
+          <a:noFill/>
+        </p:spPr>
+        <p:txBody>
+          <a:bodyPr wrap="none" rtlCol="0">
+            <a:spAutoFit/>
+          </a:bodyPr>
+          <a:lstStyle/>
+          <a:p>
+            <a:r>
+              <a:rPr lang="da-DK" sz="4400" dirty="0"/>
+              <a:t>Developing the front end</a:t>
+            </a:r>
+            <a:endParaRPr lang="en-US" sz="4400" dirty="0"/>
+          </a:p>
+        </p:txBody>
+      </p:sp>
+    </p:spTree>
+    <p:extLst>
+      <p:ext uri="{BB962C8B-B14F-4D97-AF65-F5344CB8AC3E}">
+        <p14:creationId xmlns:p14="http://schemas.microsoft.com/office/powerpoint/2010/main" val="3365791006"/>
+      </p:ext>
+    </p:extLst>
+  </p:cSld>
+  <p:clrMapOvr>
+    <a:masterClrMapping/>
+  </p:clrMapOvr>
+</p:sld>
+</file>
+
+<file path=ppt/slides/slide6.xml><?xml version="1.0" encoding="utf-8"?>
+<p:sld xmlns:a="http://schemas.openxmlformats.org/drawingml/2006/main" xmlns:r="http://schemas.openxmlformats.org/officeDocument/2006/relationships" xmlns:p="http://schemas.openxmlformats.org/presentationml/2006/main">
+  <p:cSld>
+    <p:spTree>
+      <p:nvGrpSpPr>
+        <p:cNvPr id="1" name=""/>
+        <p:cNvGrpSpPr/>
+        <p:nvPr/>
+      </p:nvGrpSpPr>
+      <p:grpSpPr>
+        <a:xfrm>
+          <a:off x="0" y="0"/>
+          <a:ext cx="0" cy="0"/>
+          <a:chOff x="0" y="0"/>
+          <a:chExt cx="0" cy="0"/>
+        </a:xfrm>
+      </p:grpSpPr>
+      <p:sp>
+        <p:nvSpPr>
+          <p:cNvPr id="2" name="TextBox 1">
+            <a:extLst>
+              <a:ext uri="{FF2B5EF4-FFF2-40B4-BE49-F238E27FC236}">
+                <a16:creationId xmlns:a16="http://schemas.microsoft.com/office/drawing/2014/main" id="{2F95C7AD-28A6-6FFA-F6A5-977AB6EDBB6E}"/>
+              </a:ext>
+            </a:extLst>
+          </p:cNvPr>
+          <p:cNvSpPr txBox="1"/>
+          <p:nvPr/>
+        </p:nvSpPr>
+        <p:spPr>
+          <a:xfrm>
+            <a:off x="3397416" y="863265"/>
+            <a:ext cx="3631700" cy="769441"/>
+          </a:xfrm>
+          <a:prstGeom prst="rect">
+            <a:avLst/>
+          </a:prstGeom>
+          <a:noFill/>
+        </p:spPr>
+        <p:txBody>
+          <a:bodyPr wrap="none" rtlCol="0">
+            <a:spAutoFit/>
+          </a:bodyPr>
+          <a:lstStyle/>
+          <a:p>
+            <a:r>
+              <a:rPr lang="da-DK" sz="4400" dirty="0"/>
+              <a:t>Init a react app</a:t>
+            </a:r>
+            <a:endParaRPr lang="en-US" sz="4400" dirty="0"/>
+          </a:p>
+        </p:txBody>
+      </p:sp>
+      <p:sp>
+        <p:nvSpPr>
+          <p:cNvPr id="4" name="TextBox 3">
+            <a:extLst>
+              <a:ext uri="{FF2B5EF4-FFF2-40B4-BE49-F238E27FC236}">
+                <a16:creationId xmlns:a16="http://schemas.microsoft.com/office/drawing/2014/main" id="{BC884E33-4A6B-CA67-82CC-620D9C4953AD}"/>
+              </a:ext>
+            </a:extLst>
+          </p:cNvPr>
+          <p:cNvSpPr txBox="1"/>
+          <p:nvPr/>
+        </p:nvSpPr>
+        <p:spPr>
+          <a:xfrm>
+            <a:off x="1219200" y="3075093"/>
+            <a:ext cx="5257721" cy="369332"/>
+          </a:xfrm>
+          <a:prstGeom prst="rect">
+            <a:avLst/>
+          </a:prstGeom>
+          <a:noFill/>
+        </p:spPr>
+        <p:txBody>
+          <a:bodyPr wrap="none" rtlCol="0">
+            <a:spAutoFit/>
+          </a:bodyPr>
+          <a:lstStyle/>
+          <a:p>
+            <a:r>
+              <a:rPr lang="en-US" dirty="0">
+                <a:hlinkClick r:id="rId2"/>
+              </a:rPr>
+              <a:t>https://create-react-app.dev/docs/adding-typescript/</a:t>
+            </a:r>
+            <a:r>
+              <a:rPr lang="en-US" dirty="0"/>
+              <a:t> </a:t>
+            </a:r>
+          </a:p>
+        </p:txBody>
+      </p:sp>
+    </p:spTree>
+    <p:extLst>
+      <p:ext uri="{BB962C8B-B14F-4D97-AF65-F5344CB8AC3E}">
+        <p14:creationId xmlns:p14="http://schemas.microsoft.com/office/powerpoint/2010/main" val="2165732782"/>
+      </p:ext>
+    </p:extLst>
+  </p:cSld>
+  <p:clrMapOvr>
+    <a:masterClrMapping/>
+  </p:clrMapOvr>
+</p:sld>
+</file>
+
+<file path=ppt/slides/slide7.xml><?xml version="1.0" encoding="utf-8"?>
+<p:sld xmlns:a="http://schemas.openxmlformats.org/drawingml/2006/main" xmlns:r="http://schemas.openxmlformats.org/officeDocument/2006/relationships" xmlns:p="http://schemas.openxmlformats.org/presentationml/2006/main">
+  <p:cSld>
+    <p:spTree>
+      <p:nvGrpSpPr>
+        <p:cNvPr id="1" name=""/>
+        <p:cNvGrpSpPr/>
+        <p:nvPr/>
+      </p:nvGrpSpPr>
+      <p:grpSpPr>
+        <a:xfrm>
+          <a:off x="0" y="0"/>
+          <a:ext cx="0" cy="0"/>
+          <a:chOff x="0" y="0"/>
+          <a:chExt cx="0" cy="0"/>
+        </a:xfrm>
+      </p:grpSpPr>
+      <p:sp>
+        <p:nvSpPr>
+          <p:cNvPr id="2" name="TextBox 1">
+            <a:extLst>
+              <a:ext uri="{FF2B5EF4-FFF2-40B4-BE49-F238E27FC236}">
+                <a16:creationId xmlns:a16="http://schemas.microsoft.com/office/drawing/2014/main" id="{2F95C7AD-28A6-6FFA-F6A5-977AB6EDBB6E}"/>
+              </a:ext>
+            </a:extLst>
+          </p:cNvPr>
+          <p:cNvSpPr txBox="1"/>
+          <p:nvPr/>
+        </p:nvSpPr>
+        <p:spPr>
+          <a:xfrm>
+            <a:off x="3397415" y="314625"/>
+            <a:ext cx="4707058" cy="769441"/>
+          </a:xfrm>
+          <a:prstGeom prst="rect">
+            <a:avLst/>
+          </a:prstGeom>
+          <a:noFill/>
+        </p:spPr>
+        <p:txBody>
+          <a:bodyPr wrap="none" rtlCol="0">
+            <a:spAutoFit/>
+          </a:bodyPr>
+          <a:lstStyle/>
+          <a:p>
+            <a:r>
+              <a:rPr lang="da-DK" sz="4400" dirty="0"/>
+              <a:t>Test the empty app</a:t>
+            </a:r>
+            <a:endParaRPr lang="en-US" sz="4400" dirty="0"/>
+          </a:p>
+        </p:txBody>
+      </p:sp>
+      <p:sp>
+        <p:nvSpPr>
+          <p:cNvPr id="4" name="TextBox 3">
+            <a:extLst>
+              <a:ext uri="{FF2B5EF4-FFF2-40B4-BE49-F238E27FC236}">
+                <a16:creationId xmlns:a16="http://schemas.microsoft.com/office/drawing/2014/main" id="{BC884E33-4A6B-CA67-82CC-620D9C4953AD}"/>
+              </a:ext>
+            </a:extLst>
+          </p:cNvPr>
+          <p:cNvSpPr txBox="1"/>
+          <p:nvPr/>
+        </p:nvSpPr>
+        <p:spPr>
+          <a:xfrm>
+            <a:off x="704426" y="1632706"/>
+            <a:ext cx="1079911" cy="369332"/>
+          </a:xfrm>
+          <a:prstGeom prst="rect">
+            <a:avLst/>
+          </a:prstGeom>
+          <a:noFill/>
+        </p:spPr>
+        <p:txBody>
+          <a:bodyPr wrap="none" rtlCol="0">
+            <a:spAutoFit/>
+          </a:bodyPr>
+          <a:lstStyle/>
+          <a:p>
+            <a:r>
+              <a:rPr lang="en-US" b="0" i="0" dirty="0">
+                <a:solidFill>
+                  <a:srgbClr val="BFC7D5"/>
+                </a:solidFill>
+                <a:effectLst/>
+                <a:latin typeface="SFMono-Regular"/>
+              </a:rPr>
+              <a:t>yarn start</a:t>
+            </a:r>
+            <a:endParaRPr lang="en-US" dirty="0"/>
+          </a:p>
+        </p:txBody>
+      </p:sp>
+      <p:pic>
+        <p:nvPicPr>
+          <p:cNvPr id="5" name="Picture 4">
+            <a:extLst>
+              <a:ext uri="{FF2B5EF4-FFF2-40B4-BE49-F238E27FC236}">
+                <a16:creationId xmlns:a16="http://schemas.microsoft.com/office/drawing/2014/main" id="{2AF5F4A3-955D-7715-DC2B-C4F6462C4483}"/>
+              </a:ext>
+            </a:extLst>
+          </p:cNvPr>
+          <p:cNvPicPr>
+            <a:picLocks noChangeAspect="1"/>
+          </p:cNvPicPr>
+          <p:nvPr/>
+        </p:nvPicPr>
+        <p:blipFill>
+          <a:blip r:embed="rId2"/>
+          <a:stretch>
+            <a:fillRect/>
+          </a:stretch>
+        </p:blipFill>
+        <p:spPr>
+          <a:xfrm>
+            <a:off x="3476997" y="1426305"/>
+            <a:ext cx="5238005" cy="4855962"/>
+          </a:xfrm>
+          <a:prstGeom prst="rect">
+            <a:avLst/>
+          </a:prstGeom>
+        </p:spPr>
+      </p:pic>
+    </p:spTree>
+    <p:extLst>
+      <p:ext uri="{BB962C8B-B14F-4D97-AF65-F5344CB8AC3E}">
+        <p14:creationId xmlns:p14="http://schemas.microsoft.com/office/powerpoint/2010/main" val="358308092"/>
+      </p:ext>
+    </p:extLst>
+  </p:cSld>
+  <p:clrMapOvr>
+    <a:masterClrMapping/>
+  </p:clrMapOvr>
+</p:sld>
+</file>
+
+<file path=ppt/slides/slide8.xml><?xml version="1.0" encoding="utf-8"?>
+<p:sld xmlns:a="http://schemas.openxmlformats.org/drawingml/2006/main" xmlns:r="http://schemas.openxmlformats.org/officeDocument/2006/relationships" xmlns:p="http://schemas.openxmlformats.org/presentationml/2006/main">
+  <p:cSld>
+    <p:spTree>
+      <p:nvGrpSpPr>
+        <p:cNvPr id="1" name=""/>
+        <p:cNvGrpSpPr/>
+        <p:nvPr/>
+      </p:nvGrpSpPr>
+      <p:grpSpPr>
+        <a:xfrm>
+          <a:off x="0" y="0"/>
+          <a:ext cx="0" cy="0"/>
+          <a:chOff x="0" y="0"/>
+          <a:chExt cx="0" cy="0"/>
+        </a:xfrm>
+      </p:grpSpPr>
+      <p:sp>
+        <p:nvSpPr>
+          <p:cNvPr id="2" name="TextBox 1">
+            <a:extLst>
+              <a:ext uri="{FF2B5EF4-FFF2-40B4-BE49-F238E27FC236}">
+                <a16:creationId xmlns:a16="http://schemas.microsoft.com/office/drawing/2014/main" id="{2F95C7AD-28A6-6FFA-F6A5-977AB6EDBB6E}"/>
+              </a:ext>
+            </a:extLst>
+          </p:cNvPr>
+          <p:cNvSpPr txBox="1"/>
+          <p:nvPr/>
+        </p:nvSpPr>
+        <p:spPr>
+          <a:xfrm>
+            <a:off x="3397415" y="314625"/>
+            <a:ext cx="5948295" cy="769441"/>
+          </a:xfrm>
+          <a:prstGeom prst="rect">
+            <a:avLst/>
+          </a:prstGeom>
+          <a:noFill/>
+        </p:spPr>
+        <p:txBody>
+          <a:bodyPr wrap="none" rtlCol="0">
+            <a:spAutoFit/>
+          </a:bodyPr>
+          <a:lstStyle/>
+          <a:p>
+            <a:r>
+              <a:rPr lang="da-DK" sz="4400" dirty="0"/>
+              <a:t>Add login and data pages</a:t>
+            </a:r>
+            <a:endParaRPr lang="en-US" sz="4400" dirty="0"/>
+          </a:p>
+        </p:txBody>
+      </p:sp>
+      <p:pic>
+        <p:nvPicPr>
+          <p:cNvPr id="8" name="Picture 7">
+            <a:extLst>
+              <a:ext uri="{FF2B5EF4-FFF2-40B4-BE49-F238E27FC236}">
+                <a16:creationId xmlns:a16="http://schemas.microsoft.com/office/drawing/2014/main" id="{F51A28EF-33E3-10BF-B7D2-75DD198EB5F9}"/>
+              </a:ext>
+            </a:extLst>
+          </p:cNvPr>
+          <p:cNvPicPr>
+            <a:picLocks noChangeAspect="1"/>
+          </p:cNvPicPr>
+          <p:nvPr/>
+        </p:nvPicPr>
+        <p:blipFill>
+          <a:blip r:embed="rId2"/>
+          <a:stretch>
+            <a:fillRect/>
+          </a:stretch>
+        </p:blipFill>
+        <p:spPr>
+          <a:xfrm>
+            <a:off x="1732941" y="2352525"/>
+            <a:ext cx="8726118" cy="2152950"/>
+          </a:xfrm>
+          <a:prstGeom prst="rect">
+            <a:avLst/>
+          </a:prstGeom>
+        </p:spPr>
+      </p:pic>
+    </p:spTree>
+    <p:extLst>
+      <p:ext uri="{BB962C8B-B14F-4D97-AF65-F5344CB8AC3E}">
+        <p14:creationId xmlns:p14="http://schemas.microsoft.com/office/powerpoint/2010/main" val="1078570717"/>
+      </p:ext>
+    </p:extLst>
+  </p:cSld>
+  <p:clrMapOvr>
+    <a:masterClrMapping/>
+  </p:clrMapOvr>
+</p:sld>
+</file>
+
+<file path=ppt/slides/slide9.xml><?xml version="1.0" encoding="utf-8"?>
+<p:sld xmlns:a="http://schemas.openxmlformats.org/drawingml/2006/main" xmlns:r="http://schemas.openxmlformats.org/officeDocument/2006/relationships" xmlns:p="http://schemas.openxmlformats.org/presentationml/2006/main">
+  <p:cSld>
+    <p:spTree>
+      <p:nvGrpSpPr>
+        <p:cNvPr id="1" name=""/>
+        <p:cNvGrpSpPr/>
+        <p:nvPr/>
+      </p:nvGrpSpPr>
+      <p:grpSpPr>
+        <a:xfrm>
+          <a:off x="0" y="0"/>
+          <a:ext cx="0" cy="0"/>
+          <a:chOff x="0" y="0"/>
+          <a:chExt cx="0" cy="0"/>
+        </a:xfrm>
+      </p:grpSpPr>
+      <p:sp>
+        <p:nvSpPr>
+          <p:cNvPr id="2" name="TextBox 1">
+            <a:extLst>
+              <a:ext uri="{FF2B5EF4-FFF2-40B4-BE49-F238E27FC236}">
+                <a16:creationId xmlns:a16="http://schemas.microsoft.com/office/drawing/2014/main" id="{2F95C7AD-28A6-6FFA-F6A5-977AB6EDBB6E}"/>
+              </a:ext>
+            </a:extLst>
+          </p:cNvPr>
+          <p:cNvSpPr txBox="1"/>
+          <p:nvPr/>
+        </p:nvSpPr>
+        <p:spPr>
+          <a:xfrm>
+            <a:off x="3397415" y="314625"/>
+            <a:ext cx="4182812" cy="769441"/>
+          </a:xfrm>
+          <a:prstGeom prst="rect">
+            <a:avLst/>
+          </a:prstGeom>
+          <a:noFill/>
+        </p:spPr>
+        <p:txBody>
+          <a:bodyPr wrap="none" rtlCol="0">
+            <a:spAutoFit/>
+          </a:bodyPr>
+          <a:lstStyle/>
+          <a:p>
+            <a:r>
+              <a:rPr lang="da-DK" sz="4400" dirty="0"/>
+              <a:t>Add state storage</a:t>
+            </a:r>
+            <a:endParaRPr lang="en-US" sz="4400" dirty="0"/>
+          </a:p>
+        </p:txBody>
+      </p:sp>
+      <p:sp>
+        <p:nvSpPr>
+          <p:cNvPr id="3" name="TextBox 2">
+            <a:extLst>
+              <a:ext uri="{FF2B5EF4-FFF2-40B4-BE49-F238E27FC236}">
+                <a16:creationId xmlns:a16="http://schemas.microsoft.com/office/drawing/2014/main" id="{C58B6763-E146-6C0C-77B8-4D4745DBD649}"/>
+              </a:ext>
+            </a:extLst>
+          </p:cNvPr>
+          <p:cNvSpPr txBox="1"/>
+          <p:nvPr/>
+        </p:nvSpPr>
+        <p:spPr>
+          <a:xfrm>
+            <a:off x="636693" y="1625600"/>
+            <a:ext cx="4473725" cy="369332"/>
+          </a:xfrm>
+          <a:prstGeom prst="rect">
+            <a:avLst/>
+          </a:prstGeom>
+          <a:noFill/>
+        </p:spPr>
+        <p:txBody>
+          <a:bodyPr wrap="none" rtlCol="0">
+            <a:spAutoFit/>
+          </a:bodyPr>
+          <a:lstStyle/>
+          <a:p>
+            <a:r>
+              <a:rPr lang="en-US" dirty="0"/>
+              <a:t>https://mobx.js.org/defining-data-stores.html</a:t>
+            </a:r>
+          </a:p>
+        </p:txBody>
+      </p:sp>
+      <p:pic>
+        <p:nvPicPr>
+          <p:cNvPr id="5" name="Picture 4">
+            <a:extLst>
+              <a:ext uri="{FF2B5EF4-FFF2-40B4-BE49-F238E27FC236}">
+                <a16:creationId xmlns:a16="http://schemas.microsoft.com/office/drawing/2014/main" id="{B5AB8A7D-CA8D-35C8-B605-C369C07C4A09}"/>
+              </a:ext>
+            </a:extLst>
+          </p:cNvPr>
+          <p:cNvPicPr>
+            <a:picLocks noChangeAspect="1"/>
+          </p:cNvPicPr>
+          <p:nvPr/>
+        </p:nvPicPr>
+        <p:blipFill>
+          <a:blip r:embed="rId2"/>
+          <a:stretch>
+            <a:fillRect/>
+          </a:stretch>
+        </p:blipFill>
+        <p:spPr>
+          <a:xfrm>
+            <a:off x="3842975" y="2323254"/>
+            <a:ext cx="4506050" cy="4076606"/>
+          </a:xfrm>
+          <a:prstGeom prst="rect">
+            <a:avLst/>
+          </a:prstGeom>
+        </p:spPr>
+      </p:pic>
+    </p:spTree>
+    <p:extLst>
+      <p:ext uri="{BB962C8B-B14F-4D97-AF65-F5344CB8AC3E}">
+        <p14:creationId xmlns:p14="http://schemas.microsoft.com/office/powerpoint/2010/main" val="4232163247"/>
       </p:ext>
     </p:extLst>
   </p:cSld>

--- a/Presentations/DS-course-4-frontend.pptx
+++ b/Presentations/DS-course-4-frontend.pptx
@@ -5,7 +5,7 @@
     <p:sldMasterId id="2147483648" r:id="rId1"/>
   </p:sldMasterIdLst>
   <p:notesMasterIdLst>
-    <p:notesMasterId r:id="rId13"/>
+    <p:notesMasterId r:id="rId17"/>
   </p:notesMasterIdLst>
   <p:sldIdLst>
     <p:sldId id="257" r:id="rId2"/>
@@ -19,6 +19,10 @@
     <p:sldId id="376" r:id="rId10"/>
     <p:sldId id="378" r:id="rId11"/>
     <p:sldId id="379" r:id="rId12"/>
+    <p:sldId id="380" r:id="rId13"/>
+    <p:sldId id="381" r:id="rId14"/>
+    <p:sldId id="382" r:id="rId15"/>
+    <p:sldId id="383" r:id="rId16"/>
   </p:sldIdLst>
   <p:sldSz cx="12192000" cy="6858000"/>
   <p:notesSz cx="6858000" cy="9144000"/>
@@ -207,7 +211,7 @@
           <a:p>
             <a:fld id="{16B0145C-99AC-4644-A36E-A4ECBC555925}" type="datetimeFigureOut">
               <a:rPr lang="en-US" smtClean="0"/>
-              <a:t>8/26/2022</a:t>
+              <a:t>8/29/2022</a:t>
             </a:fld>
             <a:endParaRPr lang="en-US"/>
           </a:p>
@@ -732,6 +736,342 @@
 </p:notes>
 </file>
 
+<file path=ppt/notesSlides/notesSlide4.xml><?xml version="1.0" encoding="utf-8"?>
+<p:notes xmlns:a="http://schemas.openxmlformats.org/drawingml/2006/main" xmlns:r="http://schemas.openxmlformats.org/officeDocument/2006/relationships" xmlns:p="http://schemas.openxmlformats.org/presentationml/2006/main">
+  <p:cSld>
+    <p:spTree>
+      <p:nvGrpSpPr>
+        <p:cNvPr id="1" name=""/>
+        <p:cNvGrpSpPr/>
+        <p:nvPr/>
+      </p:nvGrpSpPr>
+      <p:grpSpPr>
+        <a:xfrm>
+          <a:off x="0" y="0"/>
+          <a:ext cx="0" cy="0"/>
+          <a:chOff x="0" y="0"/>
+          <a:chExt cx="0" cy="0"/>
+        </a:xfrm>
+      </p:grpSpPr>
+      <p:sp>
+        <p:nvSpPr>
+          <p:cNvPr id="2" name="Slide Image Placeholder 1"/>
+          <p:cNvSpPr>
+            <a:spLocks noGrp="1" noRot="1" noChangeAspect="1"/>
+          </p:cNvSpPr>
+          <p:nvPr>
+            <p:ph type="sldImg"/>
+          </p:nvPr>
+        </p:nvSpPr>
+        <p:spPr/>
+      </p:sp>
+      <p:sp>
+        <p:nvSpPr>
+          <p:cNvPr id="3" name="Notes Placeholder 2"/>
+          <p:cNvSpPr>
+            <a:spLocks noGrp="1"/>
+          </p:cNvSpPr>
+          <p:nvPr>
+            <p:ph type="body" idx="1"/>
+          </p:nvPr>
+        </p:nvSpPr>
+        <p:spPr/>
+        <p:txBody>
+          <a:bodyPr/>
+          <a:lstStyle/>
+          <a:p>
+            <a:endParaRPr lang="en-US" dirty="0"/>
+          </a:p>
+        </p:txBody>
+      </p:sp>
+      <p:sp>
+        <p:nvSpPr>
+          <p:cNvPr id="4" name="Slide Number Placeholder 3"/>
+          <p:cNvSpPr>
+            <a:spLocks noGrp="1"/>
+          </p:cNvSpPr>
+          <p:nvPr>
+            <p:ph type="sldNum" sz="quarter" idx="5"/>
+          </p:nvPr>
+        </p:nvSpPr>
+        <p:spPr/>
+        <p:txBody>
+          <a:bodyPr/>
+          <a:lstStyle/>
+          <a:p>
+            <a:fld id="{A6E96146-6681-4DBF-B085-F659EAF9A4FE}" type="slidenum">
+              <a:rPr lang="en-US" smtClean="0"/>
+              <a:t>12</a:t>
+            </a:fld>
+            <a:endParaRPr lang="en-US"/>
+          </a:p>
+        </p:txBody>
+      </p:sp>
+    </p:spTree>
+    <p:extLst>
+      <p:ext uri="{BB962C8B-B14F-4D97-AF65-F5344CB8AC3E}">
+        <p14:creationId xmlns:p14="http://schemas.microsoft.com/office/powerpoint/2010/main" val="3673768609"/>
+      </p:ext>
+    </p:extLst>
+  </p:cSld>
+  <p:clrMapOvr>
+    <a:masterClrMapping/>
+  </p:clrMapOvr>
+</p:notes>
+</file>
+
+<file path=ppt/notesSlides/notesSlide5.xml><?xml version="1.0" encoding="utf-8"?>
+<p:notes xmlns:a="http://schemas.openxmlformats.org/drawingml/2006/main" xmlns:r="http://schemas.openxmlformats.org/officeDocument/2006/relationships" xmlns:p="http://schemas.openxmlformats.org/presentationml/2006/main">
+  <p:cSld>
+    <p:spTree>
+      <p:nvGrpSpPr>
+        <p:cNvPr id="1" name=""/>
+        <p:cNvGrpSpPr/>
+        <p:nvPr/>
+      </p:nvGrpSpPr>
+      <p:grpSpPr>
+        <a:xfrm>
+          <a:off x="0" y="0"/>
+          <a:ext cx="0" cy="0"/>
+          <a:chOff x="0" y="0"/>
+          <a:chExt cx="0" cy="0"/>
+        </a:xfrm>
+      </p:grpSpPr>
+      <p:sp>
+        <p:nvSpPr>
+          <p:cNvPr id="2" name="Slide Image Placeholder 1"/>
+          <p:cNvSpPr>
+            <a:spLocks noGrp="1" noRot="1" noChangeAspect="1"/>
+          </p:cNvSpPr>
+          <p:nvPr>
+            <p:ph type="sldImg"/>
+          </p:nvPr>
+        </p:nvSpPr>
+        <p:spPr/>
+      </p:sp>
+      <p:sp>
+        <p:nvSpPr>
+          <p:cNvPr id="3" name="Notes Placeholder 2"/>
+          <p:cNvSpPr>
+            <a:spLocks noGrp="1"/>
+          </p:cNvSpPr>
+          <p:nvPr>
+            <p:ph type="body" idx="1"/>
+          </p:nvPr>
+        </p:nvSpPr>
+        <p:spPr/>
+        <p:txBody>
+          <a:bodyPr/>
+          <a:lstStyle/>
+          <a:p>
+            <a:endParaRPr lang="en-US" dirty="0"/>
+          </a:p>
+        </p:txBody>
+      </p:sp>
+      <p:sp>
+        <p:nvSpPr>
+          <p:cNvPr id="4" name="Slide Number Placeholder 3"/>
+          <p:cNvSpPr>
+            <a:spLocks noGrp="1"/>
+          </p:cNvSpPr>
+          <p:nvPr>
+            <p:ph type="sldNum" sz="quarter" idx="5"/>
+          </p:nvPr>
+        </p:nvSpPr>
+        <p:spPr/>
+        <p:txBody>
+          <a:bodyPr/>
+          <a:lstStyle/>
+          <a:p>
+            <a:fld id="{A6E96146-6681-4DBF-B085-F659EAF9A4FE}" type="slidenum">
+              <a:rPr lang="en-US" smtClean="0"/>
+              <a:t>13</a:t>
+            </a:fld>
+            <a:endParaRPr lang="en-US"/>
+          </a:p>
+        </p:txBody>
+      </p:sp>
+    </p:spTree>
+    <p:extLst>
+      <p:ext uri="{BB962C8B-B14F-4D97-AF65-F5344CB8AC3E}">
+        <p14:creationId xmlns:p14="http://schemas.microsoft.com/office/powerpoint/2010/main" val="4099238150"/>
+      </p:ext>
+    </p:extLst>
+  </p:cSld>
+  <p:clrMapOvr>
+    <a:masterClrMapping/>
+  </p:clrMapOvr>
+</p:notes>
+</file>
+
+<file path=ppt/notesSlides/notesSlide6.xml><?xml version="1.0" encoding="utf-8"?>
+<p:notes xmlns:a="http://schemas.openxmlformats.org/drawingml/2006/main" xmlns:r="http://schemas.openxmlformats.org/officeDocument/2006/relationships" xmlns:p="http://schemas.openxmlformats.org/presentationml/2006/main">
+  <p:cSld>
+    <p:spTree>
+      <p:nvGrpSpPr>
+        <p:cNvPr id="1" name=""/>
+        <p:cNvGrpSpPr/>
+        <p:nvPr/>
+      </p:nvGrpSpPr>
+      <p:grpSpPr>
+        <a:xfrm>
+          <a:off x="0" y="0"/>
+          <a:ext cx="0" cy="0"/>
+          <a:chOff x="0" y="0"/>
+          <a:chExt cx="0" cy="0"/>
+        </a:xfrm>
+      </p:grpSpPr>
+      <p:sp>
+        <p:nvSpPr>
+          <p:cNvPr id="2" name="Slide Image Placeholder 1"/>
+          <p:cNvSpPr>
+            <a:spLocks noGrp="1" noRot="1" noChangeAspect="1"/>
+          </p:cNvSpPr>
+          <p:nvPr>
+            <p:ph type="sldImg"/>
+          </p:nvPr>
+        </p:nvSpPr>
+        <p:spPr/>
+      </p:sp>
+      <p:sp>
+        <p:nvSpPr>
+          <p:cNvPr id="3" name="Notes Placeholder 2"/>
+          <p:cNvSpPr>
+            <a:spLocks noGrp="1"/>
+          </p:cNvSpPr>
+          <p:nvPr>
+            <p:ph type="body" idx="1"/>
+          </p:nvPr>
+        </p:nvSpPr>
+        <p:spPr/>
+        <p:txBody>
+          <a:bodyPr/>
+          <a:lstStyle/>
+          <a:p>
+            <a:endParaRPr lang="en-US" dirty="0"/>
+          </a:p>
+        </p:txBody>
+      </p:sp>
+      <p:sp>
+        <p:nvSpPr>
+          <p:cNvPr id="4" name="Slide Number Placeholder 3"/>
+          <p:cNvSpPr>
+            <a:spLocks noGrp="1"/>
+          </p:cNvSpPr>
+          <p:nvPr>
+            <p:ph type="sldNum" sz="quarter" idx="5"/>
+          </p:nvPr>
+        </p:nvSpPr>
+        <p:spPr/>
+        <p:txBody>
+          <a:bodyPr/>
+          <a:lstStyle/>
+          <a:p>
+            <a:fld id="{A6E96146-6681-4DBF-B085-F659EAF9A4FE}" type="slidenum">
+              <a:rPr lang="en-US" smtClean="0"/>
+              <a:t>14</a:t>
+            </a:fld>
+            <a:endParaRPr lang="en-US"/>
+          </a:p>
+        </p:txBody>
+      </p:sp>
+    </p:spTree>
+    <p:extLst>
+      <p:ext uri="{BB962C8B-B14F-4D97-AF65-F5344CB8AC3E}">
+        <p14:creationId xmlns:p14="http://schemas.microsoft.com/office/powerpoint/2010/main" val="2343144742"/>
+      </p:ext>
+    </p:extLst>
+  </p:cSld>
+  <p:clrMapOvr>
+    <a:masterClrMapping/>
+  </p:clrMapOvr>
+</p:notes>
+</file>
+
+<file path=ppt/notesSlides/notesSlide7.xml><?xml version="1.0" encoding="utf-8"?>
+<p:notes xmlns:a="http://schemas.openxmlformats.org/drawingml/2006/main" xmlns:r="http://schemas.openxmlformats.org/officeDocument/2006/relationships" xmlns:p="http://schemas.openxmlformats.org/presentationml/2006/main">
+  <p:cSld>
+    <p:spTree>
+      <p:nvGrpSpPr>
+        <p:cNvPr id="1" name=""/>
+        <p:cNvGrpSpPr/>
+        <p:nvPr/>
+      </p:nvGrpSpPr>
+      <p:grpSpPr>
+        <a:xfrm>
+          <a:off x="0" y="0"/>
+          <a:ext cx="0" cy="0"/>
+          <a:chOff x="0" y="0"/>
+          <a:chExt cx="0" cy="0"/>
+        </a:xfrm>
+      </p:grpSpPr>
+      <p:sp>
+        <p:nvSpPr>
+          <p:cNvPr id="2" name="Slide Image Placeholder 1"/>
+          <p:cNvSpPr>
+            <a:spLocks noGrp="1" noRot="1" noChangeAspect="1"/>
+          </p:cNvSpPr>
+          <p:nvPr>
+            <p:ph type="sldImg"/>
+          </p:nvPr>
+        </p:nvSpPr>
+        <p:spPr/>
+      </p:sp>
+      <p:sp>
+        <p:nvSpPr>
+          <p:cNvPr id="3" name="Notes Placeholder 2"/>
+          <p:cNvSpPr>
+            <a:spLocks noGrp="1"/>
+          </p:cNvSpPr>
+          <p:nvPr>
+            <p:ph type="body" idx="1"/>
+          </p:nvPr>
+        </p:nvSpPr>
+        <p:spPr/>
+        <p:txBody>
+          <a:bodyPr/>
+          <a:lstStyle/>
+          <a:p>
+            <a:endParaRPr lang="en-US" dirty="0"/>
+          </a:p>
+        </p:txBody>
+      </p:sp>
+      <p:sp>
+        <p:nvSpPr>
+          <p:cNvPr id="4" name="Slide Number Placeholder 3"/>
+          <p:cNvSpPr>
+            <a:spLocks noGrp="1"/>
+          </p:cNvSpPr>
+          <p:nvPr>
+            <p:ph type="sldNum" sz="quarter" idx="5"/>
+          </p:nvPr>
+        </p:nvSpPr>
+        <p:spPr/>
+        <p:txBody>
+          <a:bodyPr/>
+          <a:lstStyle/>
+          <a:p>
+            <a:fld id="{A6E96146-6681-4DBF-B085-F659EAF9A4FE}" type="slidenum">
+              <a:rPr lang="en-US" smtClean="0"/>
+              <a:t>15</a:t>
+            </a:fld>
+            <a:endParaRPr lang="en-US"/>
+          </a:p>
+        </p:txBody>
+      </p:sp>
+    </p:spTree>
+    <p:extLst>
+      <p:ext uri="{BB962C8B-B14F-4D97-AF65-F5344CB8AC3E}">
+        <p14:creationId xmlns:p14="http://schemas.microsoft.com/office/powerpoint/2010/main" val="1606286306"/>
+      </p:ext>
+    </p:extLst>
+  </p:cSld>
+  <p:clrMapOvr>
+    <a:masterClrMapping/>
+  </p:clrMapOvr>
+</p:notes>
+</file>
+
 <file path=ppt/slideLayouts/slideLayout1.xml><?xml version="1.0" encoding="utf-8"?>
 <p:sldLayout xmlns:a="http://schemas.openxmlformats.org/drawingml/2006/main" xmlns:r="http://schemas.openxmlformats.org/officeDocument/2006/relationships" xmlns:p="http://schemas.openxmlformats.org/presentationml/2006/main" type="title" preserve="1">
   <p:cSld name="Title Slide">
@@ -879,7 +1219,7 @@
           <a:p>
             <a:fld id="{973BC00D-352D-4681-8132-8CC5EB9D512D}" type="datetimeFigureOut">
               <a:rPr lang="en-US" smtClean="0"/>
-              <a:t>8/26/2022</a:t>
+              <a:t>8/29/2022</a:t>
             </a:fld>
             <a:endParaRPr lang="en-US"/>
           </a:p>
@@ -1077,7 +1417,7 @@
           <a:p>
             <a:fld id="{973BC00D-352D-4681-8132-8CC5EB9D512D}" type="datetimeFigureOut">
               <a:rPr lang="en-US" smtClean="0"/>
-              <a:t>8/26/2022</a:t>
+              <a:t>8/29/2022</a:t>
             </a:fld>
             <a:endParaRPr lang="en-US"/>
           </a:p>
@@ -1285,7 +1625,7 @@
           <a:p>
             <a:fld id="{973BC00D-352D-4681-8132-8CC5EB9D512D}" type="datetimeFigureOut">
               <a:rPr lang="en-US" smtClean="0"/>
-              <a:t>8/26/2022</a:t>
+              <a:t>8/29/2022</a:t>
             </a:fld>
             <a:endParaRPr lang="en-US"/>
           </a:p>
@@ -1483,7 +1823,7 @@
           <a:p>
             <a:fld id="{973BC00D-352D-4681-8132-8CC5EB9D512D}" type="datetimeFigureOut">
               <a:rPr lang="en-US" smtClean="0"/>
-              <a:t>8/26/2022</a:t>
+              <a:t>8/29/2022</a:t>
             </a:fld>
             <a:endParaRPr lang="en-US"/>
           </a:p>
@@ -1758,7 +2098,7 @@
           <a:p>
             <a:fld id="{973BC00D-352D-4681-8132-8CC5EB9D512D}" type="datetimeFigureOut">
               <a:rPr lang="en-US" smtClean="0"/>
-              <a:t>8/26/2022</a:t>
+              <a:t>8/29/2022</a:t>
             </a:fld>
             <a:endParaRPr lang="en-US"/>
           </a:p>
@@ -2023,7 +2363,7 @@
           <a:p>
             <a:fld id="{973BC00D-352D-4681-8132-8CC5EB9D512D}" type="datetimeFigureOut">
               <a:rPr lang="en-US" smtClean="0"/>
-              <a:t>8/26/2022</a:t>
+              <a:t>8/29/2022</a:t>
             </a:fld>
             <a:endParaRPr lang="en-US"/>
           </a:p>
@@ -2435,7 +2775,7 @@
           <a:p>
             <a:fld id="{973BC00D-352D-4681-8132-8CC5EB9D512D}" type="datetimeFigureOut">
               <a:rPr lang="en-US" smtClean="0"/>
-              <a:t>8/26/2022</a:t>
+              <a:t>8/29/2022</a:t>
             </a:fld>
             <a:endParaRPr lang="en-US"/>
           </a:p>
@@ -2576,7 +2916,7 @@
           <a:p>
             <a:fld id="{973BC00D-352D-4681-8132-8CC5EB9D512D}" type="datetimeFigureOut">
               <a:rPr lang="en-US" smtClean="0"/>
-              <a:t>8/26/2022</a:t>
+              <a:t>8/29/2022</a:t>
             </a:fld>
             <a:endParaRPr lang="en-US"/>
           </a:p>
@@ -2689,7 +3029,7 @@
           <a:p>
             <a:fld id="{973BC00D-352D-4681-8132-8CC5EB9D512D}" type="datetimeFigureOut">
               <a:rPr lang="en-US" smtClean="0"/>
-              <a:t>8/26/2022</a:t>
+              <a:t>8/29/2022</a:t>
             </a:fld>
             <a:endParaRPr lang="en-US"/>
           </a:p>
@@ -3000,7 +3340,7 @@
           <a:p>
             <a:fld id="{973BC00D-352D-4681-8132-8CC5EB9D512D}" type="datetimeFigureOut">
               <a:rPr lang="en-US" smtClean="0"/>
-              <a:t>8/26/2022</a:t>
+              <a:t>8/29/2022</a:t>
             </a:fld>
             <a:endParaRPr lang="en-US"/>
           </a:p>
@@ -3288,7 +3628,7 @@
           <a:p>
             <a:fld id="{973BC00D-352D-4681-8132-8CC5EB9D512D}" type="datetimeFigureOut">
               <a:rPr lang="en-US" smtClean="0"/>
-              <a:t>8/26/2022</a:t>
+              <a:t>8/29/2022</a:t>
             </a:fld>
             <a:endParaRPr lang="en-US"/>
           </a:p>
@@ -3529,7 +3869,7 @@
           <a:p>
             <a:fld id="{973BC00D-352D-4681-8132-8CC5EB9D512D}" type="datetimeFigureOut">
               <a:rPr lang="en-US" smtClean="0"/>
-              <a:t>8/26/2022</a:t>
+              <a:t>8/29/2022</a:t>
             </a:fld>
             <a:endParaRPr lang="en-US"/>
           </a:p>
@@ -4459,6 +4799,632 @@
     <p:extLst>
       <p:ext uri="{BB962C8B-B14F-4D97-AF65-F5344CB8AC3E}">
         <p14:creationId xmlns:p14="http://schemas.microsoft.com/office/powerpoint/2010/main" val="4073216413"/>
+      </p:ext>
+    </p:extLst>
+  </p:cSld>
+  <p:clrMapOvr>
+    <a:masterClrMapping/>
+  </p:clrMapOvr>
+</p:sld>
+</file>
+
+<file path=ppt/slides/slide12.xml><?xml version="1.0" encoding="utf-8"?>
+<p:sld xmlns:a="http://schemas.openxmlformats.org/drawingml/2006/main" xmlns:r="http://schemas.openxmlformats.org/officeDocument/2006/relationships" xmlns:p="http://schemas.openxmlformats.org/presentationml/2006/main">
+  <p:cSld>
+    <p:spTree>
+      <p:nvGrpSpPr>
+        <p:cNvPr id="1" name=""/>
+        <p:cNvGrpSpPr/>
+        <p:nvPr/>
+      </p:nvGrpSpPr>
+      <p:grpSpPr>
+        <a:xfrm>
+          <a:off x="0" y="0"/>
+          <a:ext cx="0" cy="0"/>
+          <a:chOff x="0" y="0"/>
+          <a:chExt cx="0" cy="0"/>
+        </a:xfrm>
+      </p:grpSpPr>
+      <p:sp>
+        <p:nvSpPr>
+          <p:cNvPr id="2" name="TextBox 1">
+            <a:extLst>
+              <a:ext uri="{FF2B5EF4-FFF2-40B4-BE49-F238E27FC236}">
+                <a16:creationId xmlns:a16="http://schemas.microsoft.com/office/drawing/2014/main" id="{2F95C7AD-28A6-6FFA-F6A5-977AB6EDBB6E}"/>
+              </a:ext>
+            </a:extLst>
+          </p:cNvPr>
+          <p:cNvSpPr txBox="1"/>
+          <p:nvPr/>
+        </p:nvSpPr>
+        <p:spPr>
+          <a:xfrm>
+            <a:off x="3397415" y="314625"/>
+            <a:ext cx="4039696" cy="769441"/>
+          </a:xfrm>
+          <a:prstGeom prst="rect">
+            <a:avLst/>
+          </a:prstGeom>
+          <a:noFill/>
+        </p:spPr>
+        <p:txBody>
+          <a:bodyPr wrap="none" rtlCol="0">
+            <a:spAutoFit/>
+          </a:bodyPr>
+          <a:lstStyle/>
+          <a:p>
+            <a:r>
+              <a:rPr lang="da-DK" sz="4400"/>
+              <a:t>Data page layout</a:t>
+            </a:r>
+            <a:endParaRPr lang="en-US" sz="4400" dirty="0"/>
+          </a:p>
+        </p:txBody>
+      </p:sp>
+      <p:sp>
+        <p:nvSpPr>
+          <p:cNvPr id="3" name="TextBox 2">
+            <a:extLst>
+              <a:ext uri="{FF2B5EF4-FFF2-40B4-BE49-F238E27FC236}">
+                <a16:creationId xmlns:a16="http://schemas.microsoft.com/office/drawing/2014/main" id="{C58B6763-E146-6C0C-77B8-4D4745DBD649}"/>
+              </a:ext>
+            </a:extLst>
+          </p:cNvPr>
+          <p:cNvSpPr txBox="1"/>
+          <p:nvPr/>
+        </p:nvSpPr>
+        <p:spPr>
+          <a:xfrm>
+            <a:off x="636693" y="1625600"/>
+            <a:ext cx="3791744" cy="646331"/>
+          </a:xfrm>
+          <a:prstGeom prst="rect">
+            <a:avLst/>
+          </a:prstGeom>
+          <a:noFill/>
+        </p:spPr>
+        <p:txBody>
+          <a:bodyPr wrap="none" rtlCol="0">
+            <a:spAutoFit/>
+          </a:bodyPr>
+          <a:lstStyle/>
+          <a:p>
+            <a:r>
+              <a:rPr lang="en-US" dirty="0"/>
+              <a:t>Top app bar, map container, side panel</a:t>
+            </a:r>
+          </a:p>
+          <a:p>
+            <a:endParaRPr lang="en-US" dirty="0"/>
+          </a:p>
+        </p:txBody>
+      </p:sp>
+      <p:pic>
+        <p:nvPicPr>
+          <p:cNvPr id="11" name="Picture 10">
+            <a:extLst>
+              <a:ext uri="{FF2B5EF4-FFF2-40B4-BE49-F238E27FC236}">
+                <a16:creationId xmlns:a16="http://schemas.microsoft.com/office/drawing/2014/main" id="{7BE8B710-48B1-4492-917E-D01A00B553EA}"/>
+              </a:ext>
+            </a:extLst>
+          </p:cNvPr>
+          <p:cNvPicPr>
+            <a:picLocks noChangeAspect="1"/>
+          </p:cNvPicPr>
+          <p:nvPr/>
+        </p:nvPicPr>
+        <p:blipFill>
+          <a:blip r:embed="rId3"/>
+          <a:stretch>
+            <a:fillRect/>
+          </a:stretch>
+        </p:blipFill>
+        <p:spPr>
+          <a:xfrm>
+            <a:off x="826975" y="2271931"/>
+            <a:ext cx="3928878" cy="4324773"/>
+          </a:xfrm>
+          <a:prstGeom prst="rect">
+            <a:avLst/>
+          </a:prstGeom>
+        </p:spPr>
+      </p:pic>
+      <p:pic>
+        <p:nvPicPr>
+          <p:cNvPr id="13" name="Picture 12">
+            <a:extLst>
+              <a:ext uri="{FF2B5EF4-FFF2-40B4-BE49-F238E27FC236}">
+                <a16:creationId xmlns:a16="http://schemas.microsoft.com/office/drawing/2014/main" id="{4CCB3FC4-D5A0-AFEF-A17C-CC3C3C1E8BB1}"/>
+              </a:ext>
+            </a:extLst>
+          </p:cNvPr>
+          <p:cNvPicPr>
+            <a:picLocks noChangeAspect="1"/>
+          </p:cNvPicPr>
+          <p:nvPr/>
+        </p:nvPicPr>
+        <p:blipFill>
+          <a:blip r:embed="rId4"/>
+          <a:stretch>
+            <a:fillRect/>
+          </a:stretch>
+        </p:blipFill>
+        <p:spPr>
+          <a:xfrm>
+            <a:off x="5549743" y="2590131"/>
+            <a:ext cx="6222309" cy="3420145"/>
+          </a:xfrm>
+          <a:prstGeom prst="rect">
+            <a:avLst/>
+          </a:prstGeom>
+        </p:spPr>
+      </p:pic>
+    </p:spTree>
+    <p:extLst>
+      <p:ext uri="{BB962C8B-B14F-4D97-AF65-F5344CB8AC3E}">
+        <p14:creationId xmlns:p14="http://schemas.microsoft.com/office/powerpoint/2010/main" val="3543117"/>
+      </p:ext>
+    </p:extLst>
+  </p:cSld>
+  <p:clrMapOvr>
+    <a:masterClrMapping/>
+  </p:clrMapOvr>
+</p:sld>
+</file>
+
+<file path=ppt/slides/slide13.xml><?xml version="1.0" encoding="utf-8"?>
+<p:sld xmlns:a="http://schemas.openxmlformats.org/drawingml/2006/main" xmlns:r="http://schemas.openxmlformats.org/officeDocument/2006/relationships" xmlns:p="http://schemas.openxmlformats.org/presentationml/2006/main">
+  <p:cSld>
+    <p:spTree>
+      <p:nvGrpSpPr>
+        <p:cNvPr id="1" name=""/>
+        <p:cNvGrpSpPr/>
+        <p:nvPr/>
+      </p:nvGrpSpPr>
+      <p:grpSpPr>
+        <a:xfrm>
+          <a:off x="0" y="0"/>
+          <a:ext cx="0" cy="0"/>
+          <a:chOff x="0" y="0"/>
+          <a:chExt cx="0" cy="0"/>
+        </a:xfrm>
+      </p:grpSpPr>
+      <p:sp>
+        <p:nvSpPr>
+          <p:cNvPr id="2" name="TextBox 1">
+            <a:extLst>
+              <a:ext uri="{FF2B5EF4-FFF2-40B4-BE49-F238E27FC236}">
+                <a16:creationId xmlns:a16="http://schemas.microsoft.com/office/drawing/2014/main" id="{2F95C7AD-28A6-6FFA-F6A5-977AB6EDBB6E}"/>
+              </a:ext>
+            </a:extLst>
+          </p:cNvPr>
+          <p:cNvSpPr txBox="1"/>
+          <p:nvPr/>
+        </p:nvSpPr>
+        <p:spPr>
+          <a:xfrm>
+            <a:off x="3397415" y="314625"/>
+            <a:ext cx="3837910" cy="769441"/>
+          </a:xfrm>
+          <a:prstGeom prst="rect">
+            <a:avLst/>
+          </a:prstGeom>
+          <a:noFill/>
+        </p:spPr>
+        <p:txBody>
+          <a:bodyPr wrap="none" rtlCol="0">
+            <a:spAutoFit/>
+          </a:bodyPr>
+          <a:lstStyle/>
+          <a:p>
+            <a:r>
+              <a:rPr lang="da-DK" sz="4400" dirty="0"/>
+              <a:t>Adding the map</a:t>
+            </a:r>
+            <a:endParaRPr lang="en-US" sz="4400" dirty="0"/>
+          </a:p>
+        </p:txBody>
+      </p:sp>
+      <p:sp>
+        <p:nvSpPr>
+          <p:cNvPr id="3" name="TextBox 2">
+            <a:extLst>
+              <a:ext uri="{FF2B5EF4-FFF2-40B4-BE49-F238E27FC236}">
+                <a16:creationId xmlns:a16="http://schemas.microsoft.com/office/drawing/2014/main" id="{C58B6763-E146-6C0C-77B8-4D4745DBD649}"/>
+              </a:ext>
+            </a:extLst>
+          </p:cNvPr>
+          <p:cNvSpPr txBox="1"/>
+          <p:nvPr/>
+        </p:nvSpPr>
+        <p:spPr>
+          <a:xfrm>
+            <a:off x="636693" y="1625600"/>
+            <a:ext cx="2210477" cy="646331"/>
+          </a:xfrm>
+          <a:prstGeom prst="rect">
+            <a:avLst/>
+          </a:prstGeom>
+          <a:noFill/>
+        </p:spPr>
+        <p:txBody>
+          <a:bodyPr wrap="none" rtlCol="0">
+            <a:spAutoFit/>
+          </a:bodyPr>
+          <a:lstStyle/>
+          <a:p>
+            <a:r>
+              <a:rPr lang="en-US" dirty="0" err="1"/>
+              <a:t>MapView</a:t>
+            </a:r>
+            <a:r>
+              <a:rPr lang="en-US" dirty="0"/>
+              <a:t> component</a:t>
+            </a:r>
+          </a:p>
+          <a:p>
+            <a:endParaRPr lang="en-US" dirty="0"/>
+          </a:p>
+        </p:txBody>
+      </p:sp>
+      <p:pic>
+        <p:nvPicPr>
+          <p:cNvPr id="5" name="Picture 4">
+            <a:extLst>
+              <a:ext uri="{FF2B5EF4-FFF2-40B4-BE49-F238E27FC236}">
+                <a16:creationId xmlns:a16="http://schemas.microsoft.com/office/drawing/2014/main" id="{6180BD58-AF31-C860-EE51-9D3202343F5C}"/>
+              </a:ext>
+            </a:extLst>
+          </p:cNvPr>
+          <p:cNvPicPr>
+            <a:picLocks noChangeAspect="1"/>
+          </p:cNvPicPr>
+          <p:nvPr/>
+        </p:nvPicPr>
+        <p:blipFill>
+          <a:blip r:embed="rId3"/>
+          <a:stretch>
+            <a:fillRect/>
+          </a:stretch>
+        </p:blipFill>
+        <p:spPr>
+          <a:xfrm>
+            <a:off x="982287" y="2137322"/>
+            <a:ext cx="3515941" cy="4406053"/>
+          </a:xfrm>
+          <a:prstGeom prst="rect">
+            <a:avLst/>
+          </a:prstGeom>
+        </p:spPr>
+      </p:pic>
+      <p:pic>
+        <p:nvPicPr>
+          <p:cNvPr id="7" name="Picture 6">
+            <a:extLst>
+              <a:ext uri="{FF2B5EF4-FFF2-40B4-BE49-F238E27FC236}">
+                <a16:creationId xmlns:a16="http://schemas.microsoft.com/office/drawing/2014/main" id="{3D8B3EFC-8C6F-5C52-362D-5478A84F0780}"/>
+              </a:ext>
+            </a:extLst>
+          </p:cNvPr>
+          <p:cNvPicPr>
+            <a:picLocks noChangeAspect="1"/>
+          </p:cNvPicPr>
+          <p:nvPr/>
+        </p:nvPicPr>
+        <p:blipFill>
+          <a:blip r:embed="rId4"/>
+          <a:stretch>
+            <a:fillRect/>
+          </a:stretch>
+        </p:blipFill>
+        <p:spPr>
+          <a:xfrm>
+            <a:off x="5944071" y="2736426"/>
+            <a:ext cx="5340302" cy="2620625"/>
+          </a:xfrm>
+          <a:prstGeom prst="rect">
+            <a:avLst/>
+          </a:prstGeom>
+        </p:spPr>
+      </p:pic>
+    </p:spTree>
+    <p:extLst>
+      <p:ext uri="{BB962C8B-B14F-4D97-AF65-F5344CB8AC3E}">
+        <p14:creationId xmlns:p14="http://schemas.microsoft.com/office/powerpoint/2010/main" val="2487643793"/>
+      </p:ext>
+    </p:extLst>
+  </p:cSld>
+  <p:clrMapOvr>
+    <a:masterClrMapping/>
+  </p:clrMapOvr>
+</p:sld>
+</file>
+
+<file path=ppt/slides/slide14.xml><?xml version="1.0" encoding="utf-8"?>
+<p:sld xmlns:a="http://schemas.openxmlformats.org/drawingml/2006/main" xmlns:r="http://schemas.openxmlformats.org/officeDocument/2006/relationships" xmlns:p="http://schemas.openxmlformats.org/presentationml/2006/main">
+  <p:cSld>
+    <p:spTree>
+      <p:nvGrpSpPr>
+        <p:cNvPr id="1" name=""/>
+        <p:cNvGrpSpPr/>
+        <p:nvPr/>
+      </p:nvGrpSpPr>
+      <p:grpSpPr>
+        <a:xfrm>
+          <a:off x="0" y="0"/>
+          <a:ext cx="0" cy="0"/>
+          <a:chOff x="0" y="0"/>
+          <a:chExt cx="0" cy="0"/>
+        </a:xfrm>
+      </p:grpSpPr>
+      <p:sp>
+        <p:nvSpPr>
+          <p:cNvPr id="2" name="TextBox 1">
+            <a:extLst>
+              <a:ext uri="{FF2B5EF4-FFF2-40B4-BE49-F238E27FC236}">
+                <a16:creationId xmlns:a16="http://schemas.microsoft.com/office/drawing/2014/main" id="{2F95C7AD-28A6-6FFA-F6A5-977AB6EDBB6E}"/>
+              </a:ext>
+            </a:extLst>
+          </p:cNvPr>
+          <p:cNvSpPr txBox="1"/>
+          <p:nvPr/>
+        </p:nvSpPr>
+        <p:spPr>
+          <a:xfrm>
+            <a:off x="3397415" y="314625"/>
+            <a:ext cx="4773936" cy="769441"/>
+          </a:xfrm>
+          <a:prstGeom prst="rect">
+            <a:avLst/>
+          </a:prstGeom>
+          <a:noFill/>
+        </p:spPr>
+        <p:txBody>
+          <a:bodyPr wrap="none" rtlCol="0">
+            <a:spAutoFit/>
+          </a:bodyPr>
+          <a:lstStyle/>
+          <a:p>
+            <a:r>
+              <a:rPr lang="da-DK" sz="4400" dirty="0"/>
+              <a:t>Adding a point layer</a:t>
+            </a:r>
+            <a:endParaRPr lang="en-US" sz="4400" dirty="0"/>
+          </a:p>
+        </p:txBody>
+      </p:sp>
+      <p:pic>
+        <p:nvPicPr>
+          <p:cNvPr id="6" name="Picture 5">
+            <a:extLst>
+              <a:ext uri="{FF2B5EF4-FFF2-40B4-BE49-F238E27FC236}">
+                <a16:creationId xmlns:a16="http://schemas.microsoft.com/office/drawing/2014/main" id="{94567A80-1024-A1B0-0058-677A4210FDE9}"/>
+              </a:ext>
+            </a:extLst>
+          </p:cNvPr>
+          <p:cNvPicPr>
+            <a:picLocks noChangeAspect="1"/>
+          </p:cNvPicPr>
+          <p:nvPr/>
+        </p:nvPicPr>
+        <p:blipFill>
+          <a:blip r:embed="rId3"/>
+          <a:stretch>
+            <a:fillRect/>
+          </a:stretch>
+        </p:blipFill>
+        <p:spPr>
+          <a:xfrm>
+            <a:off x="968552" y="2238922"/>
+            <a:ext cx="3562642" cy="4304453"/>
+          </a:xfrm>
+          <a:prstGeom prst="rect">
+            <a:avLst/>
+          </a:prstGeom>
+        </p:spPr>
+      </p:pic>
+      <p:pic>
+        <p:nvPicPr>
+          <p:cNvPr id="9" name="Picture 8">
+            <a:extLst>
+              <a:ext uri="{FF2B5EF4-FFF2-40B4-BE49-F238E27FC236}">
+                <a16:creationId xmlns:a16="http://schemas.microsoft.com/office/drawing/2014/main" id="{197A3560-20FA-6D11-255A-6C00E6368A1B}"/>
+              </a:ext>
+            </a:extLst>
+          </p:cNvPr>
+          <p:cNvPicPr>
+            <a:picLocks noChangeAspect="1"/>
+          </p:cNvPicPr>
+          <p:nvPr/>
+        </p:nvPicPr>
+        <p:blipFill>
+          <a:blip r:embed="rId4"/>
+          <a:stretch>
+            <a:fillRect/>
+          </a:stretch>
+        </p:blipFill>
+        <p:spPr>
+          <a:xfrm>
+            <a:off x="6692147" y="3220779"/>
+            <a:ext cx="3210373" cy="2191056"/>
+          </a:xfrm>
+          <a:prstGeom prst="rect">
+            <a:avLst/>
+          </a:prstGeom>
+        </p:spPr>
+      </p:pic>
+    </p:spTree>
+    <p:extLst>
+      <p:ext uri="{BB962C8B-B14F-4D97-AF65-F5344CB8AC3E}">
+        <p14:creationId xmlns:p14="http://schemas.microsoft.com/office/powerpoint/2010/main" val="3530712320"/>
+      </p:ext>
+    </p:extLst>
+  </p:cSld>
+  <p:clrMapOvr>
+    <a:masterClrMapping/>
+  </p:clrMapOvr>
+</p:sld>
+</file>
+
+<file path=ppt/slides/slide15.xml><?xml version="1.0" encoding="utf-8"?>
+<p:sld xmlns:a="http://schemas.openxmlformats.org/drawingml/2006/main" xmlns:r="http://schemas.openxmlformats.org/officeDocument/2006/relationships" xmlns:p="http://schemas.openxmlformats.org/presentationml/2006/main">
+  <p:cSld>
+    <p:spTree>
+      <p:nvGrpSpPr>
+        <p:cNvPr id="1" name=""/>
+        <p:cNvGrpSpPr/>
+        <p:nvPr/>
+      </p:nvGrpSpPr>
+      <p:grpSpPr>
+        <a:xfrm>
+          <a:off x="0" y="0"/>
+          <a:ext cx="0" cy="0"/>
+          <a:chOff x="0" y="0"/>
+          <a:chExt cx="0" cy="0"/>
+        </a:xfrm>
+      </p:grpSpPr>
+      <p:sp>
+        <p:nvSpPr>
+          <p:cNvPr id="2" name="TextBox 1">
+            <a:extLst>
+              <a:ext uri="{FF2B5EF4-FFF2-40B4-BE49-F238E27FC236}">
+                <a16:creationId xmlns:a16="http://schemas.microsoft.com/office/drawing/2014/main" id="{2F95C7AD-28A6-6FFA-F6A5-977AB6EDBB6E}"/>
+              </a:ext>
+            </a:extLst>
+          </p:cNvPr>
+          <p:cNvSpPr txBox="1"/>
+          <p:nvPr/>
+        </p:nvSpPr>
+        <p:spPr>
+          <a:xfrm>
+            <a:off x="3397415" y="314625"/>
+            <a:ext cx="6362063" cy="769441"/>
+          </a:xfrm>
+          <a:prstGeom prst="rect">
+            <a:avLst/>
+          </a:prstGeom>
+          <a:noFill/>
+        </p:spPr>
+        <p:txBody>
+          <a:bodyPr wrap="none" rtlCol="0">
+            <a:spAutoFit/>
+          </a:bodyPr>
+          <a:lstStyle/>
+          <a:p>
+            <a:r>
+              <a:rPr lang="da-DK" sz="4400" dirty="0"/>
+              <a:t>Showing a timeseries chart</a:t>
+            </a:r>
+            <a:endParaRPr lang="en-US" sz="4400" dirty="0"/>
+          </a:p>
+        </p:txBody>
+      </p:sp>
+      <p:sp>
+        <p:nvSpPr>
+          <p:cNvPr id="3" name="TextBox 2">
+            <a:extLst>
+              <a:ext uri="{FF2B5EF4-FFF2-40B4-BE49-F238E27FC236}">
+                <a16:creationId xmlns:a16="http://schemas.microsoft.com/office/drawing/2014/main" id="{C58B6763-E146-6C0C-77B8-4D4745DBD649}"/>
+              </a:ext>
+            </a:extLst>
+          </p:cNvPr>
+          <p:cNvSpPr txBox="1"/>
+          <p:nvPr/>
+        </p:nvSpPr>
+        <p:spPr>
+          <a:xfrm>
+            <a:off x="636693" y="1625600"/>
+            <a:ext cx="2210477" cy="646331"/>
+          </a:xfrm>
+          <a:prstGeom prst="rect">
+            <a:avLst/>
+          </a:prstGeom>
+          <a:noFill/>
+        </p:spPr>
+        <p:txBody>
+          <a:bodyPr wrap="none" rtlCol="0">
+            <a:spAutoFit/>
+          </a:bodyPr>
+          <a:lstStyle/>
+          <a:p>
+            <a:r>
+              <a:rPr lang="en-US" dirty="0" err="1"/>
+              <a:t>MapView</a:t>
+            </a:r>
+            <a:r>
+              <a:rPr lang="en-US" dirty="0"/>
+              <a:t> component</a:t>
+            </a:r>
+          </a:p>
+          <a:p>
+            <a:endParaRPr lang="en-US" dirty="0"/>
+          </a:p>
+        </p:txBody>
+      </p:sp>
+      <p:pic>
+        <p:nvPicPr>
+          <p:cNvPr id="6" name="Picture 5">
+            <a:extLst>
+              <a:ext uri="{FF2B5EF4-FFF2-40B4-BE49-F238E27FC236}">
+                <a16:creationId xmlns:a16="http://schemas.microsoft.com/office/drawing/2014/main" id="{94567A80-1024-A1B0-0058-677A4210FDE9}"/>
+              </a:ext>
+            </a:extLst>
+          </p:cNvPr>
+          <p:cNvPicPr>
+            <a:picLocks noChangeAspect="1"/>
+          </p:cNvPicPr>
+          <p:nvPr/>
+        </p:nvPicPr>
+        <p:blipFill>
+          <a:blip r:embed="rId3"/>
+          <a:stretch>
+            <a:fillRect/>
+          </a:stretch>
+        </p:blipFill>
+        <p:spPr>
+          <a:xfrm>
+            <a:off x="968552" y="2238922"/>
+            <a:ext cx="3562642" cy="4304453"/>
+          </a:xfrm>
+          <a:prstGeom prst="rect">
+            <a:avLst/>
+          </a:prstGeom>
+        </p:spPr>
+      </p:pic>
+      <p:pic>
+        <p:nvPicPr>
+          <p:cNvPr id="9" name="Picture 8">
+            <a:extLst>
+              <a:ext uri="{FF2B5EF4-FFF2-40B4-BE49-F238E27FC236}">
+                <a16:creationId xmlns:a16="http://schemas.microsoft.com/office/drawing/2014/main" id="{197A3560-20FA-6D11-255A-6C00E6368A1B}"/>
+              </a:ext>
+            </a:extLst>
+          </p:cNvPr>
+          <p:cNvPicPr>
+            <a:picLocks noChangeAspect="1"/>
+          </p:cNvPicPr>
+          <p:nvPr/>
+        </p:nvPicPr>
+        <p:blipFill>
+          <a:blip r:embed="rId4"/>
+          <a:stretch>
+            <a:fillRect/>
+          </a:stretch>
+        </p:blipFill>
+        <p:spPr>
+          <a:xfrm>
+            <a:off x="6692147" y="3220779"/>
+            <a:ext cx="3210373" cy="2191056"/>
+          </a:xfrm>
+          <a:prstGeom prst="rect">
+            <a:avLst/>
+          </a:prstGeom>
+        </p:spPr>
+      </p:pic>
+    </p:spTree>
+    <p:extLst>
+      <p:ext uri="{BB962C8B-B14F-4D97-AF65-F5344CB8AC3E}">
+        <p14:creationId xmlns:p14="http://schemas.microsoft.com/office/powerpoint/2010/main" val="4163529934"/>
       </p:ext>
     </p:extLst>
   </p:cSld>

--- a/Presentations/DS-course-4-frontend.pptx
+++ b/Presentations/DS-course-4-frontend.pptx
@@ -5,24 +5,34 @@
     <p:sldMasterId id="2147483648" r:id="rId1"/>
   </p:sldMasterIdLst>
   <p:notesMasterIdLst>
-    <p:notesMasterId r:id="rId17"/>
+    <p:notesMasterId r:id="rId27"/>
   </p:notesMasterIdLst>
   <p:sldIdLst>
     <p:sldId id="257" r:id="rId2"/>
-    <p:sldId id="258" r:id="rId3"/>
-    <p:sldId id="276" r:id="rId4"/>
-    <p:sldId id="372" r:id="rId5"/>
-    <p:sldId id="352" r:id="rId6"/>
-    <p:sldId id="373" r:id="rId7"/>
-    <p:sldId id="374" r:id="rId8"/>
-    <p:sldId id="375" r:id="rId9"/>
-    <p:sldId id="376" r:id="rId10"/>
-    <p:sldId id="378" r:id="rId11"/>
-    <p:sldId id="379" r:id="rId12"/>
-    <p:sldId id="380" r:id="rId13"/>
-    <p:sldId id="381" r:id="rId14"/>
-    <p:sldId id="382" r:id="rId15"/>
-    <p:sldId id="383" r:id="rId16"/>
+    <p:sldId id="276" r:id="rId3"/>
+    <p:sldId id="352" r:id="rId4"/>
+    <p:sldId id="258" r:id="rId5"/>
+    <p:sldId id="262" r:id="rId6"/>
+    <p:sldId id="387" r:id="rId7"/>
+    <p:sldId id="391" r:id="rId8"/>
+    <p:sldId id="392" r:id="rId9"/>
+    <p:sldId id="393" r:id="rId10"/>
+    <p:sldId id="388" r:id="rId11"/>
+    <p:sldId id="396" r:id="rId12"/>
+    <p:sldId id="395" r:id="rId13"/>
+    <p:sldId id="394" r:id="rId14"/>
+    <p:sldId id="398" r:id="rId15"/>
+    <p:sldId id="389" r:id="rId16"/>
+    <p:sldId id="399" r:id="rId17"/>
+    <p:sldId id="400" r:id="rId18"/>
+    <p:sldId id="401" r:id="rId19"/>
+    <p:sldId id="390" r:id="rId20"/>
+    <p:sldId id="402" r:id="rId21"/>
+    <p:sldId id="403" r:id="rId22"/>
+    <p:sldId id="404" r:id="rId23"/>
+    <p:sldId id="405" r:id="rId24"/>
+    <p:sldId id="360" r:id="rId25"/>
+    <p:sldId id="372" r:id="rId26"/>
   </p:sldIdLst>
   <p:sldSz cx="12192000" cy="6858000"/>
   <p:notesSz cx="6858000" cy="9144000"/>
@@ -211,7 +221,7 @@
           <a:p>
             <a:fld id="{16B0145C-99AC-4644-A36E-A4ECBC555925}" type="datetimeFigureOut">
               <a:rPr lang="en-US" smtClean="0"/>
-              <a:t>8/29/2022</a:t>
+              <a:t>8/31/2022</a:t>
             </a:fld>
             <a:endParaRPr lang="en-US"/>
           </a:p>
@@ -522,7 +532,10 @@
           <a:bodyPr/>
           <a:lstStyle/>
           <a:p>
-            <a:endParaRPr lang="en-US" dirty="0"/>
+            <a:r>
+              <a:rPr lang="en-US" noProof="0" dirty="0"/>
+              <a:t>&lt;use this slide for agenda&gt;</a:t>
+            </a:r>
           </a:p>
         </p:txBody>
       </p:sp>
@@ -552,7 +565,578 @@
     </p:spTree>
     <p:extLst>
       <p:ext uri="{BB962C8B-B14F-4D97-AF65-F5344CB8AC3E}">
-        <p14:creationId xmlns:p14="http://schemas.microsoft.com/office/powerpoint/2010/main" val="1542793037"/>
+        <p14:creationId xmlns:p14="http://schemas.microsoft.com/office/powerpoint/2010/main" val="1996970317"/>
+      </p:ext>
+    </p:extLst>
+  </p:cSld>
+  <p:clrMapOvr>
+    <a:masterClrMapping/>
+  </p:clrMapOvr>
+</p:notes>
+</file>
+
+<file path=ppt/notesSlides/notesSlide10.xml><?xml version="1.0" encoding="utf-8"?>
+<p:notes xmlns:a="http://schemas.openxmlformats.org/drawingml/2006/main" xmlns:r="http://schemas.openxmlformats.org/officeDocument/2006/relationships" xmlns:p="http://schemas.openxmlformats.org/presentationml/2006/main">
+  <p:cSld>
+    <p:spTree>
+      <p:nvGrpSpPr>
+        <p:cNvPr id="1" name=""/>
+        <p:cNvGrpSpPr/>
+        <p:nvPr/>
+      </p:nvGrpSpPr>
+      <p:grpSpPr>
+        <a:xfrm>
+          <a:off x="0" y="0"/>
+          <a:ext cx="0" cy="0"/>
+          <a:chOff x="0" y="0"/>
+          <a:chExt cx="0" cy="0"/>
+        </a:xfrm>
+      </p:grpSpPr>
+      <p:sp>
+        <p:nvSpPr>
+          <p:cNvPr id="2" name="Slide Image Placeholder 1"/>
+          <p:cNvSpPr>
+            <a:spLocks noGrp="1" noRot="1" noChangeAspect="1"/>
+          </p:cNvSpPr>
+          <p:nvPr>
+            <p:ph type="sldImg"/>
+          </p:nvPr>
+        </p:nvSpPr>
+        <p:spPr/>
+      </p:sp>
+      <p:sp>
+        <p:nvSpPr>
+          <p:cNvPr id="3" name="Notes Placeholder 2"/>
+          <p:cNvSpPr>
+            <a:spLocks noGrp="1"/>
+          </p:cNvSpPr>
+          <p:nvPr>
+            <p:ph type="body" idx="1"/>
+          </p:nvPr>
+        </p:nvSpPr>
+        <p:spPr/>
+        <p:txBody>
+          <a:bodyPr/>
+          <a:lstStyle/>
+          <a:p>
+            <a:r>
+              <a:rPr lang="en-US" dirty="0"/>
+              <a:t>Additional points can be added simply by updating the </a:t>
+            </a:r>
+            <a:r>
+              <a:rPr lang="en-US" dirty="0" err="1"/>
+              <a:t>points.geojson</a:t>
+            </a:r>
+            <a:r>
+              <a:rPr lang="en-US" dirty="0"/>
+              <a:t> file</a:t>
+            </a:r>
+          </a:p>
+        </p:txBody>
+      </p:sp>
+      <p:sp>
+        <p:nvSpPr>
+          <p:cNvPr id="4" name="Slide Number Placeholder 3"/>
+          <p:cNvSpPr>
+            <a:spLocks noGrp="1"/>
+          </p:cNvSpPr>
+          <p:nvPr>
+            <p:ph type="sldNum" sz="quarter" idx="5"/>
+          </p:nvPr>
+        </p:nvSpPr>
+        <p:spPr/>
+        <p:txBody>
+          <a:bodyPr/>
+          <a:lstStyle/>
+          <a:p>
+            <a:fld id="{A6E96146-6681-4DBF-B085-F659EAF9A4FE}" type="slidenum">
+              <a:rPr lang="en-US" smtClean="0"/>
+              <a:t>20</a:t>
+            </a:fld>
+            <a:endParaRPr lang="en-US"/>
+          </a:p>
+        </p:txBody>
+      </p:sp>
+    </p:spTree>
+    <p:extLst>
+      <p:ext uri="{BB962C8B-B14F-4D97-AF65-F5344CB8AC3E}">
+        <p14:creationId xmlns:p14="http://schemas.microsoft.com/office/powerpoint/2010/main" val="1971807371"/>
+      </p:ext>
+    </p:extLst>
+  </p:cSld>
+  <p:clrMapOvr>
+    <a:masterClrMapping/>
+  </p:clrMapOvr>
+</p:notes>
+</file>
+
+<file path=ppt/notesSlides/notesSlide11.xml><?xml version="1.0" encoding="utf-8"?>
+<p:notes xmlns:a="http://schemas.openxmlformats.org/drawingml/2006/main" xmlns:r="http://schemas.openxmlformats.org/officeDocument/2006/relationships" xmlns:p="http://schemas.openxmlformats.org/presentationml/2006/main">
+  <p:cSld>
+    <p:spTree>
+      <p:nvGrpSpPr>
+        <p:cNvPr id="1" name=""/>
+        <p:cNvGrpSpPr/>
+        <p:nvPr/>
+      </p:nvGrpSpPr>
+      <p:grpSpPr>
+        <a:xfrm>
+          <a:off x="0" y="0"/>
+          <a:ext cx="0" cy="0"/>
+          <a:chOff x="0" y="0"/>
+          <a:chExt cx="0" cy="0"/>
+        </a:xfrm>
+      </p:grpSpPr>
+      <p:sp>
+        <p:nvSpPr>
+          <p:cNvPr id="2" name="Slide Image Placeholder 1"/>
+          <p:cNvSpPr>
+            <a:spLocks noGrp="1" noRot="1" noChangeAspect="1"/>
+          </p:cNvSpPr>
+          <p:nvPr>
+            <p:ph type="sldImg"/>
+          </p:nvPr>
+        </p:nvSpPr>
+        <p:spPr/>
+      </p:sp>
+      <p:sp>
+        <p:nvSpPr>
+          <p:cNvPr id="3" name="Notes Placeholder 2"/>
+          <p:cNvSpPr>
+            <a:spLocks noGrp="1"/>
+          </p:cNvSpPr>
+          <p:nvPr>
+            <p:ph type="body" idx="1"/>
+          </p:nvPr>
+        </p:nvSpPr>
+        <p:spPr/>
+        <p:txBody>
+          <a:bodyPr/>
+          <a:lstStyle/>
+          <a:p>
+            <a:r>
+              <a:rPr lang="en-US" dirty="0"/>
+              <a:t>You can set the initial bounding box when initializing the </a:t>
+            </a:r>
+            <a:r>
+              <a:rPr lang="en-US" dirty="0" err="1"/>
+              <a:t>viewState</a:t>
+            </a:r>
+            <a:r>
+              <a:rPr lang="en-US" dirty="0"/>
+              <a:t> variable. Other approaches could include calculating the bounding box of all points once they are received (you would also need to change how the </a:t>
+            </a:r>
+            <a:r>
+              <a:rPr lang="en-US" dirty="0" err="1"/>
+              <a:t>points.geojson</a:t>
+            </a:r>
+            <a:r>
+              <a:rPr lang="en-US" dirty="0"/>
+              <a:t> file is fetched in order to do this)</a:t>
+            </a:r>
+          </a:p>
+        </p:txBody>
+      </p:sp>
+      <p:sp>
+        <p:nvSpPr>
+          <p:cNvPr id="4" name="Slide Number Placeholder 3"/>
+          <p:cNvSpPr>
+            <a:spLocks noGrp="1"/>
+          </p:cNvSpPr>
+          <p:nvPr>
+            <p:ph type="sldNum" sz="quarter" idx="5"/>
+          </p:nvPr>
+        </p:nvSpPr>
+        <p:spPr/>
+        <p:txBody>
+          <a:bodyPr/>
+          <a:lstStyle/>
+          <a:p>
+            <a:fld id="{A6E96146-6681-4DBF-B085-F659EAF9A4FE}" type="slidenum">
+              <a:rPr lang="en-US" smtClean="0"/>
+              <a:t>21</a:t>
+            </a:fld>
+            <a:endParaRPr lang="en-US"/>
+          </a:p>
+        </p:txBody>
+      </p:sp>
+    </p:spTree>
+    <p:extLst>
+      <p:ext uri="{BB962C8B-B14F-4D97-AF65-F5344CB8AC3E}">
+        <p14:creationId xmlns:p14="http://schemas.microsoft.com/office/powerpoint/2010/main" val="3198728267"/>
+      </p:ext>
+    </p:extLst>
+  </p:cSld>
+  <p:clrMapOvr>
+    <a:masterClrMapping/>
+  </p:clrMapOvr>
+</p:notes>
+</file>
+
+<file path=ppt/notesSlides/notesSlide12.xml><?xml version="1.0" encoding="utf-8"?>
+<p:notes xmlns:a="http://schemas.openxmlformats.org/drawingml/2006/main" xmlns:r="http://schemas.openxmlformats.org/officeDocument/2006/relationships" xmlns:p="http://schemas.openxmlformats.org/presentationml/2006/main">
+  <p:cSld>
+    <p:spTree>
+      <p:nvGrpSpPr>
+        <p:cNvPr id="1" name=""/>
+        <p:cNvGrpSpPr/>
+        <p:nvPr/>
+      </p:nvGrpSpPr>
+      <p:grpSpPr>
+        <a:xfrm>
+          <a:off x="0" y="0"/>
+          <a:ext cx="0" cy="0"/>
+          <a:chOff x="0" y="0"/>
+          <a:chExt cx="0" cy="0"/>
+        </a:xfrm>
+      </p:grpSpPr>
+      <p:sp>
+        <p:nvSpPr>
+          <p:cNvPr id="2" name="Slide Image Placeholder 1"/>
+          <p:cNvSpPr>
+            <a:spLocks noGrp="1" noRot="1" noChangeAspect="1"/>
+          </p:cNvSpPr>
+          <p:nvPr>
+            <p:ph type="sldImg"/>
+          </p:nvPr>
+        </p:nvSpPr>
+        <p:spPr/>
+      </p:sp>
+      <p:sp>
+        <p:nvSpPr>
+          <p:cNvPr id="3" name="Notes Placeholder 2"/>
+          <p:cNvSpPr>
+            <a:spLocks noGrp="1"/>
+          </p:cNvSpPr>
+          <p:nvPr>
+            <p:ph type="body" idx="1"/>
+          </p:nvPr>
+        </p:nvSpPr>
+        <p:spPr/>
+        <p:txBody>
+          <a:bodyPr/>
+          <a:lstStyle/>
+          <a:p>
+            <a:r>
+              <a:rPr lang="en-US" dirty="0"/>
+              <a:t>The layout/position of the Data page components are controlled by JSS. Update the JSS so that the sidebar becomes a bottom bar.</a:t>
+            </a:r>
+          </a:p>
+        </p:txBody>
+      </p:sp>
+      <p:sp>
+        <p:nvSpPr>
+          <p:cNvPr id="4" name="Slide Number Placeholder 3"/>
+          <p:cNvSpPr>
+            <a:spLocks noGrp="1"/>
+          </p:cNvSpPr>
+          <p:nvPr>
+            <p:ph type="sldNum" sz="quarter" idx="5"/>
+          </p:nvPr>
+        </p:nvSpPr>
+        <p:spPr/>
+        <p:txBody>
+          <a:bodyPr/>
+          <a:lstStyle/>
+          <a:p>
+            <a:fld id="{A6E96146-6681-4DBF-B085-F659EAF9A4FE}" type="slidenum">
+              <a:rPr lang="en-US" smtClean="0"/>
+              <a:t>22</a:t>
+            </a:fld>
+            <a:endParaRPr lang="en-US"/>
+          </a:p>
+        </p:txBody>
+      </p:sp>
+    </p:spTree>
+    <p:extLst>
+      <p:ext uri="{BB962C8B-B14F-4D97-AF65-F5344CB8AC3E}">
+        <p14:creationId xmlns:p14="http://schemas.microsoft.com/office/powerpoint/2010/main" val="3309120125"/>
+      </p:ext>
+    </p:extLst>
+  </p:cSld>
+  <p:clrMapOvr>
+    <a:masterClrMapping/>
+  </p:clrMapOvr>
+</p:notes>
+</file>
+
+<file path=ppt/notesSlides/notesSlide13.xml><?xml version="1.0" encoding="utf-8"?>
+<p:notes xmlns:a="http://schemas.openxmlformats.org/drawingml/2006/main" xmlns:r="http://schemas.openxmlformats.org/officeDocument/2006/relationships" xmlns:p="http://schemas.openxmlformats.org/presentationml/2006/main">
+  <p:cSld>
+    <p:spTree>
+      <p:nvGrpSpPr>
+        <p:cNvPr id="1" name=""/>
+        <p:cNvGrpSpPr/>
+        <p:nvPr/>
+      </p:nvGrpSpPr>
+      <p:grpSpPr>
+        <a:xfrm>
+          <a:off x="0" y="0"/>
+          <a:ext cx="0" cy="0"/>
+          <a:chOff x="0" y="0"/>
+          <a:chExt cx="0" cy="0"/>
+        </a:xfrm>
+      </p:grpSpPr>
+      <p:sp>
+        <p:nvSpPr>
+          <p:cNvPr id="2" name="Slide Image Placeholder 1"/>
+          <p:cNvSpPr>
+            <a:spLocks noGrp="1" noRot="1" noChangeAspect="1"/>
+          </p:cNvSpPr>
+          <p:nvPr>
+            <p:ph type="sldImg"/>
+          </p:nvPr>
+        </p:nvSpPr>
+        <p:spPr/>
+      </p:sp>
+      <p:sp>
+        <p:nvSpPr>
+          <p:cNvPr id="3" name="Notes Placeholder 2"/>
+          <p:cNvSpPr>
+            <a:spLocks noGrp="1"/>
+          </p:cNvSpPr>
+          <p:nvPr>
+            <p:ph type="body" idx="1"/>
+          </p:nvPr>
+        </p:nvSpPr>
+        <p:spPr/>
+        <p:txBody>
+          <a:bodyPr/>
+          <a:lstStyle/>
+          <a:p>
+            <a:r>
+              <a:rPr lang="en-US" dirty="0"/>
+              <a:t>Find the code for the ‘Log Out’ button in this app, and use that as a basis for a new button in the sidebar, that clears the selected point app state.</a:t>
+            </a:r>
+          </a:p>
+        </p:txBody>
+      </p:sp>
+      <p:sp>
+        <p:nvSpPr>
+          <p:cNvPr id="4" name="Slide Number Placeholder 3"/>
+          <p:cNvSpPr>
+            <a:spLocks noGrp="1"/>
+          </p:cNvSpPr>
+          <p:nvPr>
+            <p:ph type="sldNum" sz="quarter" idx="5"/>
+          </p:nvPr>
+        </p:nvSpPr>
+        <p:spPr/>
+        <p:txBody>
+          <a:bodyPr/>
+          <a:lstStyle/>
+          <a:p>
+            <a:fld id="{A6E96146-6681-4DBF-B085-F659EAF9A4FE}" type="slidenum">
+              <a:rPr lang="en-US" smtClean="0"/>
+              <a:t>23</a:t>
+            </a:fld>
+            <a:endParaRPr lang="en-US"/>
+          </a:p>
+        </p:txBody>
+      </p:sp>
+    </p:spTree>
+    <p:extLst>
+      <p:ext uri="{BB962C8B-B14F-4D97-AF65-F5344CB8AC3E}">
+        <p14:creationId xmlns:p14="http://schemas.microsoft.com/office/powerpoint/2010/main" val="2078125574"/>
+      </p:ext>
+    </p:extLst>
+  </p:cSld>
+  <p:clrMapOvr>
+    <a:masterClrMapping/>
+  </p:clrMapOvr>
+</p:notes>
+</file>
+
+<file path=ppt/notesSlides/notesSlide14.xml><?xml version="1.0" encoding="utf-8"?>
+<p:notes xmlns:a="http://schemas.openxmlformats.org/drawingml/2006/main" xmlns:r="http://schemas.openxmlformats.org/officeDocument/2006/relationships" xmlns:p="http://schemas.openxmlformats.org/presentationml/2006/main">
+  <p:cSld>
+    <p:spTree>
+      <p:nvGrpSpPr>
+        <p:cNvPr id="1" name=""/>
+        <p:cNvGrpSpPr/>
+        <p:nvPr/>
+      </p:nvGrpSpPr>
+      <p:grpSpPr>
+        <a:xfrm>
+          <a:off x="0" y="0"/>
+          <a:ext cx="0" cy="0"/>
+          <a:chOff x="0" y="0"/>
+          <a:chExt cx="0" cy="0"/>
+        </a:xfrm>
+      </p:grpSpPr>
+      <p:sp>
+        <p:nvSpPr>
+          <p:cNvPr id="2" name="Slide Image Placeholder 1"/>
+          <p:cNvSpPr>
+            <a:spLocks noGrp="1" noRot="1" noChangeAspect="1"/>
+          </p:cNvSpPr>
+          <p:nvPr>
+            <p:ph type="sldImg"/>
+          </p:nvPr>
+        </p:nvSpPr>
+        <p:spPr/>
+      </p:sp>
+      <p:sp>
+        <p:nvSpPr>
+          <p:cNvPr id="3" name="Notes Placeholder 2"/>
+          <p:cNvSpPr>
+            <a:spLocks noGrp="1"/>
+          </p:cNvSpPr>
+          <p:nvPr>
+            <p:ph type="body" idx="1"/>
+          </p:nvPr>
+        </p:nvSpPr>
+        <p:spPr/>
+        <p:txBody>
+          <a:bodyPr/>
+          <a:lstStyle/>
+          <a:p>
+            <a:r>
+              <a:rPr lang="en-US" noProof="0" dirty="0"/>
+              <a:t>Wrap Up. Before next live session (a week from now)</a:t>
+            </a:r>
+          </a:p>
+          <a:p>
+            <a:endParaRPr lang="en-US" noProof="0" dirty="0"/>
+          </a:p>
+          <a:p>
+            <a:r>
+              <a:rPr lang="en-US" noProof="0" dirty="0"/>
+              <a:t>Go to the Campus site. Under module 5 you will find:</a:t>
+            </a:r>
+          </a:p>
+          <a:p>
+            <a:endParaRPr lang="en-US" noProof="0" dirty="0"/>
+          </a:p>
+          <a:p>
+            <a:pPr marL="171450" indent="-171450">
+              <a:buFont typeface="Arial" panose="020B0604020202020204" pitchFamily="34" charset="0"/>
+              <a:buChar char="•"/>
+            </a:pPr>
+            <a:r>
+              <a:rPr lang="en-US" noProof="0" dirty="0"/>
+              <a:t>Provide feedback </a:t>
+            </a:r>
+          </a:p>
+          <a:p>
+            <a:endParaRPr lang="en-US" dirty="0"/>
+          </a:p>
+        </p:txBody>
+      </p:sp>
+      <p:sp>
+        <p:nvSpPr>
+          <p:cNvPr id="4" name="Slide Number Placeholder 3"/>
+          <p:cNvSpPr>
+            <a:spLocks noGrp="1"/>
+          </p:cNvSpPr>
+          <p:nvPr>
+            <p:ph type="sldNum" sz="quarter" idx="5"/>
+          </p:nvPr>
+        </p:nvSpPr>
+        <p:spPr/>
+        <p:txBody>
+          <a:bodyPr/>
+          <a:lstStyle/>
+          <a:p>
+            <a:fld id="{63C35790-097B-4F4A-AC65-68906F1196B8}" type="slidenum">
+              <a:rPr lang="en-US" smtClean="0"/>
+              <a:t>24</a:t>
+            </a:fld>
+            <a:endParaRPr lang="en-US"/>
+          </a:p>
+        </p:txBody>
+      </p:sp>
+    </p:spTree>
+    <p:extLst>
+      <p:ext uri="{BB962C8B-B14F-4D97-AF65-F5344CB8AC3E}">
+        <p14:creationId xmlns:p14="http://schemas.microsoft.com/office/powerpoint/2010/main" val="3967404615"/>
+      </p:ext>
+    </p:extLst>
+  </p:cSld>
+  <p:clrMapOvr>
+    <a:masterClrMapping/>
+  </p:clrMapOvr>
+</p:notes>
+</file>
+
+<file path=ppt/notesSlides/notesSlide15.xml><?xml version="1.0" encoding="utf-8"?>
+<p:notes xmlns:a="http://schemas.openxmlformats.org/drawingml/2006/main" xmlns:r="http://schemas.openxmlformats.org/officeDocument/2006/relationships" xmlns:p="http://schemas.openxmlformats.org/presentationml/2006/main">
+  <p:cSld>
+    <p:spTree>
+      <p:nvGrpSpPr>
+        <p:cNvPr id="1" name=""/>
+        <p:cNvGrpSpPr/>
+        <p:nvPr/>
+      </p:nvGrpSpPr>
+      <p:grpSpPr>
+        <a:xfrm>
+          <a:off x="0" y="0"/>
+          <a:ext cx="0" cy="0"/>
+          <a:chOff x="0" y="0"/>
+          <a:chExt cx="0" cy="0"/>
+        </a:xfrm>
+      </p:grpSpPr>
+      <p:sp>
+        <p:nvSpPr>
+          <p:cNvPr id="2" name="Slide Image Placeholder 1"/>
+          <p:cNvSpPr>
+            <a:spLocks noGrp="1" noRot="1" noChangeAspect="1"/>
+          </p:cNvSpPr>
+          <p:nvPr>
+            <p:ph type="sldImg"/>
+          </p:nvPr>
+        </p:nvSpPr>
+        <p:spPr/>
+      </p:sp>
+      <p:sp>
+        <p:nvSpPr>
+          <p:cNvPr id="3" name="Notes Placeholder 2"/>
+          <p:cNvSpPr>
+            <a:spLocks noGrp="1"/>
+          </p:cNvSpPr>
+          <p:nvPr>
+            <p:ph type="body" idx="1"/>
+          </p:nvPr>
+        </p:nvSpPr>
+        <p:spPr/>
+        <p:txBody>
+          <a:bodyPr/>
+          <a:lstStyle/>
+          <a:p>
+            <a:r>
+              <a:rPr lang="en-US" noProof="0" dirty="0"/>
+              <a:t>&lt;use this slide for breaks&gt;</a:t>
+            </a:r>
+          </a:p>
+        </p:txBody>
+      </p:sp>
+      <p:sp>
+        <p:nvSpPr>
+          <p:cNvPr id="4" name="Slide Number Placeholder 3"/>
+          <p:cNvSpPr>
+            <a:spLocks noGrp="1"/>
+          </p:cNvSpPr>
+          <p:nvPr>
+            <p:ph type="sldNum" sz="quarter" idx="5"/>
+          </p:nvPr>
+        </p:nvSpPr>
+        <p:spPr/>
+        <p:txBody>
+          <a:bodyPr/>
+          <a:lstStyle/>
+          <a:p>
+            <a:fld id="{63C35790-097B-4F4A-AC65-68906F1196B8}" type="slidenum">
+              <a:rPr lang="en-US" smtClean="0"/>
+              <a:t>25</a:t>
+            </a:fld>
+            <a:endParaRPr lang="en-US"/>
+          </a:p>
+        </p:txBody>
+      </p:sp>
+    </p:spTree>
+    <p:extLst>
+      <p:ext uri="{BB962C8B-B14F-4D97-AF65-F5344CB8AC3E}">
+        <p14:creationId xmlns:p14="http://schemas.microsoft.com/office/powerpoint/2010/main" val="1321608382"/>
       </p:ext>
     </p:extLst>
   </p:cSld>
@@ -607,8 +1191,161 @@
           <a:lstStyle/>
           <a:p>
             <a:r>
-              <a:rPr lang="en-US" noProof="0" dirty="0"/>
-              <a:t>&lt;use this slide for agenda&gt;</a:t>
+              <a:rPr lang="en-US" dirty="0"/>
+              <a:t>Up until now you have spent time learning about and building components from the application services layer.</a:t>
+            </a:r>
+          </a:p>
+          <a:p>
+            <a:endParaRPr lang="en-US" dirty="0"/>
+          </a:p>
+          <a:p>
+            <a:r>
+              <a:rPr lang="en-US" dirty="0"/>
+              <a:t>We now move on to the client layer, and there are multiple client types that can be used including:</a:t>
+            </a:r>
+          </a:p>
+          <a:p>
+            <a:pPr marL="171450" indent="-171450">
+              <a:buFontTx/>
+              <a:buChar char="-"/>
+            </a:pPr>
+            <a:r>
+              <a:rPr lang="en-US" dirty="0"/>
+              <a:t>Console (command line) applications</a:t>
+            </a:r>
+          </a:p>
+          <a:p>
+            <a:pPr marL="171450" indent="-171450">
+              <a:buFontTx/>
+              <a:buChar char="-"/>
+            </a:pPr>
+            <a:r>
+              <a:rPr lang="en-US" dirty="0"/>
+              <a:t>System service applications</a:t>
+            </a:r>
+          </a:p>
+          <a:p>
+            <a:pPr marL="171450" indent="-171450">
+              <a:buFontTx/>
+              <a:buChar char="-"/>
+            </a:pPr>
+            <a:r>
+              <a:rPr lang="en-US" dirty="0"/>
+              <a:t>Desktop applications</a:t>
+            </a:r>
+          </a:p>
+          <a:p>
+            <a:pPr marL="171450" indent="-171450">
+              <a:buFontTx/>
+              <a:buChar char="-"/>
+            </a:pPr>
+            <a:r>
+              <a:rPr lang="en-US" dirty="0"/>
+              <a:t>Desktop plugins</a:t>
+            </a:r>
+          </a:p>
+          <a:p>
+            <a:pPr marL="171450" indent="-171450">
+              <a:buFontTx/>
+              <a:buChar char="-"/>
+            </a:pPr>
+            <a:r>
+              <a:rPr lang="en-US" dirty="0"/>
+              <a:t>Web browser applications</a:t>
+            </a:r>
+          </a:p>
+          <a:p>
+            <a:pPr marL="171450" indent="-171450">
+              <a:buFontTx/>
+              <a:buChar char="-"/>
+            </a:pPr>
+            <a:endParaRPr lang="en-US" dirty="0"/>
+          </a:p>
+          <a:p>
+            <a:pPr marL="0" indent="0">
+              <a:buFontTx/>
+              <a:buNone/>
+            </a:pPr>
+            <a:r>
+              <a:rPr lang="en-US" dirty="0"/>
+              <a:t>Web browser applications have become more and more popular in the world and DHI due to:</a:t>
+            </a:r>
+          </a:p>
+          <a:p>
+            <a:pPr marL="171450" indent="-171450">
+              <a:buFontTx/>
+              <a:buChar char="-"/>
+            </a:pPr>
+            <a:r>
+              <a:rPr lang="en-US" dirty="0"/>
+              <a:t>Easy (no) installation for the user</a:t>
+            </a:r>
+          </a:p>
+          <a:p>
+            <a:pPr marL="171450" indent="-171450">
+              <a:buFontTx/>
+              <a:buChar char="-"/>
+            </a:pPr>
+            <a:r>
+              <a:rPr lang="en-US" dirty="0"/>
+              <a:t>Centralized updates and management</a:t>
+            </a:r>
+          </a:p>
+          <a:p>
+            <a:pPr marL="171450" indent="-171450">
+              <a:buFontTx/>
+              <a:buChar char="-"/>
+            </a:pPr>
+            <a:r>
+              <a:rPr lang="en-US" dirty="0"/>
+              <a:t>Interactive web mapping and charting have become much easier to deliver</a:t>
+            </a:r>
+          </a:p>
+          <a:p>
+            <a:pPr marL="171450" indent="-171450">
+              <a:buFontTx/>
+              <a:buChar char="-"/>
+            </a:pPr>
+            <a:endParaRPr lang="en-US" dirty="0"/>
+          </a:p>
+          <a:p>
+            <a:pPr marL="0" indent="0">
+              <a:buFontTx/>
+              <a:buNone/>
+            </a:pPr>
+            <a:r>
+              <a:rPr lang="en-US" dirty="0"/>
+              <a:t>There are challenges with delivering web applications for DHI:</a:t>
+            </a:r>
+          </a:p>
+          <a:p>
+            <a:pPr marL="171450" indent="-171450">
+              <a:buFontTx/>
+              <a:buChar char="-"/>
+            </a:pPr>
+            <a:r>
+              <a:rPr lang="en-US" dirty="0"/>
+              <a:t>Lack of developers</a:t>
+            </a:r>
+          </a:p>
+          <a:p>
+            <a:pPr marL="171450" indent="-171450">
+              <a:buFontTx/>
+              <a:buChar char="-"/>
+            </a:pPr>
+            <a:r>
+              <a:rPr lang="en-US" dirty="0"/>
+              <a:t>Lack of unified approaches</a:t>
+            </a:r>
+          </a:p>
+          <a:p>
+            <a:pPr marL="171450" indent="-171450">
+              <a:buFontTx/>
+              <a:buChar char="-"/>
+            </a:pPr>
+            <a:r>
+              <a:rPr lang="en-US" dirty="0"/>
+              <a:t>Maintenance in a very fast changing technology landscape</a:t>
             </a:r>
           </a:p>
         </p:txBody>
@@ -630,7 +1367,7 @@
           <a:p>
             <a:fld id="{63C35790-097B-4F4A-AC65-68906F1196B8}" type="slidenum">
               <a:rPr lang="en-US" smtClean="0"/>
-              <a:t>3</a:t>
+              <a:t>4</a:t>
             </a:fld>
             <a:endParaRPr lang="en-US"/>
           </a:p>
@@ -639,7 +1376,7 @@
     </p:spTree>
     <p:extLst>
       <p:ext uri="{BB962C8B-B14F-4D97-AF65-F5344CB8AC3E}">
-        <p14:creationId xmlns:p14="http://schemas.microsoft.com/office/powerpoint/2010/main" val="1996970317"/>
+        <p14:creationId xmlns:p14="http://schemas.microsoft.com/office/powerpoint/2010/main" val="1542793037"/>
       </p:ext>
     </p:extLst>
   </p:cSld>
@@ -695,7 +1432,7 @@
           <a:p>
             <a:r>
               <a:rPr lang="en-US" noProof="0" dirty="0"/>
-              <a:t>&lt;use this slide for breaks&gt;</a:t>
+              <a:t>Before digging into the matter; I have created a small poll. To have a bit of live interaction and make sure we are all awake.</a:t>
             </a:r>
           </a:p>
         </p:txBody>
@@ -717,7 +1454,7 @@
           <a:p>
             <a:fld id="{63C35790-097B-4F4A-AC65-68906F1196B8}" type="slidenum">
               <a:rPr lang="en-US" smtClean="0"/>
-              <a:t>4</a:t>
+              <a:t>5</a:t>
             </a:fld>
             <a:endParaRPr lang="en-US"/>
           </a:p>
@@ -726,7 +1463,7 @@
     </p:spTree>
     <p:extLst>
       <p:ext uri="{BB962C8B-B14F-4D97-AF65-F5344CB8AC3E}">
-        <p14:creationId xmlns:p14="http://schemas.microsoft.com/office/powerpoint/2010/main" val="1321608382"/>
+        <p14:creationId xmlns:p14="http://schemas.microsoft.com/office/powerpoint/2010/main" val="3498262427"/>
       </p:ext>
     </p:extLst>
   </p:cSld>
@@ -780,7 +1517,144 @@
           <a:bodyPr/>
           <a:lstStyle/>
           <a:p>
+            <a:r>
+              <a:rPr lang="en-US" dirty="0"/>
+              <a:t>DHI’s web development history:</a:t>
+            </a:r>
+          </a:p>
+          <a:p>
+            <a:pPr marL="171450" indent="-171450">
+              <a:buFontTx/>
+              <a:buChar char="-"/>
+            </a:pPr>
+            <a:r>
+              <a:rPr lang="en-US" dirty="0"/>
+              <a:t>ASP.NET web forms 2008-2013</a:t>
+            </a:r>
+          </a:p>
+          <a:p>
+            <a:pPr marL="171450" indent="-171450">
+              <a:buFontTx/>
+              <a:buChar char="-"/>
+            </a:pPr>
+            <a:r>
+              <a:rPr lang="en-US" dirty="0"/>
+              <a:t>Polymer 2013-2018</a:t>
+            </a:r>
+          </a:p>
+          <a:p>
+            <a:pPr marL="171450" indent="-171450">
+              <a:buFontTx/>
+              <a:buChar char="-"/>
+            </a:pPr>
+            <a:r>
+              <a:rPr lang="en-US" dirty="0"/>
+              <a:t>React 2018-now</a:t>
+            </a:r>
+          </a:p>
+          <a:p>
+            <a:pPr marL="171450" indent="-171450">
+              <a:buFontTx/>
+              <a:buChar char="-"/>
+            </a:pPr>
             <a:endParaRPr lang="en-US" dirty="0"/>
+          </a:p>
+          <a:p>
+            <a:pPr marL="0" indent="0">
+              <a:buFontTx/>
+              <a:buNone/>
+            </a:pPr>
+            <a:r>
+              <a:rPr lang="en-US" dirty="0"/>
+              <a:t>React components (RC) collects and publishes a set of commonly used components that can be installed and used in your projects.</a:t>
+            </a:r>
+          </a:p>
+          <a:p>
+            <a:pPr marL="0" indent="0">
+              <a:buFontTx/>
+              <a:buNone/>
+            </a:pPr>
+            <a:endParaRPr lang="en-US" dirty="0"/>
+          </a:p>
+          <a:p>
+            <a:pPr marL="0" indent="0">
+              <a:buFontTx/>
+              <a:buNone/>
+            </a:pPr>
+            <a:r>
+              <a:rPr lang="en-US" dirty="0"/>
+              <a:t>Examples include:</a:t>
+            </a:r>
+          </a:p>
+          <a:p>
+            <a:pPr marL="171450" indent="-171450">
+              <a:buFontTx/>
+              <a:buChar char="-"/>
+            </a:pPr>
+            <a:r>
+              <a:rPr lang="en-US" dirty="0"/>
+              <a:t>Authentication</a:t>
+            </a:r>
+          </a:p>
+          <a:p>
+            <a:pPr marL="171450" indent="-171450">
+              <a:buFontTx/>
+              <a:buChar char="-"/>
+            </a:pPr>
+            <a:r>
+              <a:rPr lang="en-US" dirty="0"/>
+              <a:t>Account management</a:t>
+            </a:r>
+          </a:p>
+          <a:p>
+            <a:pPr marL="171450" indent="-171450">
+              <a:buFontTx/>
+              <a:buChar char="-"/>
+            </a:pPr>
+            <a:r>
+              <a:rPr lang="en-US" dirty="0"/>
+              <a:t>Charting</a:t>
+            </a:r>
+          </a:p>
+          <a:p>
+            <a:pPr marL="171450" indent="-171450">
+              <a:buFontTx/>
+              <a:buChar char="-"/>
+            </a:pPr>
+            <a:r>
+              <a:rPr lang="en-US" dirty="0"/>
+              <a:t>Job management</a:t>
+            </a:r>
+          </a:p>
+          <a:p>
+            <a:pPr marL="171450" indent="-171450">
+              <a:buFontTx/>
+              <a:buChar char="-"/>
+            </a:pPr>
+            <a:r>
+              <a:rPr lang="en-US" dirty="0"/>
+              <a:t>Scenarios</a:t>
+            </a:r>
+          </a:p>
+          <a:p>
+            <a:pPr marL="171450" indent="-171450">
+              <a:buFontTx/>
+              <a:buChar char="-"/>
+            </a:pPr>
+            <a:r>
+              <a:rPr lang="en-US" dirty="0"/>
+              <a:t>API queries</a:t>
+            </a:r>
+          </a:p>
+          <a:p>
+            <a:pPr marL="171450" indent="-171450">
+              <a:buFontTx/>
+              <a:buChar char="-"/>
+            </a:pPr>
+            <a:r>
+              <a:rPr lang="en-US" dirty="0"/>
+              <a:t>…many more</a:t>
+            </a:r>
           </a:p>
         </p:txBody>
       </p:sp>
@@ -801,7 +1675,7 @@
           <a:p>
             <a:fld id="{A6E96146-6681-4DBF-B085-F659EAF9A4FE}" type="slidenum">
               <a:rPr lang="en-US" smtClean="0"/>
-              <a:t>12</a:t>
+              <a:t>7</a:t>
             </a:fld>
             <a:endParaRPr lang="en-US"/>
           </a:p>
@@ -810,7 +1684,7 @@
     </p:spTree>
     <p:extLst>
       <p:ext uri="{BB962C8B-B14F-4D97-AF65-F5344CB8AC3E}">
-        <p14:creationId xmlns:p14="http://schemas.microsoft.com/office/powerpoint/2010/main" val="3673768609"/>
+        <p14:creationId xmlns:p14="http://schemas.microsoft.com/office/powerpoint/2010/main" val="3751269994"/>
       </p:ext>
     </p:extLst>
   </p:cSld>
@@ -864,7 +1738,10 @@
           <a:bodyPr/>
           <a:lstStyle/>
           <a:p>
-            <a:endParaRPr lang="en-US" dirty="0"/>
+            <a:r>
+              <a:rPr lang="en-US" dirty="0"/>
+              <a:t>Within RC, packages are divided up into lab, core, and icons</a:t>
+            </a:r>
           </a:p>
         </p:txBody>
       </p:sp>
@@ -885,7 +1762,7 @@
           <a:p>
             <a:fld id="{A6E96146-6681-4DBF-B085-F659EAF9A4FE}" type="slidenum">
               <a:rPr lang="en-US" smtClean="0"/>
-              <a:t>13</a:t>
+              <a:t>8</a:t>
             </a:fld>
             <a:endParaRPr lang="en-US"/>
           </a:p>
@@ -894,7 +1771,7 @@
     </p:spTree>
     <p:extLst>
       <p:ext uri="{BB962C8B-B14F-4D97-AF65-F5344CB8AC3E}">
-        <p14:creationId xmlns:p14="http://schemas.microsoft.com/office/powerpoint/2010/main" val="4099238150"/>
+        <p14:creationId xmlns:p14="http://schemas.microsoft.com/office/powerpoint/2010/main" val="4094491003"/>
       </p:ext>
     </p:extLst>
   </p:cSld>
@@ -948,7 +1825,10 @@
           <a:bodyPr/>
           <a:lstStyle/>
           <a:p>
-            <a:endParaRPr lang="en-US" dirty="0"/>
+            <a:r>
+              <a:rPr lang="en-US" dirty="0"/>
+              <a:t>Within RC, packages are divided up into lab, core, and icons</a:t>
+            </a:r>
           </a:p>
         </p:txBody>
       </p:sp>
@@ -969,7 +1849,7 @@
           <a:p>
             <a:fld id="{A6E96146-6681-4DBF-B085-F659EAF9A4FE}" type="slidenum">
               <a:rPr lang="en-US" smtClean="0"/>
-              <a:t>14</a:t>
+              <a:t>9</a:t>
             </a:fld>
             <a:endParaRPr lang="en-US"/>
           </a:p>
@@ -978,7 +1858,7 @@
     </p:spTree>
     <p:extLst>
       <p:ext uri="{BB962C8B-B14F-4D97-AF65-F5344CB8AC3E}">
-        <p14:creationId xmlns:p14="http://schemas.microsoft.com/office/powerpoint/2010/main" val="2343144742"/>
+        <p14:creationId xmlns:p14="http://schemas.microsoft.com/office/powerpoint/2010/main" val="970305735"/>
       </p:ext>
     </p:extLst>
   </p:cSld>
@@ -1032,7 +1912,10 @@
           <a:bodyPr/>
           <a:lstStyle/>
           <a:p>
-            <a:endParaRPr lang="en-US" dirty="0"/>
+            <a:r>
+              <a:rPr lang="en-US" dirty="0"/>
+              <a:t>Once you have found a component to work with, copying code from the story to your example can be helpful</a:t>
+            </a:r>
           </a:p>
         </p:txBody>
       </p:sp>
@@ -1053,7 +1936,7 @@
           <a:p>
             <a:fld id="{A6E96146-6681-4DBF-B085-F659EAF9A4FE}" type="slidenum">
               <a:rPr lang="en-US" smtClean="0"/>
-              <a:t>15</a:t>
+              <a:t>11</a:t>
             </a:fld>
             <a:endParaRPr lang="en-US"/>
           </a:p>
@@ -1062,7 +1945,241 @@
     </p:spTree>
     <p:extLst>
       <p:ext uri="{BB962C8B-B14F-4D97-AF65-F5344CB8AC3E}">
-        <p14:creationId xmlns:p14="http://schemas.microsoft.com/office/powerpoint/2010/main" val="1606286306"/>
+        <p14:creationId xmlns:p14="http://schemas.microsoft.com/office/powerpoint/2010/main" val="2357139421"/>
+      </p:ext>
+    </p:extLst>
+  </p:cSld>
+  <p:clrMapOvr>
+    <a:masterClrMapping/>
+  </p:clrMapOvr>
+</p:notes>
+</file>
+
+<file path=ppt/notesSlides/notesSlide8.xml><?xml version="1.0" encoding="utf-8"?>
+<p:notes xmlns:a="http://schemas.openxmlformats.org/drawingml/2006/main" xmlns:r="http://schemas.openxmlformats.org/officeDocument/2006/relationships" xmlns:p="http://schemas.openxmlformats.org/presentationml/2006/main">
+  <p:cSld>
+    <p:spTree>
+      <p:nvGrpSpPr>
+        <p:cNvPr id="1" name=""/>
+        <p:cNvGrpSpPr/>
+        <p:nvPr/>
+      </p:nvGrpSpPr>
+      <p:grpSpPr>
+        <a:xfrm>
+          <a:off x="0" y="0"/>
+          <a:ext cx="0" cy="0"/>
+          <a:chOff x="0" y="0"/>
+          <a:chExt cx="0" cy="0"/>
+        </a:xfrm>
+      </p:grpSpPr>
+      <p:sp>
+        <p:nvSpPr>
+          <p:cNvPr id="2" name="Slide Image Placeholder 1"/>
+          <p:cNvSpPr>
+            <a:spLocks noGrp="1" noRot="1" noChangeAspect="1"/>
+          </p:cNvSpPr>
+          <p:nvPr>
+            <p:ph type="sldImg"/>
+          </p:nvPr>
+        </p:nvSpPr>
+        <p:spPr/>
+      </p:sp>
+      <p:sp>
+        <p:nvSpPr>
+          <p:cNvPr id="3" name="Notes Placeholder 2"/>
+          <p:cNvSpPr>
+            <a:spLocks noGrp="1"/>
+          </p:cNvSpPr>
+          <p:nvPr>
+            <p:ph type="body" idx="1"/>
+          </p:nvPr>
+        </p:nvSpPr>
+        <p:spPr/>
+        <p:txBody>
+          <a:bodyPr/>
+          <a:lstStyle/>
+          <a:p>
+            <a:r>
+              <a:rPr lang="en-US" dirty="0"/>
+              <a:t>Some of the stories require authentication</a:t>
+            </a:r>
+          </a:p>
+          <a:p>
+            <a:r>
+              <a:rPr lang="en-US" dirty="0"/>
+              <a:t>Some of the stories are difficult to run or layout standalone</a:t>
+            </a:r>
+          </a:p>
+        </p:txBody>
+      </p:sp>
+      <p:sp>
+        <p:nvSpPr>
+          <p:cNvPr id="4" name="Slide Number Placeholder 3"/>
+          <p:cNvSpPr>
+            <a:spLocks noGrp="1"/>
+          </p:cNvSpPr>
+          <p:nvPr>
+            <p:ph type="sldNum" sz="quarter" idx="5"/>
+          </p:nvPr>
+        </p:nvSpPr>
+        <p:spPr/>
+        <p:txBody>
+          <a:bodyPr/>
+          <a:lstStyle/>
+          <a:p>
+            <a:fld id="{A6E96146-6681-4DBF-B085-F659EAF9A4FE}" type="slidenum">
+              <a:rPr lang="en-US" smtClean="0"/>
+              <a:t>12</a:t>
+            </a:fld>
+            <a:endParaRPr lang="en-US"/>
+          </a:p>
+        </p:txBody>
+      </p:sp>
+    </p:spTree>
+    <p:extLst>
+      <p:ext uri="{BB962C8B-B14F-4D97-AF65-F5344CB8AC3E}">
+        <p14:creationId xmlns:p14="http://schemas.microsoft.com/office/powerpoint/2010/main" val="480419257"/>
+      </p:ext>
+    </p:extLst>
+  </p:cSld>
+  <p:clrMapOvr>
+    <a:masterClrMapping/>
+  </p:clrMapOvr>
+</p:notes>
+</file>
+
+<file path=ppt/notesSlides/notesSlide9.xml><?xml version="1.0" encoding="utf-8"?>
+<p:notes xmlns:a="http://schemas.openxmlformats.org/drawingml/2006/main" xmlns:r="http://schemas.openxmlformats.org/officeDocument/2006/relationships" xmlns:p="http://schemas.openxmlformats.org/presentationml/2006/main">
+  <p:cSld>
+    <p:spTree>
+      <p:nvGrpSpPr>
+        <p:cNvPr id="1" name=""/>
+        <p:cNvGrpSpPr/>
+        <p:nvPr/>
+      </p:nvGrpSpPr>
+      <p:grpSpPr>
+        <a:xfrm>
+          <a:off x="0" y="0"/>
+          <a:ext cx="0" cy="0"/>
+          <a:chOff x="0" y="0"/>
+          <a:chExt cx="0" cy="0"/>
+        </a:xfrm>
+      </p:grpSpPr>
+      <p:sp>
+        <p:nvSpPr>
+          <p:cNvPr id="2" name="Slide Image Placeholder 1"/>
+          <p:cNvSpPr>
+            <a:spLocks noGrp="1" noRot="1" noChangeAspect="1"/>
+          </p:cNvSpPr>
+          <p:nvPr>
+            <p:ph type="sldImg"/>
+          </p:nvPr>
+        </p:nvSpPr>
+        <p:spPr/>
+      </p:sp>
+      <p:sp>
+        <p:nvSpPr>
+          <p:cNvPr id="3" name="Notes Placeholder 2"/>
+          <p:cNvSpPr>
+            <a:spLocks noGrp="1"/>
+          </p:cNvSpPr>
+          <p:nvPr>
+            <p:ph type="body" idx="1"/>
+          </p:nvPr>
+        </p:nvSpPr>
+        <p:spPr/>
+        <p:txBody>
+          <a:bodyPr/>
+          <a:lstStyle/>
+          <a:p>
+            <a:r>
+              <a:rPr lang="en-US" dirty="0" err="1"/>
+              <a:t>ThemeProvider</a:t>
+            </a:r>
+            <a:r>
+              <a:rPr lang="en-US" dirty="0"/>
+              <a:t>: makes DHI default colors available </a:t>
+            </a:r>
+            <a:r>
+              <a:rPr lang="en-US" dirty="0" err="1"/>
+              <a:t>eg</a:t>
+            </a:r>
+            <a:r>
+              <a:rPr lang="en-US" dirty="0"/>
+              <a:t>: blue font colors</a:t>
+            </a:r>
+          </a:p>
+          <a:p>
+            <a:r>
+              <a:rPr lang="en-US" dirty="0"/>
+              <a:t>Login: presents the login form, posts credentials to the authentication API</a:t>
+            </a:r>
+          </a:p>
+          <a:p>
+            <a:r>
+              <a:rPr lang="en-US" dirty="0"/>
+              <a:t>User: typescript interface to read user response from the API</a:t>
+            </a:r>
+          </a:p>
+          <a:p>
+            <a:r>
+              <a:rPr lang="en-US" dirty="0" err="1"/>
+              <a:t>DataSource</a:t>
+            </a:r>
+            <a:r>
+              <a:rPr lang="en-US" dirty="0"/>
+              <a:t>: typescript interface used for querying timeseries data from the API</a:t>
+            </a:r>
+          </a:p>
+          <a:p>
+            <a:r>
+              <a:rPr lang="en-US" dirty="0" err="1"/>
+              <a:t>fetchtimeSeriesValues</a:t>
+            </a:r>
+            <a:r>
+              <a:rPr lang="en-US" dirty="0"/>
+              <a:t>: function to query data from the API</a:t>
+            </a:r>
+          </a:p>
+          <a:p>
+            <a:r>
+              <a:rPr lang="en-US" dirty="0" err="1"/>
+              <a:t>BaseChart</a:t>
+            </a:r>
+            <a:r>
+              <a:rPr lang="en-US" dirty="0"/>
+              <a:t>: presents timeseries data in a basic line chart</a:t>
+            </a:r>
+          </a:p>
+        </p:txBody>
+      </p:sp>
+      <p:sp>
+        <p:nvSpPr>
+          <p:cNvPr id="4" name="Slide Number Placeholder 3"/>
+          <p:cNvSpPr>
+            <a:spLocks noGrp="1"/>
+          </p:cNvSpPr>
+          <p:nvPr>
+            <p:ph type="sldNum" sz="quarter" idx="5"/>
+          </p:nvPr>
+        </p:nvSpPr>
+        <p:spPr/>
+        <p:txBody>
+          <a:bodyPr/>
+          <a:lstStyle/>
+          <a:p>
+            <a:fld id="{A6E96146-6681-4DBF-B085-F659EAF9A4FE}" type="slidenum">
+              <a:rPr lang="en-US" smtClean="0"/>
+              <a:t>14</a:t>
+            </a:fld>
+            <a:endParaRPr lang="en-US"/>
+          </a:p>
+        </p:txBody>
+      </p:sp>
+    </p:spTree>
+    <p:extLst>
+      <p:ext uri="{BB962C8B-B14F-4D97-AF65-F5344CB8AC3E}">
+        <p14:creationId xmlns:p14="http://schemas.microsoft.com/office/powerpoint/2010/main" val="114291575"/>
       </p:ext>
     </p:extLst>
   </p:cSld>
@@ -1219,7 +2336,7 @@
           <a:p>
             <a:fld id="{973BC00D-352D-4681-8132-8CC5EB9D512D}" type="datetimeFigureOut">
               <a:rPr lang="en-US" smtClean="0"/>
-              <a:t>8/29/2022</a:t>
+              <a:t>8/31/2022</a:t>
             </a:fld>
             <a:endParaRPr lang="en-US"/>
           </a:p>
@@ -1417,7 +2534,7 @@
           <a:p>
             <a:fld id="{973BC00D-352D-4681-8132-8CC5EB9D512D}" type="datetimeFigureOut">
               <a:rPr lang="en-US" smtClean="0"/>
-              <a:t>8/29/2022</a:t>
+              <a:t>8/31/2022</a:t>
             </a:fld>
             <a:endParaRPr lang="en-US"/>
           </a:p>
@@ -1625,7 +2742,7 @@
           <a:p>
             <a:fld id="{973BC00D-352D-4681-8132-8CC5EB9D512D}" type="datetimeFigureOut">
               <a:rPr lang="en-US" smtClean="0"/>
-              <a:t>8/29/2022</a:t>
+              <a:t>8/31/2022</a:t>
             </a:fld>
             <a:endParaRPr lang="en-US"/>
           </a:p>
@@ -1823,7 +2940,7 @@
           <a:p>
             <a:fld id="{973BC00D-352D-4681-8132-8CC5EB9D512D}" type="datetimeFigureOut">
               <a:rPr lang="en-US" smtClean="0"/>
-              <a:t>8/29/2022</a:t>
+              <a:t>8/31/2022</a:t>
             </a:fld>
             <a:endParaRPr lang="en-US"/>
           </a:p>
@@ -2098,7 +3215,7 @@
           <a:p>
             <a:fld id="{973BC00D-352D-4681-8132-8CC5EB9D512D}" type="datetimeFigureOut">
               <a:rPr lang="en-US" smtClean="0"/>
-              <a:t>8/29/2022</a:t>
+              <a:t>8/31/2022</a:t>
             </a:fld>
             <a:endParaRPr lang="en-US"/>
           </a:p>
@@ -2363,7 +3480,7 @@
           <a:p>
             <a:fld id="{973BC00D-352D-4681-8132-8CC5EB9D512D}" type="datetimeFigureOut">
               <a:rPr lang="en-US" smtClean="0"/>
-              <a:t>8/29/2022</a:t>
+              <a:t>8/31/2022</a:t>
             </a:fld>
             <a:endParaRPr lang="en-US"/>
           </a:p>
@@ -2775,7 +3892,7 @@
           <a:p>
             <a:fld id="{973BC00D-352D-4681-8132-8CC5EB9D512D}" type="datetimeFigureOut">
               <a:rPr lang="en-US" smtClean="0"/>
-              <a:t>8/29/2022</a:t>
+              <a:t>8/31/2022</a:t>
             </a:fld>
             <a:endParaRPr lang="en-US"/>
           </a:p>
@@ -2916,7 +4033,7 @@
           <a:p>
             <a:fld id="{973BC00D-352D-4681-8132-8CC5EB9D512D}" type="datetimeFigureOut">
               <a:rPr lang="en-US" smtClean="0"/>
-              <a:t>8/29/2022</a:t>
+              <a:t>8/31/2022</a:t>
             </a:fld>
             <a:endParaRPr lang="en-US"/>
           </a:p>
@@ -3029,7 +4146,7 @@
           <a:p>
             <a:fld id="{973BC00D-352D-4681-8132-8CC5EB9D512D}" type="datetimeFigureOut">
               <a:rPr lang="en-US" smtClean="0"/>
-              <a:t>8/29/2022</a:t>
+              <a:t>8/31/2022</a:t>
             </a:fld>
             <a:endParaRPr lang="en-US"/>
           </a:p>
@@ -3340,7 +4457,7 @@
           <a:p>
             <a:fld id="{973BC00D-352D-4681-8132-8CC5EB9D512D}" type="datetimeFigureOut">
               <a:rPr lang="en-US" smtClean="0"/>
-              <a:t>8/29/2022</a:t>
+              <a:t>8/31/2022</a:t>
             </a:fld>
             <a:endParaRPr lang="en-US"/>
           </a:p>
@@ -3628,7 +4745,7 @@
           <a:p>
             <a:fld id="{973BC00D-352D-4681-8132-8CC5EB9D512D}" type="datetimeFigureOut">
               <a:rPr lang="en-US" smtClean="0"/>
-              <a:t>8/29/2022</a:t>
+              <a:t>8/31/2022</a:t>
             </a:fld>
             <a:endParaRPr lang="en-US"/>
           </a:p>
@@ -3869,7 +4986,7 @@
           <a:p>
             <a:fld id="{973BC00D-352D-4681-8132-8CC5EB9D512D}" type="datetimeFigureOut">
               <a:rPr lang="en-US" smtClean="0"/>
-              <a:t>8/29/2022</a:t>
+              <a:t>8/31/2022</a:t>
             </a:fld>
             <a:endParaRPr lang="en-US"/>
           </a:p>
@@ -4502,83 +5619,12 @@
           <a:chExt cx="0" cy="0"/>
         </a:xfrm>
       </p:grpSpPr>
-      <p:sp>
-        <p:nvSpPr>
-          <p:cNvPr id="2" name="TextBox 1">
-            <a:extLst>
-              <a:ext uri="{FF2B5EF4-FFF2-40B4-BE49-F238E27FC236}">
-                <a16:creationId xmlns:a16="http://schemas.microsoft.com/office/drawing/2014/main" id="{2F95C7AD-28A6-6FFA-F6A5-977AB6EDBB6E}"/>
-              </a:ext>
-            </a:extLst>
-          </p:cNvPr>
-          <p:cNvSpPr txBox="1"/>
-          <p:nvPr/>
-        </p:nvSpPr>
-        <p:spPr>
-          <a:xfrm>
-            <a:off x="3397415" y="314625"/>
-            <a:ext cx="4172809" cy="769441"/>
-          </a:xfrm>
-          <a:prstGeom prst="rect">
-            <a:avLst/>
-          </a:prstGeom>
-          <a:noFill/>
-        </p:spPr>
-        <p:txBody>
-          <a:bodyPr wrap="none" rtlCol="0">
-            <a:spAutoFit/>
-          </a:bodyPr>
-          <a:lstStyle/>
-          <a:p>
-            <a:r>
-              <a:rPr lang="da-DK" sz="4400" dirty="0"/>
-              <a:t>Test state storage</a:t>
-            </a:r>
-            <a:endParaRPr lang="en-US" sz="4400" dirty="0"/>
-          </a:p>
-        </p:txBody>
-      </p:sp>
-      <p:sp>
-        <p:nvSpPr>
-          <p:cNvPr id="3" name="TextBox 2">
-            <a:extLst>
-              <a:ext uri="{FF2B5EF4-FFF2-40B4-BE49-F238E27FC236}">
-                <a16:creationId xmlns:a16="http://schemas.microsoft.com/office/drawing/2014/main" id="{C58B6763-E146-6C0C-77B8-4D4745DBD649}"/>
-              </a:ext>
-            </a:extLst>
-          </p:cNvPr>
-          <p:cNvSpPr txBox="1"/>
-          <p:nvPr/>
-        </p:nvSpPr>
-        <p:spPr>
-          <a:xfrm>
-            <a:off x="636693" y="1625600"/>
-            <a:ext cx="6230103" cy="369332"/>
-          </a:xfrm>
-          <a:prstGeom prst="rect">
-            <a:avLst/>
-          </a:prstGeom>
-          <a:noFill/>
-        </p:spPr>
-        <p:txBody>
-          <a:bodyPr wrap="none" rtlCol="0">
-            <a:spAutoFit/>
-          </a:bodyPr>
-          <a:lstStyle/>
-          <a:p>
-            <a:r>
-              <a:rPr lang="en-US" dirty="0"/>
-              <a:t>Add a click handler on the login page that updates the data page</a:t>
-            </a:r>
-          </a:p>
-        </p:txBody>
-      </p:sp>
       <p:pic>
         <p:nvPicPr>
-          <p:cNvPr id="6" name="Picture 5">
-            <a:extLst>
-              <a:ext uri="{FF2B5EF4-FFF2-40B4-BE49-F238E27FC236}">
-                <a16:creationId xmlns:a16="http://schemas.microsoft.com/office/drawing/2014/main" id="{79087C41-5A5C-653A-4A9D-1FAB0C6B51BC}"/>
+          <p:cNvPr id="4" name="Picture 3">
+            <a:extLst>
+              <a:ext uri="{FF2B5EF4-FFF2-40B4-BE49-F238E27FC236}">
+                <a16:creationId xmlns:a16="http://schemas.microsoft.com/office/drawing/2014/main" id="{49139245-B898-4A9B-87A0-EFBB58DF8017}"/>
               </a:ext>
             </a:extLst>
           </p:cNvPr>
@@ -4595,18 +5641,59 @@
         </p:blipFill>
         <p:spPr>
           <a:xfrm>
-            <a:off x="1633429" y="2894918"/>
-            <a:ext cx="7700779" cy="2584691"/>
+            <a:off x="713433" y="432262"/>
+            <a:ext cx="11013214" cy="4793888"/>
           </a:xfrm>
           <a:prstGeom prst="rect">
             <a:avLst/>
           </a:prstGeom>
         </p:spPr>
       </p:pic>
+      <p:sp>
+        <p:nvSpPr>
+          <p:cNvPr id="6" name="TextBox 5">
+            <a:extLst>
+              <a:ext uri="{FF2B5EF4-FFF2-40B4-BE49-F238E27FC236}">
+                <a16:creationId xmlns:a16="http://schemas.microsoft.com/office/drawing/2014/main" id="{FF3F8CBE-7CC6-C1AB-B27A-453C6C53202C}"/>
+              </a:ext>
+            </a:extLst>
+          </p:cNvPr>
+          <p:cNvSpPr txBox="1"/>
+          <p:nvPr/>
+        </p:nvSpPr>
+        <p:spPr>
+          <a:xfrm>
+            <a:off x="7851920" y="6009489"/>
+            <a:ext cx="4243099" cy="646331"/>
+          </a:xfrm>
+          <a:prstGeom prst="rect">
+            <a:avLst/>
+          </a:prstGeom>
+          <a:noFill/>
+        </p:spPr>
+        <p:txBody>
+          <a:bodyPr wrap="square">
+            <a:spAutoFit/>
+          </a:bodyPr>
+          <a:lstStyle/>
+          <a:p>
+            <a:r>
+              <a:rPr lang="en-US" dirty="0">
+                <a:hlinkClick r:id="rId3"/>
+              </a:rPr>
+              <a:t>https://domainservices.dhigroup.com/?path=/story/chart-components--e-chart-base</a:t>
+            </a:r>
+            <a:r>
+              <a:rPr lang="en-US" dirty="0"/>
+              <a:t> </a:t>
+            </a:r>
+          </a:p>
+        </p:txBody>
+      </p:sp>
     </p:spTree>
     <p:extLst>
       <p:ext uri="{BB962C8B-B14F-4D97-AF65-F5344CB8AC3E}">
-        <p14:creationId xmlns:p14="http://schemas.microsoft.com/office/powerpoint/2010/main" val="992770438"/>
+        <p14:creationId xmlns:p14="http://schemas.microsoft.com/office/powerpoint/2010/main" val="518456798"/>
       </p:ext>
     </p:extLst>
   </p:cSld>
@@ -4635,10 +5722,10 @@
       </p:grpSpPr>
       <p:sp>
         <p:nvSpPr>
-          <p:cNvPr id="2" name="TextBox 1">
-            <a:extLst>
-              <a:ext uri="{FF2B5EF4-FFF2-40B4-BE49-F238E27FC236}">
-                <a16:creationId xmlns:a16="http://schemas.microsoft.com/office/drawing/2014/main" id="{2F95C7AD-28A6-6FFA-F6A5-977AB6EDBB6E}"/>
+          <p:cNvPr id="6" name="TextBox 5">
+            <a:extLst>
+              <a:ext uri="{FF2B5EF4-FFF2-40B4-BE49-F238E27FC236}">
+                <a16:creationId xmlns:a16="http://schemas.microsoft.com/office/drawing/2014/main" id="{FF3F8CBE-7CC6-C1AB-B27A-453C6C53202C}"/>
               </a:ext>
             </a:extLst>
           </p:cNvPr>
@@ -4647,8 +5734,8 @@
         </p:nvSpPr>
         <p:spPr>
           <a:xfrm>
-            <a:off x="3397415" y="314625"/>
-            <a:ext cx="4200894" cy="769441"/>
+            <a:off x="46268" y="5119189"/>
+            <a:ext cx="4243099" cy="646331"/>
           </a:xfrm>
           <a:prstGeom prst="rect">
             <a:avLst/>
@@ -4656,25 +5743,30 @@
           <a:noFill/>
         </p:spPr>
         <p:txBody>
-          <a:bodyPr wrap="none" rtlCol="0">
+          <a:bodyPr wrap="square">
             <a:spAutoFit/>
           </a:bodyPr>
           <a:lstStyle/>
           <a:p>
             <a:r>
-              <a:rPr lang="da-DK" sz="4400" dirty="0"/>
-              <a:t>Login page layout</a:t>
-            </a:r>
-            <a:endParaRPr lang="en-US" sz="4400" dirty="0"/>
-          </a:p>
-        </p:txBody>
-      </p:sp>
-      <p:sp>
-        <p:nvSpPr>
-          <p:cNvPr id="3" name="TextBox 2">
-            <a:extLst>
-              <a:ext uri="{FF2B5EF4-FFF2-40B4-BE49-F238E27FC236}">
-                <a16:creationId xmlns:a16="http://schemas.microsoft.com/office/drawing/2014/main" id="{C58B6763-E146-6C0C-77B8-4D4745DBD649}"/>
+              <a:rPr lang="en-US" dirty="0">
+                <a:hlinkClick r:id="rId3"/>
+              </a:rPr>
+              <a:t>https://domainservices.dhigroup.com/?path=/story/chart-components--e-chart-base</a:t>
+            </a:r>
+            <a:r>
+              <a:rPr lang="en-US" dirty="0"/>
+              <a:t> </a:t>
+            </a:r>
+          </a:p>
+        </p:txBody>
+      </p:sp>
+      <p:sp>
+        <p:nvSpPr>
+          <p:cNvPr id="5" name="TextBox 4">
+            <a:extLst>
+              <a:ext uri="{FF2B5EF4-FFF2-40B4-BE49-F238E27FC236}">
+                <a16:creationId xmlns:a16="http://schemas.microsoft.com/office/drawing/2014/main" id="{71D69877-DA54-3D3D-5280-DB0E5AD7E211}"/>
               </a:ext>
             </a:extLst>
           </p:cNvPr>
@@ -4683,8 +5775,8 @@
         </p:nvSpPr>
         <p:spPr>
           <a:xfrm>
-            <a:off x="636693" y="1625600"/>
-            <a:ext cx="8176790" cy="923330"/>
+            <a:off x="970541" y="564957"/>
+            <a:ext cx="9254113" cy="1446550"/>
           </a:xfrm>
           <a:prstGeom prst="rect">
             <a:avLst/>
@@ -4692,85 +5784,33 @@
           <a:noFill/>
         </p:spPr>
         <p:txBody>
-          <a:bodyPr wrap="none" rtlCol="0">
+          <a:bodyPr wrap="square" rtlCol="0">
             <a:spAutoFit/>
           </a:bodyPr>
           <a:lstStyle/>
           <a:p>
             <a:r>
-              <a:rPr lang="en-US" dirty="0"/>
-              <a:t>Install </a:t>
-            </a:r>
-            <a:r>
-              <a:rPr lang="en-US" dirty="0" err="1"/>
-              <a:t>dhi</a:t>
-            </a:r>
-            <a:r>
-              <a:rPr lang="en-US" dirty="0"/>
-              <a:t>/react-components to get material-</a:t>
-            </a:r>
-            <a:r>
-              <a:rPr lang="en-US" dirty="0" err="1"/>
-              <a:t>ui</a:t>
-            </a:r>
-            <a:r>
-              <a:rPr lang="en-US" dirty="0"/>
-              <a:t> and many other dependencies</a:t>
-            </a:r>
-          </a:p>
-          <a:p>
-            <a:endParaRPr lang="en-US" dirty="0"/>
-          </a:p>
-          <a:p>
-            <a:r>
-              <a:rPr lang="en-US" dirty="0">
-                <a:hlinkClick r:id="rId2"/>
-              </a:rPr>
-              <a:t>https://github.com/DHI/react-components/tree/master/packages/react-components</a:t>
-            </a:r>
-            <a:r>
-              <a:rPr lang="en-US" dirty="0"/>
-              <a:t> </a:t>
-            </a:r>
+              <a:rPr lang="en-US" sz="4400" dirty="0"/>
+              <a:t>You can find the code for each story in the </a:t>
+            </a:r>
+            <a:r>
+              <a:rPr lang="en-US" sz="4400" dirty="0" err="1"/>
+              <a:t>github</a:t>
+            </a:r>
+            <a:r>
+              <a:rPr lang="en-US" sz="4400" dirty="0"/>
+              <a:t> repository</a:t>
+            </a:r>
+            <a:endParaRPr lang="da-DK" sz="4400" dirty="0"/>
           </a:p>
         </p:txBody>
       </p:sp>
       <p:pic>
         <p:nvPicPr>
-          <p:cNvPr id="5" name="Picture 4">
-            <a:extLst>
-              <a:ext uri="{FF2B5EF4-FFF2-40B4-BE49-F238E27FC236}">
-                <a16:creationId xmlns:a16="http://schemas.microsoft.com/office/drawing/2014/main" id="{30300618-E7D0-D3F2-BBA0-C53F702D40A1}"/>
-              </a:ext>
-            </a:extLst>
-          </p:cNvPr>
-          <p:cNvPicPr>
-            <a:picLocks noChangeAspect="1"/>
-          </p:cNvPicPr>
-          <p:nvPr/>
-        </p:nvPicPr>
-        <p:blipFill>
-          <a:blip r:embed="rId3"/>
-          <a:stretch>
-            <a:fillRect/>
-          </a:stretch>
-        </p:blipFill>
-        <p:spPr>
-          <a:xfrm>
-            <a:off x="1300799" y="2919307"/>
-            <a:ext cx="3864005" cy="3215125"/>
-          </a:xfrm>
-          <a:prstGeom prst="rect">
-            <a:avLst/>
-          </a:prstGeom>
-        </p:spPr>
-      </p:pic>
-      <p:pic>
-        <p:nvPicPr>
-          <p:cNvPr id="8" name="Picture 7">
-            <a:extLst>
-              <a:ext uri="{FF2B5EF4-FFF2-40B4-BE49-F238E27FC236}">
-                <a16:creationId xmlns:a16="http://schemas.microsoft.com/office/drawing/2014/main" id="{A74852F7-9730-FC14-E408-FF47B64376A0}"/>
+          <p:cNvPr id="7" name="Picture 6">
+            <a:extLst>
+              <a:ext uri="{FF2B5EF4-FFF2-40B4-BE49-F238E27FC236}">
+                <a16:creationId xmlns:a16="http://schemas.microsoft.com/office/drawing/2014/main" id="{30CAE07F-B0F9-E51E-0CE8-049ACF8D933B}"/>
               </a:ext>
             </a:extLst>
           </p:cNvPr>
@@ -4787,18 +5827,128 @@
         </p:blipFill>
         <p:spPr>
           <a:xfrm>
-            <a:off x="6460552" y="3637126"/>
-            <a:ext cx="3963608" cy="1779485"/>
+            <a:off x="164793" y="2917767"/>
+            <a:ext cx="3857635" cy="1679171"/>
           </a:xfrm>
           <a:prstGeom prst="rect">
             <a:avLst/>
           </a:prstGeom>
         </p:spPr>
       </p:pic>
+      <p:cxnSp>
+        <p:nvCxnSpPr>
+          <p:cNvPr id="3" name="Straight Arrow Connector 2">
+            <a:extLst>
+              <a:ext uri="{FF2B5EF4-FFF2-40B4-BE49-F238E27FC236}">
+                <a16:creationId xmlns:a16="http://schemas.microsoft.com/office/drawing/2014/main" id="{F050701F-8514-9B3C-93A0-C84F6BA79C29}"/>
+              </a:ext>
+            </a:extLst>
+          </p:cNvPr>
+          <p:cNvCxnSpPr/>
+          <p:nvPr/>
+        </p:nvCxnSpPr>
+        <p:spPr>
+          <a:xfrm>
+            <a:off x="4289367" y="3699164"/>
+            <a:ext cx="2103120" cy="0"/>
+          </a:xfrm>
+          <a:prstGeom prst="straightConnector1">
+            <a:avLst/>
+          </a:prstGeom>
+          <a:ln w="82550">
+            <a:tailEnd type="triangle"/>
+          </a:ln>
+        </p:spPr>
+        <p:style>
+          <a:lnRef idx="1">
+            <a:schemeClr val="accent1"/>
+          </a:lnRef>
+          <a:fillRef idx="0">
+            <a:schemeClr val="accent1"/>
+          </a:fillRef>
+          <a:effectRef idx="0">
+            <a:schemeClr val="accent1"/>
+          </a:effectRef>
+          <a:fontRef idx="minor">
+            <a:schemeClr val="tx1"/>
+          </a:fontRef>
+        </p:style>
+      </p:cxnSp>
+      <p:pic>
+        <p:nvPicPr>
+          <p:cNvPr id="9" name="Picture 8">
+            <a:extLst>
+              <a:ext uri="{FF2B5EF4-FFF2-40B4-BE49-F238E27FC236}">
+                <a16:creationId xmlns:a16="http://schemas.microsoft.com/office/drawing/2014/main" id="{E96411E0-1305-DA38-EC40-8B870E43F71B}"/>
+              </a:ext>
+            </a:extLst>
+          </p:cNvPr>
+          <p:cNvPicPr>
+            <a:picLocks noChangeAspect="1"/>
+          </p:cNvPicPr>
+          <p:nvPr/>
+        </p:nvPicPr>
+        <p:blipFill>
+          <a:blip r:embed="rId5"/>
+          <a:stretch>
+            <a:fillRect/>
+          </a:stretch>
+        </p:blipFill>
+        <p:spPr>
+          <a:xfrm>
+            <a:off x="6659426" y="2279138"/>
+            <a:ext cx="5047584" cy="2840051"/>
+          </a:xfrm>
+          <a:prstGeom prst="rect">
+            <a:avLst/>
+          </a:prstGeom>
+        </p:spPr>
+      </p:pic>
+      <p:sp>
+        <p:nvSpPr>
+          <p:cNvPr id="11" name="TextBox 10">
+            <a:extLst>
+              <a:ext uri="{FF2B5EF4-FFF2-40B4-BE49-F238E27FC236}">
+                <a16:creationId xmlns:a16="http://schemas.microsoft.com/office/drawing/2014/main" id="{8E87E369-3C64-B999-0A70-D3D96D2FA763}"/>
+              </a:ext>
+            </a:extLst>
+          </p:cNvPr>
+          <p:cNvSpPr txBox="1"/>
+          <p:nvPr/>
+        </p:nvSpPr>
+        <p:spPr>
+          <a:xfrm>
+            <a:off x="6895681" y="5220678"/>
+            <a:ext cx="6094324" cy="923330"/>
+          </a:xfrm>
+          <a:prstGeom prst="rect">
+            <a:avLst/>
+          </a:prstGeom>
+          <a:noFill/>
+        </p:spPr>
+        <p:txBody>
+          <a:bodyPr wrap="square">
+            <a:spAutoFit/>
+          </a:bodyPr>
+          <a:lstStyle/>
+          <a:p>
+            <a:r>
+              <a:rPr lang="en-US" dirty="0">
+                <a:hlinkClick r:id="rId6"/>
+              </a:rPr>
+              <a:t>https://github.com/DHI/react-components/blob/master/packages/react-components/src/ECharts/eCharts.stories.tsx</a:t>
+            </a:r>
+            <a:r>
+              <a:rPr lang="en-US" dirty="0"/>
+              <a:t> </a:t>
+            </a:r>
+          </a:p>
+        </p:txBody>
+      </p:sp>
     </p:spTree>
     <p:extLst>
       <p:ext uri="{BB962C8B-B14F-4D97-AF65-F5344CB8AC3E}">
-        <p14:creationId xmlns:p14="http://schemas.microsoft.com/office/powerpoint/2010/main" val="4073216413"/>
+        <p14:creationId xmlns:p14="http://schemas.microsoft.com/office/powerpoint/2010/main" val="1389298936"/>
       </p:ext>
     </p:extLst>
   </p:cSld>
@@ -4827,10 +5977,10 @@
       </p:grpSpPr>
       <p:sp>
         <p:nvSpPr>
-          <p:cNvPr id="2" name="TextBox 1">
-            <a:extLst>
-              <a:ext uri="{FF2B5EF4-FFF2-40B4-BE49-F238E27FC236}">
-                <a16:creationId xmlns:a16="http://schemas.microsoft.com/office/drawing/2014/main" id="{2F95C7AD-28A6-6FFA-F6A5-977AB6EDBB6E}"/>
+          <p:cNvPr id="6" name="TextBox 5">
+            <a:extLst>
+              <a:ext uri="{FF2B5EF4-FFF2-40B4-BE49-F238E27FC236}">
+                <a16:creationId xmlns:a16="http://schemas.microsoft.com/office/drawing/2014/main" id="{FF3F8CBE-7CC6-C1AB-B27A-453C6C53202C}"/>
               </a:ext>
             </a:extLst>
           </p:cNvPr>
@@ -4839,8 +5989,8 @@
         </p:nvSpPr>
         <p:spPr>
           <a:xfrm>
-            <a:off x="3397415" y="314625"/>
-            <a:ext cx="4039696" cy="769441"/>
+            <a:off x="7851920" y="6009489"/>
+            <a:ext cx="4243099" cy="646331"/>
           </a:xfrm>
           <a:prstGeom prst="rect">
             <a:avLst/>
@@ -4848,93 +5998,30 @@
           <a:noFill/>
         </p:spPr>
         <p:txBody>
-          <a:bodyPr wrap="none" rtlCol="0">
+          <a:bodyPr wrap="square">
             <a:spAutoFit/>
           </a:bodyPr>
           <a:lstStyle/>
           <a:p>
             <a:r>
-              <a:rPr lang="da-DK" sz="4400"/>
-              <a:t>Data page layout</a:t>
-            </a:r>
-            <a:endParaRPr lang="en-US" sz="4400" dirty="0"/>
-          </a:p>
-        </p:txBody>
-      </p:sp>
-      <p:sp>
-        <p:nvSpPr>
-          <p:cNvPr id="3" name="TextBox 2">
-            <a:extLst>
-              <a:ext uri="{FF2B5EF4-FFF2-40B4-BE49-F238E27FC236}">
-                <a16:creationId xmlns:a16="http://schemas.microsoft.com/office/drawing/2014/main" id="{C58B6763-E146-6C0C-77B8-4D4745DBD649}"/>
-              </a:ext>
-            </a:extLst>
-          </p:cNvPr>
-          <p:cNvSpPr txBox="1"/>
-          <p:nvPr/>
-        </p:nvSpPr>
-        <p:spPr>
-          <a:xfrm>
-            <a:off x="636693" y="1625600"/>
-            <a:ext cx="3791744" cy="646331"/>
-          </a:xfrm>
-          <a:prstGeom prst="rect">
-            <a:avLst/>
-          </a:prstGeom>
-          <a:noFill/>
-        </p:spPr>
-        <p:txBody>
-          <a:bodyPr wrap="none" rtlCol="0">
-            <a:spAutoFit/>
-          </a:bodyPr>
-          <a:lstStyle/>
-          <a:p>
+              <a:rPr lang="en-US" dirty="0">
+                <a:hlinkClick r:id="rId3"/>
+              </a:rPr>
+              <a:t>https://domainservices.dhigroup.com/?path=/story/jobs-components--job-list-story</a:t>
+            </a:r>
             <a:r>
               <a:rPr lang="en-US" dirty="0"/>
-              <a:t>Top app bar, map container, side panel</a:t>
-            </a:r>
-          </a:p>
-          <a:p>
-            <a:endParaRPr lang="en-US" dirty="0"/>
+              <a:t> </a:t>
+            </a:r>
           </a:p>
         </p:txBody>
       </p:sp>
       <p:pic>
         <p:nvPicPr>
-          <p:cNvPr id="11" name="Picture 10">
-            <a:extLst>
-              <a:ext uri="{FF2B5EF4-FFF2-40B4-BE49-F238E27FC236}">
-                <a16:creationId xmlns:a16="http://schemas.microsoft.com/office/drawing/2014/main" id="{7BE8B710-48B1-4492-917E-D01A00B553EA}"/>
-              </a:ext>
-            </a:extLst>
-          </p:cNvPr>
-          <p:cNvPicPr>
-            <a:picLocks noChangeAspect="1"/>
-          </p:cNvPicPr>
-          <p:nvPr/>
-        </p:nvPicPr>
-        <p:blipFill>
-          <a:blip r:embed="rId3"/>
-          <a:stretch>
-            <a:fillRect/>
-          </a:stretch>
-        </p:blipFill>
-        <p:spPr>
-          <a:xfrm>
-            <a:off x="826975" y="2271931"/>
-            <a:ext cx="3928878" cy="4324773"/>
-          </a:xfrm>
-          <a:prstGeom prst="rect">
-            <a:avLst/>
-          </a:prstGeom>
-        </p:spPr>
-      </p:pic>
-      <p:pic>
-        <p:nvPicPr>
-          <p:cNvPr id="13" name="Picture 12">
-            <a:extLst>
-              <a:ext uri="{FF2B5EF4-FFF2-40B4-BE49-F238E27FC236}">
-                <a16:creationId xmlns:a16="http://schemas.microsoft.com/office/drawing/2014/main" id="{4CCB3FC4-D5A0-AFEF-A17C-CC3C3C1E8BB1}"/>
+          <p:cNvPr id="3" name="Picture 2">
+            <a:extLst>
+              <a:ext uri="{FF2B5EF4-FFF2-40B4-BE49-F238E27FC236}">
+                <a16:creationId xmlns:a16="http://schemas.microsoft.com/office/drawing/2014/main" id="{5BC6126B-6730-DBEB-0A94-E981FF47B01F}"/>
               </a:ext>
             </a:extLst>
           </p:cNvPr>
@@ -4951,8 +6038,8 @@
         </p:blipFill>
         <p:spPr>
           <a:xfrm>
-            <a:off x="5549743" y="2590131"/>
-            <a:ext cx="6222309" cy="3420145"/>
+            <a:off x="0" y="850913"/>
+            <a:ext cx="12192000" cy="5156173"/>
           </a:xfrm>
           <a:prstGeom prst="rect">
             <a:avLst/>
@@ -4962,7 +6049,7 @@
     </p:spTree>
     <p:extLst>
       <p:ext uri="{BB962C8B-B14F-4D97-AF65-F5344CB8AC3E}">
-        <p14:creationId xmlns:p14="http://schemas.microsoft.com/office/powerpoint/2010/main" val="3543117"/>
+        <p14:creationId xmlns:p14="http://schemas.microsoft.com/office/powerpoint/2010/main" val="2884399796"/>
       </p:ext>
     </p:extLst>
   </p:cSld>
@@ -5003,8 +6090,8 @@
         </p:nvSpPr>
         <p:spPr>
           <a:xfrm>
-            <a:off x="3397415" y="314625"/>
-            <a:ext cx="3837910" cy="769441"/>
+            <a:off x="1901567" y="3044279"/>
+            <a:ext cx="8328177" cy="769441"/>
           </a:xfrm>
           <a:prstGeom prst="rect">
             <a:avLst/>
@@ -5019,118 +6106,16 @@
           <a:p>
             <a:r>
               <a:rPr lang="da-DK" sz="4400" dirty="0"/>
-              <a:t>Adding the map</a:t>
+              <a:t>Applying the DHI react components</a:t>
             </a:r>
             <a:endParaRPr lang="en-US" sz="4400" dirty="0"/>
           </a:p>
         </p:txBody>
       </p:sp>
-      <p:sp>
-        <p:nvSpPr>
-          <p:cNvPr id="3" name="TextBox 2">
-            <a:extLst>
-              <a:ext uri="{FF2B5EF4-FFF2-40B4-BE49-F238E27FC236}">
-                <a16:creationId xmlns:a16="http://schemas.microsoft.com/office/drawing/2014/main" id="{C58B6763-E146-6C0C-77B8-4D4745DBD649}"/>
-              </a:ext>
-            </a:extLst>
-          </p:cNvPr>
-          <p:cNvSpPr txBox="1"/>
-          <p:nvPr/>
-        </p:nvSpPr>
-        <p:spPr>
-          <a:xfrm>
-            <a:off x="636693" y="1625600"/>
-            <a:ext cx="2210477" cy="646331"/>
-          </a:xfrm>
-          <a:prstGeom prst="rect">
-            <a:avLst/>
-          </a:prstGeom>
-          <a:noFill/>
-        </p:spPr>
-        <p:txBody>
-          <a:bodyPr wrap="none" rtlCol="0">
-            <a:spAutoFit/>
-          </a:bodyPr>
-          <a:lstStyle/>
-          <a:p>
-            <a:r>
-              <a:rPr lang="en-US" dirty="0" err="1"/>
-              <a:t>MapView</a:t>
-            </a:r>
-            <a:r>
-              <a:rPr lang="en-US" dirty="0"/>
-              <a:t> component</a:t>
-            </a:r>
-          </a:p>
-          <a:p>
-            <a:endParaRPr lang="en-US" dirty="0"/>
-          </a:p>
-        </p:txBody>
-      </p:sp>
-      <p:pic>
-        <p:nvPicPr>
-          <p:cNvPr id="5" name="Picture 4">
-            <a:extLst>
-              <a:ext uri="{FF2B5EF4-FFF2-40B4-BE49-F238E27FC236}">
-                <a16:creationId xmlns:a16="http://schemas.microsoft.com/office/drawing/2014/main" id="{6180BD58-AF31-C860-EE51-9D3202343F5C}"/>
-              </a:ext>
-            </a:extLst>
-          </p:cNvPr>
-          <p:cNvPicPr>
-            <a:picLocks noChangeAspect="1"/>
-          </p:cNvPicPr>
-          <p:nvPr/>
-        </p:nvPicPr>
-        <p:blipFill>
-          <a:blip r:embed="rId3"/>
-          <a:stretch>
-            <a:fillRect/>
-          </a:stretch>
-        </p:blipFill>
-        <p:spPr>
-          <a:xfrm>
-            <a:off x="982287" y="2137322"/>
-            <a:ext cx="3515941" cy="4406053"/>
-          </a:xfrm>
-          <a:prstGeom prst="rect">
-            <a:avLst/>
-          </a:prstGeom>
-        </p:spPr>
-      </p:pic>
-      <p:pic>
-        <p:nvPicPr>
-          <p:cNvPr id="7" name="Picture 6">
-            <a:extLst>
-              <a:ext uri="{FF2B5EF4-FFF2-40B4-BE49-F238E27FC236}">
-                <a16:creationId xmlns:a16="http://schemas.microsoft.com/office/drawing/2014/main" id="{3D8B3EFC-8C6F-5C52-362D-5478A84F0780}"/>
-              </a:ext>
-            </a:extLst>
-          </p:cNvPr>
-          <p:cNvPicPr>
-            <a:picLocks noChangeAspect="1"/>
-          </p:cNvPicPr>
-          <p:nvPr/>
-        </p:nvPicPr>
-        <p:blipFill>
-          <a:blip r:embed="rId4"/>
-          <a:stretch>
-            <a:fillRect/>
-          </a:stretch>
-        </p:blipFill>
-        <p:spPr>
-          <a:xfrm>
-            <a:off x="5944071" y="2736426"/>
-            <a:ext cx="5340302" cy="2620625"/>
-          </a:xfrm>
-          <a:prstGeom prst="rect">
-            <a:avLst/>
-          </a:prstGeom>
-        </p:spPr>
-      </p:pic>
     </p:spTree>
     <p:extLst>
       <p:ext uri="{BB962C8B-B14F-4D97-AF65-F5344CB8AC3E}">
-        <p14:creationId xmlns:p14="http://schemas.microsoft.com/office/powerpoint/2010/main" val="2487643793"/>
+        <p14:creationId xmlns:p14="http://schemas.microsoft.com/office/powerpoint/2010/main" val="3818761967"/>
       </p:ext>
     </p:extLst>
   </p:cSld>
@@ -5157,48 +6142,12 @@
           <a:chExt cx="0" cy="0"/>
         </a:xfrm>
       </p:grpSpPr>
-      <p:sp>
-        <p:nvSpPr>
-          <p:cNvPr id="2" name="TextBox 1">
-            <a:extLst>
-              <a:ext uri="{FF2B5EF4-FFF2-40B4-BE49-F238E27FC236}">
-                <a16:creationId xmlns:a16="http://schemas.microsoft.com/office/drawing/2014/main" id="{2F95C7AD-28A6-6FFA-F6A5-977AB6EDBB6E}"/>
-              </a:ext>
-            </a:extLst>
-          </p:cNvPr>
-          <p:cNvSpPr txBox="1"/>
-          <p:nvPr/>
-        </p:nvSpPr>
-        <p:spPr>
-          <a:xfrm>
-            <a:off x="3397415" y="314625"/>
-            <a:ext cx="4773936" cy="769441"/>
-          </a:xfrm>
-          <a:prstGeom prst="rect">
-            <a:avLst/>
-          </a:prstGeom>
-          <a:noFill/>
-        </p:spPr>
-        <p:txBody>
-          <a:bodyPr wrap="none" rtlCol="0">
-            <a:spAutoFit/>
-          </a:bodyPr>
-          <a:lstStyle/>
-          <a:p>
-            <a:r>
-              <a:rPr lang="da-DK" sz="4400" dirty="0"/>
-              <a:t>Adding a point layer</a:t>
-            </a:r>
-            <a:endParaRPr lang="en-US" sz="4400" dirty="0"/>
-          </a:p>
-        </p:txBody>
-      </p:sp>
       <p:pic>
         <p:nvPicPr>
-          <p:cNvPr id="6" name="Picture 5">
-            <a:extLst>
-              <a:ext uri="{FF2B5EF4-FFF2-40B4-BE49-F238E27FC236}">
-                <a16:creationId xmlns:a16="http://schemas.microsoft.com/office/drawing/2014/main" id="{94567A80-1024-A1B0-0058-677A4210FDE9}"/>
+          <p:cNvPr id="3" name="Picture 2">
+            <a:extLst>
+              <a:ext uri="{FF2B5EF4-FFF2-40B4-BE49-F238E27FC236}">
+                <a16:creationId xmlns:a16="http://schemas.microsoft.com/office/drawing/2014/main" id="{4E7629B5-6A9D-B18B-C6BB-3550293CD12D}"/>
               </a:ext>
             </a:extLst>
           </p:cNvPr>
@@ -5215,20 +6164,61 @@
         </p:blipFill>
         <p:spPr>
           <a:xfrm>
-            <a:off x="968552" y="2238922"/>
-            <a:ext cx="3562642" cy="4304453"/>
+            <a:off x="2307023" y="485737"/>
+            <a:ext cx="4448629" cy="1457773"/>
           </a:xfrm>
           <a:prstGeom prst="rect">
             <a:avLst/>
           </a:prstGeom>
         </p:spPr>
       </p:pic>
+      <p:cxnSp>
+        <p:nvCxnSpPr>
+          <p:cNvPr id="4" name="Straight Arrow Connector 3">
+            <a:extLst>
+              <a:ext uri="{FF2B5EF4-FFF2-40B4-BE49-F238E27FC236}">
+                <a16:creationId xmlns:a16="http://schemas.microsoft.com/office/drawing/2014/main" id="{FF32A4DC-52CC-B9B7-95F0-11FC52F25ABA}"/>
+              </a:ext>
+            </a:extLst>
+          </p:cNvPr>
+          <p:cNvCxnSpPr>
+            <a:cxnSpLocks/>
+          </p:cNvCxnSpPr>
+          <p:nvPr/>
+        </p:nvCxnSpPr>
+        <p:spPr>
+          <a:xfrm>
+            <a:off x="4521758" y="2120203"/>
+            <a:ext cx="0" cy="693336"/>
+          </a:xfrm>
+          <a:prstGeom prst="straightConnector1">
+            <a:avLst/>
+          </a:prstGeom>
+          <a:ln w="82550">
+            <a:tailEnd type="triangle"/>
+          </a:ln>
+        </p:spPr>
+        <p:style>
+          <a:lnRef idx="1">
+            <a:schemeClr val="accent1"/>
+          </a:lnRef>
+          <a:fillRef idx="0">
+            <a:schemeClr val="accent1"/>
+          </a:fillRef>
+          <a:effectRef idx="0">
+            <a:schemeClr val="accent1"/>
+          </a:effectRef>
+          <a:fontRef idx="minor">
+            <a:schemeClr val="tx1"/>
+          </a:fontRef>
+        </p:style>
+      </p:cxnSp>
       <p:pic>
         <p:nvPicPr>
-          <p:cNvPr id="9" name="Picture 8">
-            <a:extLst>
-              <a:ext uri="{FF2B5EF4-FFF2-40B4-BE49-F238E27FC236}">
-                <a16:creationId xmlns:a16="http://schemas.microsoft.com/office/drawing/2014/main" id="{197A3560-20FA-6D11-255A-6C00E6368A1B}"/>
+          <p:cNvPr id="8" name="Picture 7">
+            <a:extLst>
+              <a:ext uri="{FF2B5EF4-FFF2-40B4-BE49-F238E27FC236}">
+                <a16:creationId xmlns:a16="http://schemas.microsoft.com/office/drawing/2014/main" id="{E6197C31-1FDF-8A70-979D-B1BBA08F54F5}"/>
               </a:ext>
             </a:extLst>
           </p:cNvPr>
@@ -5245,24 +6235,393 @@
         </p:blipFill>
         <p:spPr>
           <a:xfrm>
-            <a:off x="6692147" y="3220779"/>
-            <a:ext cx="3210373" cy="2191056"/>
+            <a:off x="697246" y="2961955"/>
+            <a:ext cx="7971691" cy="3742755"/>
           </a:xfrm>
           <a:prstGeom prst="rect">
             <a:avLst/>
           </a:prstGeom>
         </p:spPr>
       </p:pic>
+      <p:sp>
+        <p:nvSpPr>
+          <p:cNvPr id="9" name="TextBox 8">
+            <a:extLst>
+              <a:ext uri="{FF2B5EF4-FFF2-40B4-BE49-F238E27FC236}">
+                <a16:creationId xmlns:a16="http://schemas.microsoft.com/office/drawing/2014/main" id="{97C973E4-9C1E-D3BD-F413-8DFF9D592496}"/>
+              </a:ext>
+            </a:extLst>
+          </p:cNvPr>
+          <p:cNvSpPr txBox="1"/>
+          <p:nvPr/>
+        </p:nvSpPr>
+        <p:spPr>
+          <a:xfrm>
+            <a:off x="6997654" y="1174069"/>
+            <a:ext cx="3702873" cy="769441"/>
+          </a:xfrm>
+          <a:prstGeom prst="rect">
+            <a:avLst/>
+          </a:prstGeom>
+          <a:noFill/>
+        </p:spPr>
+        <p:txBody>
+          <a:bodyPr wrap="none" rtlCol="0">
+            <a:spAutoFit/>
+          </a:bodyPr>
+          <a:lstStyle/>
+          <a:p>
+            <a:r>
+              <a:rPr lang="da-DK" sz="4400" dirty="0"/>
+              <a:t>ThemeProvider</a:t>
+            </a:r>
+            <a:endParaRPr lang="en-US" sz="4400" dirty="0"/>
+          </a:p>
+        </p:txBody>
+      </p:sp>
+      <p:sp>
+        <p:nvSpPr>
+          <p:cNvPr id="10" name="TextBox 9">
+            <a:extLst>
+              <a:ext uri="{FF2B5EF4-FFF2-40B4-BE49-F238E27FC236}">
+                <a16:creationId xmlns:a16="http://schemas.microsoft.com/office/drawing/2014/main" id="{B8DB7F49-0D6F-8C5E-FFEB-81178970F9D4}"/>
+              </a:ext>
+            </a:extLst>
+          </p:cNvPr>
+          <p:cNvSpPr txBox="1"/>
+          <p:nvPr/>
+        </p:nvSpPr>
+        <p:spPr>
+          <a:xfrm>
+            <a:off x="6997653" y="2138128"/>
+            <a:ext cx="2743059" cy="769441"/>
+          </a:xfrm>
+          <a:prstGeom prst="rect">
+            <a:avLst/>
+          </a:prstGeom>
+          <a:noFill/>
+        </p:spPr>
+        <p:txBody>
+          <a:bodyPr wrap="none" rtlCol="0">
+            <a:spAutoFit/>
+          </a:bodyPr>
+          <a:lstStyle/>
+          <a:p>
+            <a:r>
+              <a:rPr lang="da-DK" sz="4400" dirty="0"/>
+              <a:t>Login, User</a:t>
+            </a:r>
+            <a:endParaRPr lang="en-US" sz="4400" dirty="0"/>
+          </a:p>
+        </p:txBody>
+      </p:sp>
+      <p:sp>
+        <p:nvSpPr>
+          <p:cNvPr id="11" name="TextBox 10">
+            <a:extLst>
+              <a:ext uri="{FF2B5EF4-FFF2-40B4-BE49-F238E27FC236}">
+                <a16:creationId xmlns:a16="http://schemas.microsoft.com/office/drawing/2014/main" id="{9176660C-4188-BC36-36E7-0743E9F2AE07}"/>
+              </a:ext>
+            </a:extLst>
+          </p:cNvPr>
+          <p:cNvSpPr txBox="1"/>
+          <p:nvPr/>
+        </p:nvSpPr>
+        <p:spPr>
+          <a:xfrm>
+            <a:off x="6981398" y="3102187"/>
+            <a:ext cx="2775568" cy="769441"/>
+          </a:xfrm>
+          <a:prstGeom prst="rect">
+            <a:avLst/>
+          </a:prstGeom>
+          <a:noFill/>
+        </p:spPr>
+        <p:txBody>
+          <a:bodyPr wrap="none" rtlCol="0">
+            <a:spAutoFit/>
+          </a:bodyPr>
+          <a:lstStyle/>
+          <a:p>
+            <a:r>
+              <a:rPr lang="da-DK" sz="4400" dirty="0"/>
+              <a:t>Datasource</a:t>
+            </a:r>
+          </a:p>
+        </p:txBody>
+      </p:sp>
+      <p:sp>
+        <p:nvSpPr>
+          <p:cNvPr id="12" name="TextBox 11">
+            <a:extLst>
+              <a:ext uri="{FF2B5EF4-FFF2-40B4-BE49-F238E27FC236}">
+                <a16:creationId xmlns:a16="http://schemas.microsoft.com/office/drawing/2014/main" id="{625D6348-949F-6B1C-2348-7170EE775DDE}"/>
+              </a:ext>
+            </a:extLst>
+          </p:cNvPr>
+          <p:cNvSpPr txBox="1"/>
+          <p:nvPr/>
+        </p:nvSpPr>
+        <p:spPr>
+          <a:xfrm>
+            <a:off x="6952745" y="5031413"/>
+            <a:ext cx="2518638" cy="769441"/>
+          </a:xfrm>
+          <a:prstGeom prst="rect">
+            <a:avLst/>
+          </a:prstGeom>
+          <a:noFill/>
+        </p:spPr>
+        <p:txBody>
+          <a:bodyPr wrap="none" rtlCol="0">
+            <a:spAutoFit/>
+          </a:bodyPr>
+          <a:lstStyle/>
+          <a:p>
+            <a:r>
+              <a:rPr lang="da-DK" sz="4400" dirty="0"/>
+              <a:t>BaseChart</a:t>
+            </a:r>
+            <a:endParaRPr lang="en-US" sz="4400" dirty="0"/>
+          </a:p>
+        </p:txBody>
+      </p:sp>
+      <p:sp>
+        <p:nvSpPr>
+          <p:cNvPr id="13" name="TextBox 12">
+            <a:extLst>
+              <a:ext uri="{FF2B5EF4-FFF2-40B4-BE49-F238E27FC236}">
+                <a16:creationId xmlns:a16="http://schemas.microsoft.com/office/drawing/2014/main" id="{D749016B-C3D3-0360-99C9-75AC7189850E}"/>
+              </a:ext>
+            </a:extLst>
+          </p:cNvPr>
+          <p:cNvSpPr txBox="1"/>
+          <p:nvPr/>
+        </p:nvSpPr>
+        <p:spPr>
+          <a:xfrm>
+            <a:off x="6952745" y="4066246"/>
+            <a:ext cx="5239255" cy="769441"/>
+          </a:xfrm>
+          <a:prstGeom prst="rect">
+            <a:avLst/>
+          </a:prstGeom>
+          <a:noFill/>
+        </p:spPr>
+        <p:txBody>
+          <a:bodyPr wrap="none" rtlCol="0">
+            <a:spAutoFit/>
+          </a:bodyPr>
+          <a:lstStyle/>
+          <a:p>
+            <a:r>
+              <a:rPr lang="da-DK" sz="4400" dirty="0"/>
+              <a:t>fetchtimeSeriesValues</a:t>
+            </a:r>
+            <a:endParaRPr lang="en-US" sz="4400" dirty="0"/>
+          </a:p>
+        </p:txBody>
+      </p:sp>
     </p:spTree>
     <p:extLst>
       <p:ext uri="{BB962C8B-B14F-4D97-AF65-F5344CB8AC3E}">
-        <p14:creationId xmlns:p14="http://schemas.microsoft.com/office/powerpoint/2010/main" val="3530712320"/>
+        <p14:creationId xmlns:p14="http://schemas.microsoft.com/office/powerpoint/2010/main" val="1014282683"/>
       </p:ext>
     </p:extLst>
   </p:cSld>
   <p:clrMapOvr>
     <a:masterClrMapping/>
   </p:clrMapOvr>
+  <p:timing>
+    <p:tnLst>
+      <p:par>
+        <p:cTn id="1" dur="indefinite" restart="never" nodeType="tmRoot">
+          <p:childTnLst>
+            <p:seq concurrent="1" nextAc="seek">
+              <p:cTn id="2" dur="indefinite" nodeType="mainSeq">
+                <p:childTnLst>
+                  <p:par>
+                    <p:cTn id="3" fill="hold">
+                      <p:stCondLst>
+                        <p:cond delay="indefinite"/>
+                      </p:stCondLst>
+                      <p:childTnLst>
+                        <p:par>
+                          <p:cTn id="4" fill="hold">
+                            <p:stCondLst>
+                              <p:cond delay="0"/>
+                            </p:stCondLst>
+                            <p:childTnLst>
+                              <p:par>
+                                <p:cTn id="5" presetID="1" presetClass="entr" presetSubtype="0" fill="hold" grpId="0" nodeType="clickEffect">
+                                  <p:stCondLst>
+                                    <p:cond delay="0"/>
+                                  </p:stCondLst>
+                                  <p:childTnLst>
+                                    <p:set>
+                                      <p:cBhvr>
+                                        <p:cTn id="6" dur="1" fill="hold">
+                                          <p:stCondLst>
+                                            <p:cond delay="0"/>
+                                          </p:stCondLst>
+                                        </p:cTn>
+                                        <p:tgtEl>
+                                          <p:spTgt spid="9"/>
+                                        </p:tgtEl>
+                                        <p:attrNameLst>
+                                          <p:attrName>style.visibility</p:attrName>
+                                        </p:attrNameLst>
+                                      </p:cBhvr>
+                                      <p:to>
+                                        <p:strVal val="visible"/>
+                                      </p:to>
+                                    </p:set>
+                                  </p:childTnLst>
+                                </p:cTn>
+                              </p:par>
+                              <p:par>
+                                <p:cTn id="7" presetID="1" presetClass="entr" presetSubtype="0" fill="hold" grpId="0" nodeType="withEffect">
+                                  <p:stCondLst>
+                                    <p:cond delay="0"/>
+                                  </p:stCondLst>
+                                  <p:childTnLst>
+                                    <p:set>
+                                      <p:cBhvr>
+                                        <p:cTn id="8" dur="1" fill="hold">
+                                          <p:stCondLst>
+                                            <p:cond delay="0"/>
+                                          </p:stCondLst>
+                                        </p:cTn>
+                                        <p:tgtEl>
+                                          <p:spTgt spid="10"/>
+                                        </p:tgtEl>
+                                        <p:attrNameLst>
+                                          <p:attrName>style.visibility</p:attrName>
+                                        </p:attrNameLst>
+                                      </p:cBhvr>
+                                      <p:to>
+                                        <p:strVal val="visible"/>
+                                      </p:to>
+                                    </p:set>
+                                  </p:childTnLst>
+                                </p:cTn>
+                              </p:par>
+                              <p:par>
+                                <p:cTn id="9" presetID="1" presetClass="entr" presetSubtype="0" fill="hold" grpId="0" nodeType="withEffect">
+                                  <p:stCondLst>
+                                    <p:cond delay="0"/>
+                                  </p:stCondLst>
+                                  <p:childTnLst>
+                                    <p:set>
+                                      <p:cBhvr>
+                                        <p:cTn id="10" dur="1" fill="hold">
+                                          <p:stCondLst>
+                                            <p:cond delay="0"/>
+                                          </p:stCondLst>
+                                        </p:cTn>
+                                        <p:tgtEl>
+                                          <p:spTgt spid="11"/>
+                                        </p:tgtEl>
+                                        <p:attrNameLst>
+                                          <p:attrName>style.visibility</p:attrName>
+                                        </p:attrNameLst>
+                                      </p:cBhvr>
+                                      <p:to>
+                                        <p:strVal val="visible"/>
+                                      </p:to>
+                                    </p:set>
+                                  </p:childTnLst>
+                                </p:cTn>
+                              </p:par>
+                              <p:par>
+                                <p:cTn id="11" presetID="1" presetClass="entr" presetSubtype="0" fill="hold" grpId="0" nodeType="withEffect">
+                                  <p:stCondLst>
+                                    <p:cond delay="0"/>
+                                  </p:stCondLst>
+                                  <p:childTnLst>
+                                    <p:set>
+                                      <p:cBhvr>
+                                        <p:cTn id="12" dur="1" fill="hold">
+                                          <p:stCondLst>
+                                            <p:cond delay="0"/>
+                                          </p:stCondLst>
+                                        </p:cTn>
+                                        <p:tgtEl>
+                                          <p:spTgt spid="13"/>
+                                        </p:tgtEl>
+                                        <p:attrNameLst>
+                                          <p:attrName>style.visibility</p:attrName>
+                                        </p:attrNameLst>
+                                      </p:cBhvr>
+                                      <p:to>
+                                        <p:strVal val="visible"/>
+                                      </p:to>
+                                    </p:set>
+                                  </p:childTnLst>
+                                </p:cTn>
+                              </p:par>
+                              <p:par>
+                                <p:cTn id="13" presetID="1" presetClass="entr" presetSubtype="0" fill="hold" grpId="0" nodeType="withEffect">
+                                  <p:stCondLst>
+                                    <p:cond delay="0"/>
+                                  </p:stCondLst>
+                                  <p:childTnLst>
+                                    <p:set>
+                                      <p:cBhvr>
+                                        <p:cTn id="14" dur="1" fill="hold">
+                                          <p:stCondLst>
+                                            <p:cond delay="0"/>
+                                          </p:stCondLst>
+                                        </p:cTn>
+                                        <p:tgtEl>
+                                          <p:spTgt spid="12"/>
+                                        </p:tgtEl>
+                                        <p:attrNameLst>
+                                          <p:attrName>style.visibility</p:attrName>
+                                        </p:attrNameLst>
+                                      </p:cBhvr>
+                                      <p:to>
+                                        <p:strVal val="visible"/>
+                                      </p:to>
+                                    </p:set>
+                                  </p:childTnLst>
+                                </p:cTn>
+                              </p:par>
+                            </p:childTnLst>
+                          </p:cTn>
+                        </p:par>
+                      </p:childTnLst>
+                    </p:cTn>
+                  </p:par>
+                </p:childTnLst>
+              </p:cTn>
+              <p:prevCondLst>
+                <p:cond evt="onPrev" delay="0">
+                  <p:tgtEl>
+                    <p:sldTgt/>
+                  </p:tgtEl>
+                </p:cond>
+              </p:prevCondLst>
+              <p:nextCondLst>
+                <p:cond evt="onNext" delay="0">
+                  <p:tgtEl>
+                    <p:sldTgt/>
+                  </p:tgtEl>
+                </p:cond>
+              </p:nextCondLst>
+            </p:seq>
+          </p:childTnLst>
+        </p:cTn>
+      </p:par>
+    </p:tnLst>
+    <p:bldLst>
+      <p:bldP spid="9" grpId="0"/>
+      <p:bldP spid="10" grpId="0"/>
+      <p:bldP spid="11" grpId="0"/>
+      <p:bldP spid="12" grpId="0"/>
+      <p:bldP spid="13" grpId="0"/>
+    </p:bldLst>
+  </p:timing>
 </p:sld>
 </file>
 
@@ -5297,8 +6656,8 @@
         </p:nvSpPr>
         <p:spPr>
           <a:xfrm>
-            <a:off x="3397415" y="314625"/>
-            <a:ext cx="6362063" cy="769441"/>
+            <a:off x="2824280" y="2329385"/>
+            <a:ext cx="7018075" cy="769441"/>
           </a:xfrm>
           <a:prstGeom prst="rect">
             <a:avLst/>
@@ -5313,18 +6672,48 @@
           <a:p>
             <a:r>
               <a:rPr lang="da-DK" sz="4400" dirty="0"/>
-              <a:t>Showing a timeseries chart</a:t>
+              <a:t>Guide to running the example</a:t>
             </a:r>
             <a:endParaRPr lang="en-US" sz="4400" dirty="0"/>
           </a:p>
         </p:txBody>
       </p:sp>
-      <p:sp>
-        <p:nvSpPr>
-          <p:cNvPr id="3" name="TextBox 2">
-            <a:extLst>
-              <a:ext uri="{FF2B5EF4-FFF2-40B4-BE49-F238E27FC236}">
-                <a16:creationId xmlns:a16="http://schemas.microsoft.com/office/drawing/2014/main" id="{C58B6763-E146-6C0C-77B8-4D4745DBD649}"/>
+    </p:spTree>
+    <p:extLst>
+      <p:ext uri="{BB962C8B-B14F-4D97-AF65-F5344CB8AC3E}">
+        <p14:creationId xmlns:p14="http://schemas.microsoft.com/office/powerpoint/2010/main" val="331602136"/>
+      </p:ext>
+    </p:extLst>
+  </p:cSld>
+  <p:clrMapOvr>
+    <a:masterClrMapping/>
+  </p:clrMapOvr>
+</p:sld>
+</file>
+
+<file path=ppt/slides/slide16.xml><?xml version="1.0" encoding="utf-8"?>
+<p:sld xmlns:a="http://schemas.openxmlformats.org/drawingml/2006/main" xmlns:r="http://schemas.openxmlformats.org/officeDocument/2006/relationships" xmlns:p="http://schemas.openxmlformats.org/presentationml/2006/main">
+  <p:cSld>
+    <p:spTree>
+      <p:nvGrpSpPr>
+        <p:cNvPr id="1" name=""/>
+        <p:cNvGrpSpPr/>
+        <p:nvPr/>
+      </p:nvGrpSpPr>
+      <p:grpSpPr>
+        <a:xfrm>
+          <a:off x="0" y="0"/>
+          <a:ext cx="0" cy="0"/>
+          <a:chOff x="0" y="0"/>
+          <a:chExt cx="0" cy="0"/>
+        </a:xfrm>
+      </p:grpSpPr>
+      <p:sp>
+        <p:nvSpPr>
+          <p:cNvPr id="2" name="TextBox 1">
+            <a:extLst>
+              <a:ext uri="{FF2B5EF4-FFF2-40B4-BE49-F238E27FC236}">
+                <a16:creationId xmlns:a16="http://schemas.microsoft.com/office/drawing/2014/main" id="{2F95C7AD-28A6-6FFA-F6A5-977AB6EDBB6E}"/>
               </a:ext>
             </a:extLst>
           </p:cNvPr>
@@ -5333,8 +6722,8 @@
         </p:nvSpPr>
         <p:spPr>
           <a:xfrm>
-            <a:off x="636693" y="1625600"/>
-            <a:ext cx="2210477" cy="646331"/>
+            <a:off x="1062250" y="1489799"/>
+            <a:ext cx="6984470" cy="2800767"/>
           </a:xfrm>
           <a:prstGeom prst="rect">
             <a:avLst/>
@@ -5342,31 +6731,558 @@
           <a:noFill/>
         </p:spPr>
         <p:txBody>
+          <a:bodyPr wrap="square" rtlCol="0">
+            <a:spAutoFit/>
+          </a:bodyPr>
+          <a:lstStyle/>
+          <a:p>
+            <a:r>
+              <a:rPr lang="da-DK" sz="4400" dirty="0"/>
+              <a:t>Install:</a:t>
+            </a:r>
+          </a:p>
+          <a:p>
+            <a:pPr marL="571500" indent="-571500">
+              <a:buFontTx/>
+              <a:buChar char="-"/>
+            </a:pPr>
+            <a:r>
+              <a:rPr lang="da-DK" sz="4400" dirty="0"/>
+              <a:t>Visual Studio Code</a:t>
+            </a:r>
+          </a:p>
+          <a:p>
+            <a:pPr marL="571500" indent="-571500">
+              <a:buFontTx/>
+              <a:buChar char="-"/>
+            </a:pPr>
+            <a:r>
+              <a:rPr lang="da-DK" sz="4400" dirty="0"/>
+              <a:t>Node.js (I’m using 18.8.0)</a:t>
+            </a:r>
+          </a:p>
+          <a:p>
+            <a:pPr marL="571500" indent="-571500">
+              <a:buFontTx/>
+              <a:buChar char="-"/>
+            </a:pPr>
+            <a:r>
+              <a:rPr lang="da-DK" sz="4400" dirty="0"/>
+              <a:t>Yarn (I’m using 1.22.19)</a:t>
+            </a:r>
+            <a:endParaRPr lang="en-US" sz="4400" dirty="0"/>
+          </a:p>
+        </p:txBody>
+      </p:sp>
+    </p:spTree>
+    <p:extLst>
+      <p:ext uri="{BB962C8B-B14F-4D97-AF65-F5344CB8AC3E}">
+        <p14:creationId xmlns:p14="http://schemas.microsoft.com/office/powerpoint/2010/main" val="539749109"/>
+      </p:ext>
+    </p:extLst>
+  </p:cSld>
+  <p:clrMapOvr>
+    <a:masterClrMapping/>
+  </p:clrMapOvr>
+</p:sld>
+</file>
+
+<file path=ppt/slides/slide17.xml><?xml version="1.0" encoding="utf-8"?>
+<p:sld xmlns:a="http://schemas.openxmlformats.org/drawingml/2006/main" xmlns:r="http://schemas.openxmlformats.org/officeDocument/2006/relationships" xmlns:p="http://schemas.openxmlformats.org/presentationml/2006/main">
+  <p:cSld>
+    <p:spTree>
+      <p:nvGrpSpPr>
+        <p:cNvPr id="1" name=""/>
+        <p:cNvGrpSpPr/>
+        <p:nvPr/>
+      </p:nvGrpSpPr>
+      <p:grpSpPr>
+        <a:xfrm>
+          <a:off x="0" y="0"/>
+          <a:ext cx="0" cy="0"/>
+          <a:chOff x="0" y="0"/>
+          <a:chExt cx="0" cy="0"/>
+        </a:xfrm>
+      </p:grpSpPr>
+      <p:sp>
+        <p:nvSpPr>
+          <p:cNvPr id="2" name="TextBox 1">
+            <a:extLst>
+              <a:ext uri="{FF2B5EF4-FFF2-40B4-BE49-F238E27FC236}">
+                <a16:creationId xmlns:a16="http://schemas.microsoft.com/office/drawing/2014/main" id="{2F95C7AD-28A6-6FFA-F6A5-977AB6EDBB6E}"/>
+              </a:ext>
+            </a:extLst>
+          </p:cNvPr>
+          <p:cNvSpPr txBox="1"/>
+          <p:nvPr/>
+        </p:nvSpPr>
+        <p:spPr>
+          <a:xfrm>
+            <a:off x="1062250" y="1489799"/>
+            <a:ext cx="10500753" cy="2246769"/>
+          </a:xfrm>
+          <a:prstGeom prst="rect">
+            <a:avLst/>
+          </a:prstGeom>
+          <a:noFill/>
+        </p:spPr>
+        <p:txBody>
+          <a:bodyPr wrap="square" rtlCol="0">
+            <a:spAutoFit/>
+          </a:bodyPr>
+          <a:lstStyle/>
+          <a:p>
+            <a:r>
+              <a:rPr lang="da-DK" sz="2800" dirty="0"/>
+              <a:t>Register:</a:t>
+            </a:r>
+          </a:p>
+          <a:p>
+            <a:pPr marL="571500" indent="-571500">
+              <a:buFontTx/>
+              <a:buChar char="-"/>
+            </a:pPr>
+            <a:r>
+              <a:rPr lang="da-DK" sz="2800" dirty="0"/>
+              <a:t>Github token </a:t>
+            </a:r>
+            <a:r>
+              <a:rPr lang="da-DK" sz="2800" dirty="0">
+                <a:hlinkClick r:id="rId2"/>
+              </a:rPr>
+              <a:t>https://github.com/DHI/react-components/blob/master/packages/react-components/README.md</a:t>
+            </a:r>
+            <a:r>
+              <a:rPr lang="da-DK" sz="2800" dirty="0"/>
+              <a:t> </a:t>
+            </a:r>
+          </a:p>
+          <a:p>
+            <a:pPr marL="571500" indent="-571500">
+              <a:buFontTx/>
+              <a:buChar char="-"/>
+            </a:pPr>
+            <a:r>
+              <a:rPr lang="da-DK" sz="2800" dirty="0"/>
+              <a:t>Mapbox token </a:t>
+            </a:r>
+            <a:r>
+              <a:rPr lang="da-DK" sz="2800" dirty="0">
+                <a:hlinkClick r:id="rId3"/>
+              </a:rPr>
+              <a:t>https://account.mapbox.com/access-tokens/</a:t>
+            </a:r>
+            <a:r>
+              <a:rPr lang="da-DK" sz="2800" dirty="0"/>
+              <a:t> </a:t>
+            </a:r>
+          </a:p>
+        </p:txBody>
+      </p:sp>
+    </p:spTree>
+    <p:extLst>
+      <p:ext uri="{BB962C8B-B14F-4D97-AF65-F5344CB8AC3E}">
+        <p14:creationId xmlns:p14="http://schemas.microsoft.com/office/powerpoint/2010/main" val="4012701191"/>
+      </p:ext>
+    </p:extLst>
+  </p:cSld>
+  <p:clrMapOvr>
+    <a:masterClrMapping/>
+  </p:clrMapOvr>
+</p:sld>
+</file>
+
+<file path=ppt/slides/slide18.xml><?xml version="1.0" encoding="utf-8"?>
+<p:sld xmlns:a="http://schemas.openxmlformats.org/drawingml/2006/main" xmlns:r="http://schemas.openxmlformats.org/officeDocument/2006/relationships" xmlns:p="http://schemas.openxmlformats.org/presentationml/2006/main">
+  <p:cSld>
+    <p:spTree>
+      <p:nvGrpSpPr>
+        <p:cNvPr id="1" name=""/>
+        <p:cNvGrpSpPr/>
+        <p:nvPr/>
+      </p:nvGrpSpPr>
+      <p:grpSpPr>
+        <a:xfrm>
+          <a:off x="0" y="0"/>
+          <a:ext cx="0" cy="0"/>
+          <a:chOff x="0" y="0"/>
+          <a:chExt cx="0" cy="0"/>
+        </a:xfrm>
+      </p:grpSpPr>
+      <p:sp>
+        <p:nvSpPr>
+          <p:cNvPr id="2" name="TextBox 1">
+            <a:extLst>
+              <a:ext uri="{FF2B5EF4-FFF2-40B4-BE49-F238E27FC236}">
+                <a16:creationId xmlns:a16="http://schemas.microsoft.com/office/drawing/2014/main" id="{2F95C7AD-28A6-6FFA-F6A5-977AB6EDBB6E}"/>
+              </a:ext>
+            </a:extLst>
+          </p:cNvPr>
+          <p:cNvSpPr txBox="1"/>
+          <p:nvPr/>
+        </p:nvSpPr>
+        <p:spPr>
+          <a:xfrm>
+            <a:off x="892744" y="1587974"/>
+            <a:ext cx="9888864" cy="2677656"/>
+          </a:xfrm>
+          <a:prstGeom prst="rect">
+            <a:avLst/>
+          </a:prstGeom>
+          <a:noFill/>
+        </p:spPr>
+        <p:txBody>
+          <a:bodyPr wrap="square" rtlCol="0">
+            <a:spAutoFit/>
+          </a:bodyPr>
+          <a:lstStyle/>
+          <a:p>
+            <a:r>
+              <a:rPr lang="da-DK" sz="2800" dirty="0"/>
+              <a:t>Launch:</a:t>
+            </a:r>
+          </a:p>
+          <a:p>
+            <a:pPr marL="571500" indent="-571500">
+              <a:buFontTx/>
+              <a:buChar char="-"/>
+            </a:pPr>
+            <a:r>
+              <a:rPr lang="da-DK" sz="2800" dirty="0"/>
+              <a:t>In VS Code, open the DomainServicesCourse folder</a:t>
+            </a:r>
+          </a:p>
+          <a:p>
+            <a:pPr marL="571500" indent="-571500">
+              <a:buFontTx/>
+              <a:buChar char="-"/>
+            </a:pPr>
+            <a:r>
+              <a:rPr lang="da-DK" sz="2800" dirty="0"/>
+              <a:t>In the terminal</a:t>
+            </a:r>
+          </a:p>
+          <a:p>
+            <a:pPr marL="1028700" lvl="1" indent="-571500">
+              <a:buFontTx/>
+              <a:buChar char="-"/>
+            </a:pPr>
+            <a:r>
+              <a:rPr lang="da-DK" sz="2800" dirty="0"/>
+              <a:t>Cd Source/Frontend</a:t>
+            </a:r>
+          </a:p>
+          <a:p>
+            <a:pPr marL="1028700" lvl="1" indent="-571500">
+              <a:buFontTx/>
+              <a:buChar char="-"/>
+            </a:pPr>
+            <a:r>
+              <a:rPr lang="da-DK" sz="2800" dirty="0"/>
+              <a:t>yarn</a:t>
+            </a:r>
+          </a:p>
+          <a:p>
+            <a:pPr marL="1028700" lvl="1" indent="-571500">
+              <a:buFontTx/>
+              <a:buChar char="-"/>
+            </a:pPr>
+            <a:r>
+              <a:rPr lang="da-DK" sz="2800" dirty="0"/>
+              <a:t>yarn start</a:t>
+            </a:r>
+          </a:p>
+        </p:txBody>
+      </p:sp>
+    </p:spTree>
+    <p:extLst>
+      <p:ext uri="{BB962C8B-B14F-4D97-AF65-F5344CB8AC3E}">
+        <p14:creationId xmlns:p14="http://schemas.microsoft.com/office/powerpoint/2010/main" val="1263299131"/>
+      </p:ext>
+    </p:extLst>
+  </p:cSld>
+  <p:clrMapOvr>
+    <a:masterClrMapping/>
+  </p:clrMapOvr>
+</p:sld>
+</file>
+
+<file path=ppt/slides/slide19.xml><?xml version="1.0" encoding="utf-8"?>
+<p:sld xmlns:a="http://schemas.openxmlformats.org/drawingml/2006/main" xmlns:r="http://schemas.openxmlformats.org/officeDocument/2006/relationships" xmlns:p="http://schemas.openxmlformats.org/presentationml/2006/main">
+  <p:cSld>
+    <p:spTree>
+      <p:nvGrpSpPr>
+        <p:cNvPr id="1" name=""/>
+        <p:cNvGrpSpPr/>
+        <p:nvPr/>
+      </p:nvGrpSpPr>
+      <p:grpSpPr>
+        <a:xfrm>
+          <a:off x="0" y="0"/>
+          <a:ext cx="0" cy="0"/>
+          <a:chOff x="0" y="0"/>
+          <a:chExt cx="0" cy="0"/>
+        </a:xfrm>
+      </p:grpSpPr>
+      <p:sp>
+        <p:nvSpPr>
+          <p:cNvPr id="2" name="TextBox 1">
+            <a:extLst>
+              <a:ext uri="{FF2B5EF4-FFF2-40B4-BE49-F238E27FC236}">
+                <a16:creationId xmlns:a16="http://schemas.microsoft.com/office/drawing/2014/main" id="{2F95C7AD-28A6-6FFA-F6A5-977AB6EDBB6E}"/>
+              </a:ext>
+            </a:extLst>
+          </p:cNvPr>
+          <p:cNvSpPr txBox="1"/>
+          <p:nvPr/>
+        </p:nvSpPr>
+        <p:spPr>
+          <a:xfrm>
+            <a:off x="1901567" y="3044279"/>
+            <a:ext cx="6267037" cy="769441"/>
+          </a:xfrm>
+          <a:prstGeom prst="rect">
+            <a:avLst/>
+          </a:prstGeom>
+          <a:noFill/>
+        </p:spPr>
+        <p:txBody>
           <a:bodyPr wrap="none" rtlCol="0">
             <a:spAutoFit/>
           </a:bodyPr>
           <a:lstStyle/>
           <a:p>
             <a:r>
-              <a:rPr lang="en-US" dirty="0" err="1"/>
-              <a:t>MapView</a:t>
-            </a:r>
-            <a:r>
-              <a:rPr lang="en-US" dirty="0"/>
-              <a:t> component</a:t>
-            </a:r>
-          </a:p>
-          <a:p>
-            <a:endParaRPr lang="en-US" dirty="0"/>
+              <a:rPr lang="da-DK" sz="4400" dirty="0"/>
+              <a:t>Take home exercises/ideas</a:t>
+            </a:r>
+            <a:endParaRPr lang="en-US" sz="4400" dirty="0"/>
+          </a:p>
+        </p:txBody>
+      </p:sp>
+    </p:spTree>
+    <p:extLst>
+      <p:ext uri="{BB962C8B-B14F-4D97-AF65-F5344CB8AC3E}">
+        <p14:creationId xmlns:p14="http://schemas.microsoft.com/office/powerpoint/2010/main" val="591111822"/>
+      </p:ext>
+    </p:extLst>
+  </p:cSld>
+  <p:clrMapOvr>
+    <a:masterClrMapping/>
+  </p:clrMapOvr>
+</p:sld>
+</file>
+
+<file path=ppt/slides/slide2.xml><?xml version="1.0" encoding="utf-8"?>
+<p:sld xmlns:a="http://schemas.openxmlformats.org/drawingml/2006/main" xmlns:r="http://schemas.openxmlformats.org/officeDocument/2006/relationships" xmlns:p="http://schemas.openxmlformats.org/presentationml/2006/main">
+  <p:cSld>
+    <p:spTree>
+      <p:nvGrpSpPr>
+        <p:cNvPr id="1" name=""/>
+        <p:cNvGrpSpPr/>
+        <p:nvPr/>
+      </p:nvGrpSpPr>
+      <p:grpSpPr>
+        <a:xfrm>
+          <a:off x="0" y="0"/>
+          <a:ext cx="0" cy="0"/>
+          <a:chOff x="0" y="0"/>
+          <a:chExt cx="0" cy="0"/>
+        </a:xfrm>
+      </p:grpSpPr>
+      <p:sp>
+        <p:nvSpPr>
+          <p:cNvPr id="3" name="Content Placeholder 2">
+            <a:extLst>
+              <a:ext uri="{FF2B5EF4-FFF2-40B4-BE49-F238E27FC236}">
+                <a16:creationId xmlns:a16="http://schemas.microsoft.com/office/drawing/2014/main" id="{1BF2A43D-DF10-14A8-A20C-5FB897A3D7EC}"/>
+              </a:ext>
+            </a:extLst>
+          </p:cNvPr>
+          <p:cNvSpPr>
+            <a:spLocks noGrp="1"/>
+          </p:cNvSpPr>
+          <p:nvPr>
+            <p:ph idx="1"/>
+          </p:nvPr>
+        </p:nvSpPr>
+        <p:spPr>
+          <a:xfrm>
+            <a:off x="2253006" y="2601156"/>
+            <a:ext cx="7873974" cy="3254375"/>
+          </a:xfrm>
+        </p:spPr>
+        <p:txBody>
+          <a:bodyPr>
+            <a:normAutofit/>
+          </a:bodyPr>
+          <a:lstStyle/>
+          <a:p>
+            <a:r>
+              <a:rPr lang="en-US" sz="3600" dirty="0"/>
+              <a:t>Aims and context</a:t>
+            </a:r>
+          </a:p>
+          <a:p>
+            <a:r>
+              <a:rPr lang="en-US" sz="3600" dirty="0"/>
+              <a:t>Introduction to DHI react components</a:t>
+            </a:r>
+          </a:p>
+          <a:p>
+            <a:r>
+              <a:rPr lang="en-US" sz="3600" dirty="0"/>
+              <a:t>Applying the DHI react components</a:t>
+            </a:r>
+          </a:p>
+          <a:p>
+            <a:r>
+              <a:rPr lang="en-US" sz="3600" dirty="0"/>
+              <a:t>Guide to running the example</a:t>
+            </a:r>
+          </a:p>
+          <a:p>
+            <a:r>
+              <a:rPr lang="en-US" sz="3600" dirty="0"/>
+              <a:t>Take home exercises/ideas</a:t>
+            </a:r>
           </a:p>
         </p:txBody>
       </p:sp>
       <p:pic>
         <p:nvPicPr>
-          <p:cNvPr id="6" name="Picture 5">
-            <a:extLst>
-              <a:ext uri="{FF2B5EF4-FFF2-40B4-BE49-F238E27FC236}">
-                <a16:creationId xmlns:a16="http://schemas.microsoft.com/office/drawing/2014/main" id="{94567A80-1024-A1B0-0058-677A4210FDE9}"/>
+          <p:cNvPr id="4100" name="Picture 4" descr="Agenda - letters written in beautiful boxes on white background Stock  Illustration | Adobe Stock">
+            <a:extLst>
+              <a:ext uri="{FF2B5EF4-FFF2-40B4-BE49-F238E27FC236}">
+                <a16:creationId xmlns:a16="http://schemas.microsoft.com/office/drawing/2014/main" id="{2A21C2AB-5AB7-7BD8-FDED-86C41E95CC81}"/>
+              </a:ext>
+            </a:extLst>
+          </p:cNvPr>
+          <p:cNvPicPr>
+            <a:picLocks noChangeAspect="1" noChangeArrowheads="1"/>
+          </p:cNvPicPr>
+          <p:nvPr/>
+        </p:nvPicPr>
+        <p:blipFill>
+          <a:blip r:embed="rId3">
+            <a:extLst>
+              <a:ext uri="{BEBA8EAE-BF5A-486C-A8C5-ECC9F3942E4B}">
+                <a14:imgProps xmlns:a14="http://schemas.microsoft.com/office/drawing/2010/main">
+                  <a14:imgLayer r:embed="rId4">
+                    <a14:imgEffect>
+                      <a14:saturation sat="33000"/>
+                    </a14:imgEffect>
+                  </a14:imgLayer>
+                </a14:imgProps>
+              </a:ext>
+              <a:ext uri="{28A0092B-C50C-407E-A947-70E740481C1C}">
+                <a14:useLocalDpi xmlns:a14="http://schemas.microsoft.com/office/drawing/2010/main" val="0"/>
+              </a:ext>
+            </a:extLst>
+          </a:blip>
+          <a:srcRect/>
+          <a:stretch>
+            <a:fillRect/>
+          </a:stretch>
+        </p:blipFill>
+        <p:spPr bwMode="auto">
+          <a:xfrm>
+            <a:off x="3130197" y="440267"/>
+            <a:ext cx="5246158" cy="2160889"/>
+          </a:xfrm>
+          <a:prstGeom prst="rect">
+            <a:avLst/>
+          </a:prstGeom>
+          <a:noFill/>
+          <a:extLst>
+            <a:ext uri="{909E8E84-426E-40DD-AFC4-6F175D3DCCD1}">
+              <a14:hiddenFill xmlns:a14="http://schemas.microsoft.com/office/drawing/2010/main">
+                <a:solidFill>
+                  <a:srgbClr val="FFFFFF"/>
+                </a:solidFill>
+              </a14:hiddenFill>
+            </a:ext>
+          </a:extLst>
+        </p:spPr>
+      </p:pic>
+    </p:spTree>
+    <p:extLst>
+      <p:ext uri="{BB962C8B-B14F-4D97-AF65-F5344CB8AC3E}">
+        <p14:creationId xmlns:p14="http://schemas.microsoft.com/office/powerpoint/2010/main" val="1456164604"/>
+      </p:ext>
+    </p:extLst>
+  </p:cSld>
+  <p:clrMapOvr>
+    <a:masterClrMapping/>
+  </p:clrMapOvr>
+</p:sld>
+</file>
+
+<file path=ppt/slides/slide20.xml><?xml version="1.0" encoding="utf-8"?>
+<p:sld xmlns:a="http://schemas.openxmlformats.org/drawingml/2006/main" xmlns:r="http://schemas.openxmlformats.org/officeDocument/2006/relationships" xmlns:p="http://schemas.openxmlformats.org/presentationml/2006/main">
+  <p:cSld>
+    <p:spTree>
+      <p:nvGrpSpPr>
+        <p:cNvPr id="1" name=""/>
+        <p:cNvGrpSpPr/>
+        <p:nvPr/>
+      </p:nvGrpSpPr>
+      <p:grpSpPr>
+        <a:xfrm>
+          <a:off x="0" y="0"/>
+          <a:ext cx="0" cy="0"/>
+          <a:chOff x="0" y="0"/>
+          <a:chExt cx="0" cy="0"/>
+        </a:xfrm>
+      </p:grpSpPr>
+      <p:sp>
+        <p:nvSpPr>
+          <p:cNvPr id="2" name="TextBox 1">
+            <a:extLst>
+              <a:ext uri="{FF2B5EF4-FFF2-40B4-BE49-F238E27FC236}">
+                <a16:creationId xmlns:a16="http://schemas.microsoft.com/office/drawing/2014/main" id="{2F95C7AD-28A6-6FFA-F6A5-977AB6EDBB6E}"/>
+              </a:ext>
+            </a:extLst>
+          </p:cNvPr>
+          <p:cNvSpPr txBox="1"/>
+          <p:nvPr/>
+        </p:nvSpPr>
+        <p:spPr>
+          <a:xfrm>
+            <a:off x="1252812" y="799842"/>
+            <a:ext cx="9686375" cy="1077218"/>
+          </a:xfrm>
+          <a:prstGeom prst="rect">
+            <a:avLst/>
+          </a:prstGeom>
+          <a:noFill/>
+        </p:spPr>
+        <p:txBody>
+          <a:bodyPr wrap="square" rtlCol="0">
+            <a:spAutoFit/>
+          </a:bodyPr>
+          <a:lstStyle/>
+          <a:p>
+            <a:r>
+              <a:rPr lang="da-DK" sz="3200" dirty="0"/>
+              <a:t>Additional points on the map linked to timeseries</a:t>
+            </a:r>
+          </a:p>
+          <a:p>
+            <a:pPr marL="571500" indent="-571500">
+              <a:buFontTx/>
+              <a:buChar char="-"/>
+            </a:pPr>
+            <a:endParaRPr lang="en-US" sz="3200" dirty="0"/>
+          </a:p>
+        </p:txBody>
+      </p:sp>
+      <p:pic>
+        <p:nvPicPr>
+          <p:cNvPr id="4" name="Picture 3">
+            <a:extLst>
+              <a:ext uri="{FF2B5EF4-FFF2-40B4-BE49-F238E27FC236}">
+                <a16:creationId xmlns:a16="http://schemas.microsoft.com/office/drawing/2014/main" id="{DD02CC8C-FF17-E782-BFA7-92B2A9FD9DA9}"/>
               </a:ext>
             </a:extLst>
           </p:cNvPr>
@@ -5383,8 +7299,8 @@
         </p:blipFill>
         <p:spPr>
           <a:xfrm>
-            <a:off x="968552" y="2238922"/>
-            <a:ext cx="3562642" cy="4304453"/>
+            <a:off x="1330736" y="2420578"/>
+            <a:ext cx="3209804" cy="1749488"/>
           </a:xfrm>
           <a:prstGeom prst="rect">
             <a:avLst/>
@@ -5393,10 +7309,10 @@
       </p:pic>
       <p:pic>
         <p:nvPicPr>
-          <p:cNvPr id="9" name="Picture 8">
-            <a:extLst>
-              <a:ext uri="{FF2B5EF4-FFF2-40B4-BE49-F238E27FC236}">
-                <a16:creationId xmlns:a16="http://schemas.microsoft.com/office/drawing/2014/main" id="{197A3560-20FA-6D11-255A-6C00E6368A1B}"/>
+          <p:cNvPr id="6" name="Picture 5">
+            <a:extLst>
+              <a:ext uri="{FF2B5EF4-FFF2-40B4-BE49-F238E27FC236}">
+                <a16:creationId xmlns:a16="http://schemas.microsoft.com/office/drawing/2014/main" id="{E170619D-B897-12BC-7012-B2BB1A6AD9A6}"/>
               </a:ext>
             </a:extLst>
           </p:cNvPr>
@@ -5413,8 +7329,8 @@
         </p:blipFill>
         <p:spPr>
           <a:xfrm>
-            <a:off x="6692147" y="3220779"/>
-            <a:ext cx="3210373" cy="2191056"/>
+            <a:off x="5817994" y="2033556"/>
+            <a:ext cx="4864937" cy="3862240"/>
           </a:xfrm>
           <a:prstGeom prst="rect">
             <a:avLst/>
@@ -5424,7 +7340,7 @@
     </p:spTree>
     <p:extLst>
       <p:ext uri="{BB962C8B-B14F-4D97-AF65-F5344CB8AC3E}">
-        <p14:creationId xmlns:p14="http://schemas.microsoft.com/office/powerpoint/2010/main" val="4163529934"/>
+        <p14:creationId xmlns:p14="http://schemas.microsoft.com/office/powerpoint/2010/main" val="70596937"/>
       </p:ext>
     </p:extLst>
   </p:cSld>
@@ -5434,7 +7350,605 @@
 </p:sld>
 </file>
 
-<file path=ppt/slides/slide2.xml><?xml version="1.0" encoding="utf-8"?>
+<file path=ppt/slides/slide21.xml><?xml version="1.0" encoding="utf-8"?>
+<p:sld xmlns:a="http://schemas.openxmlformats.org/drawingml/2006/main" xmlns:r="http://schemas.openxmlformats.org/officeDocument/2006/relationships" xmlns:p="http://schemas.openxmlformats.org/presentationml/2006/main">
+  <p:cSld>
+    <p:spTree>
+      <p:nvGrpSpPr>
+        <p:cNvPr id="1" name=""/>
+        <p:cNvGrpSpPr/>
+        <p:nvPr/>
+      </p:nvGrpSpPr>
+      <p:grpSpPr>
+        <a:xfrm>
+          <a:off x="0" y="0"/>
+          <a:ext cx="0" cy="0"/>
+          <a:chOff x="0" y="0"/>
+          <a:chExt cx="0" cy="0"/>
+        </a:xfrm>
+      </p:grpSpPr>
+      <p:sp>
+        <p:nvSpPr>
+          <p:cNvPr id="2" name="TextBox 1">
+            <a:extLst>
+              <a:ext uri="{FF2B5EF4-FFF2-40B4-BE49-F238E27FC236}">
+                <a16:creationId xmlns:a16="http://schemas.microsoft.com/office/drawing/2014/main" id="{2F95C7AD-28A6-6FFA-F6A5-977AB6EDBB6E}"/>
+              </a:ext>
+            </a:extLst>
+          </p:cNvPr>
+          <p:cNvSpPr txBox="1"/>
+          <p:nvPr/>
+        </p:nvSpPr>
+        <p:spPr>
+          <a:xfrm>
+            <a:off x="1252812" y="799842"/>
+            <a:ext cx="9686375" cy="1077218"/>
+          </a:xfrm>
+          <a:prstGeom prst="rect">
+            <a:avLst/>
+          </a:prstGeom>
+          <a:noFill/>
+        </p:spPr>
+        <p:txBody>
+          <a:bodyPr wrap="square" rtlCol="0">
+            <a:spAutoFit/>
+          </a:bodyPr>
+          <a:lstStyle/>
+          <a:p>
+            <a:r>
+              <a:rPr lang="da-DK" sz="3200" dirty="0"/>
+              <a:t>Initialise the map to a more useful bounding box</a:t>
+            </a:r>
+          </a:p>
+          <a:p>
+            <a:pPr marL="571500" indent="-571500">
+              <a:buFontTx/>
+              <a:buChar char="-"/>
+            </a:pPr>
+            <a:endParaRPr lang="en-US" sz="3200" dirty="0"/>
+          </a:p>
+        </p:txBody>
+      </p:sp>
+      <p:pic>
+        <p:nvPicPr>
+          <p:cNvPr id="5" name="Picture 4">
+            <a:extLst>
+              <a:ext uri="{FF2B5EF4-FFF2-40B4-BE49-F238E27FC236}">
+                <a16:creationId xmlns:a16="http://schemas.microsoft.com/office/drawing/2014/main" id="{55AA11AD-9638-91BA-7099-BC7EF5859FED}"/>
+              </a:ext>
+            </a:extLst>
+          </p:cNvPr>
+          <p:cNvPicPr>
+            <a:picLocks noChangeAspect="1"/>
+          </p:cNvPicPr>
+          <p:nvPr/>
+        </p:nvPicPr>
+        <p:blipFill>
+          <a:blip r:embed="rId3"/>
+          <a:stretch>
+            <a:fillRect/>
+          </a:stretch>
+        </p:blipFill>
+        <p:spPr>
+          <a:xfrm>
+            <a:off x="351693" y="1999412"/>
+            <a:ext cx="7965020" cy="3748245"/>
+          </a:xfrm>
+          <a:prstGeom prst="rect">
+            <a:avLst/>
+          </a:prstGeom>
+        </p:spPr>
+      </p:pic>
+      <p:pic>
+        <p:nvPicPr>
+          <p:cNvPr id="8" name="Picture 7">
+            <a:extLst>
+              <a:ext uri="{FF2B5EF4-FFF2-40B4-BE49-F238E27FC236}">
+                <a16:creationId xmlns:a16="http://schemas.microsoft.com/office/drawing/2014/main" id="{23EDE8AA-7E84-B5EE-9CA9-6913C4E34119}"/>
+              </a:ext>
+            </a:extLst>
+          </p:cNvPr>
+          <p:cNvPicPr>
+            <a:picLocks noChangeAspect="1"/>
+          </p:cNvPicPr>
+          <p:nvPr/>
+        </p:nvPicPr>
+        <p:blipFill>
+          <a:blip r:embed="rId4"/>
+          <a:stretch>
+            <a:fillRect/>
+          </a:stretch>
+        </p:blipFill>
+        <p:spPr>
+          <a:xfrm>
+            <a:off x="8453975" y="2671722"/>
+            <a:ext cx="3543795" cy="1333686"/>
+          </a:xfrm>
+          <a:prstGeom prst="rect">
+            <a:avLst/>
+          </a:prstGeom>
+        </p:spPr>
+      </p:pic>
+    </p:spTree>
+    <p:extLst>
+      <p:ext uri="{BB962C8B-B14F-4D97-AF65-F5344CB8AC3E}">
+        <p14:creationId xmlns:p14="http://schemas.microsoft.com/office/powerpoint/2010/main" val="4079300116"/>
+      </p:ext>
+    </p:extLst>
+  </p:cSld>
+  <p:clrMapOvr>
+    <a:masterClrMapping/>
+  </p:clrMapOvr>
+</p:sld>
+</file>
+
+<file path=ppt/slides/slide22.xml><?xml version="1.0" encoding="utf-8"?>
+<p:sld xmlns:a="http://schemas.openxmlformats.org/drawingml/2006/main" xmlns:r="http://schemas.openxmlformats.org/officeDocument/2006/relationships" xmlns:p="http://schemas.openxmlformats.org/presentationml/2006/main">
+  <p:cSld>
+    <p:spTree>
+      <p:nvGrpSpPr>
+        <p:cNvPr id="1" name=""/>
+        <p:cNvGrpSpPr/>
+        <p:nvPr/>
+      </p:nvGrpSpPr>
+      <p:grpSpPr>
+        <a:xfrm>
+          <a:off x="0" y="0"/>
+          <a:ext cx="0" cy="0"/>
+          <a:chOff x="0" y="0"/>
+          <a:chExt cx="0" cy="0"/>
+        </a:xfrm>
+      </p:grpSpPr>
+      <p:sp>
+        <p:nvSpPr>
+          <p:cNvPr id="2" name="TextBox 1">
+            <a:extLst>
+              <a:ext uri="{FF2B5EF4-FFF2-40B4-BE49-F238E27FC236}">
+                <a16:creationId xmlns:a16="http://schemas.microsoft.com/office/drawing/2014/main" id="{2F95C7AD-28A6-6FFA-F6A5-977AB6EDBB6E}"/>
+              </a:ext>
+            </a:extLst>
+          </p:cNvPr>
+          <p:cNvSpPr txBox="1"/>
+          <p:nvPr/>
+        </p:nvSpPr>
+        <p:spPr>
+          <a:xfrm>
+            <a:off x="1627834" y="425726"/>
+            <a:ext cx="9686375" cy="1569660"/>
+          </a:xfrm>
+          <a:prstGeom prst="rect">
+            <a:avLst/>
+          </a:prstGeom>
+          <a:noFill/>
+        </p:spPr>
+        <p:txBody>
+          <a:bodyPr wrap="square" rtlCol="0">
+            <a:spAutoFit/>
+          </a:bodyPr>
+          <a:lstStyle/>
+          <a:p>
+            <a:r>
+              <a:rPr lang="da-DK" sz="3200" dirty="0"/>
+              <a:t>Change the side bar into a bottom bar where the timeseries chart has more room</a:t>
+            </a:r>
+          </a:p>
+          <a:p>
+            <a:pPr marL="571500" indent="-571500">
+              <a:buFontTx/>
+              <a:buChar char="-"/>
+            </a:pPr>
+            <a:endParaRPr lang="en-US" sz="3200" dirty="0"/>
+          </a:p>
+        </p:txBody>
+      </p:sp>
+      <p:pic>
+        <p:nvPicPr>
+          <p:cNvPr id="5" name="Picture 4">
+            <a:extLst>
+              <a:ext uri="{FF2B5EF4-FFF2-40B4-BE49-F238E27FC236}">
+                <a16:creationId xmlns:a16="http://schemas.microsoft.com/office/drawing/2014/main" id="{55AA11AD-9638-91BA-7099-BC7EF5859FED}"/>
+              </a:ext>
+            </a:extLst>
+          </p:cNvPr>
+          <p:cNvPicPr>
+            <a:picLocks noChangeAspect="1"/>
+          </p:cNvPicPr>
+          <p:nvPr/>
+        </p:nvPicPr>
+        <p:blipFill>
+          <a:blip r:embed="rId3"/>
+          <a:stretch>
+            <a:fillRect/>
+          </a:stretch>
+        </p:blipFill>
+        <p:spPr>
+          <a:xfrm>
+            <a:off x="271281" y="1643694"/>
+            <a:ext cx="8624835" cy="4058746"/>
+          </a:xfrm>
+          <a:prstGeom prst="rect">
+            <a:avLst/>
+          </a:prstGeom>
+        </p:spPr>
+      </p:pic>
+      <p:cxnSp>
+        <p:nvCxnSpPr>
+          <p:cNvPr id="4" name="Straight Arrow Connector 3">
+            <a:extLst>
+              <a:ext uri="{FF2B5EF4-FFF2-40B4-BE49-F238E27FC236}">
+                <a16:creationId xmlns:a16="http://schemas.microsoft.com/office/drawing/2014/main" id="{386F058C-D585-2E60-5AA6-F91A25173889}"/>
+              </a:ext>
+            </a:extLst>
+          </p:cNvPr>
+          <p:cNvCxnSpPr>
+            <a:cxnSpLocks/>
+          </p:cNvCxnSpPr>
+          <p:nvPr/>
+        </p:nvCxnSpPr>
+        <p:spPr>
+          <a:xfrm flipH="1">
+            <a:off x="4019317" y="3000431"/>
+            <a:ext cx="3356149" cy="1969477"/>
+          </a:xfrm>
+          <a:prstGeom prst="straightConnector1">
+            <a:avLst/>
+          </a:prstGeom>
+          <a:ln w="82550">
+            <a:tailEnd type="triangle"/>
+          </a:ln>
+        </p:spPr>
+        <p:style>
+          <a:lnRef idx="1">
+            <a:schemeClr val="accent1"/>
+          </a:lnRef>
+          <a:fillRef idx="0">
+            <a:schemeClr val="accent1"/>
+          </a:fillRef>
+          <a:effectRef idx="0">
+            <a:schemeClr val="accent1"/>
+          </a:effectRef>
+          <a:fontRef idx="minor">
+            <a:schemeClr val="tx1"/>
+          </a:fontRef>
+        </p:style>
+      </p:cxnSp>
+      <p:pic>
+        <p:nvPicPr>
+          <p:cNvPr id="8" name="Picture 7">
+            <a:extLst>
+              <a:ext uri="{FF2B5EF4-FFF2-40B4-BE49-F238E27FC236}">
+                <a16:creationId xmlns:a16="http://schemas.microsoft.com/office/drawing/2014/main" id="{CC24AAE6-8802-41D0-E956-B7EB6A046244}"/>
+              </a:ext>
+            </a:extLst>
+          </p:cNvPr>
+          <p:cNvPicPr>
+            <a:picLocks noChangeAspect="1"/>
+          </p:cNvPicPr>
+          <p:nvPr/>
+        </p:nvPicPr>
+        <p:blipFill>
+          <a:blip r:embed="rId4"/>
+          <a:stretch>
+            <a:fillRect/>
+          </a:stretch>
+        </p:blipFill>
+        <p:spPr>
+          <a:xfrm>
+            <a:off x="9214340" y="1854709"/>
+            <a:ext cx="2867154" cy="4770188"/>
+          </a:xfrm>
+          <a:prstGeom prst="rect">
+            <a:avLst/>
+          </a:prstGeom>
+        </p:spPr>
+      </p:pic>
+    </p:spTree>
+    <p:extLst>
+      <p:ext uri="{BB962C8B-B14F-4D97-AF65-F5344CB8AC3E}">
+        <p14:creationId xmlns:p14="http://schemas.microsoft.com/office/powerpoint/2010/main" val="714597286"/>
+      </p:ext>
+    </p:extLst>
+  </p:cSld>
+  <p:clrMapOvr>
+    <a:masterClrMapping/>
+  </p:clrMapOvr>
+</p:sld>
+</file>
+
+<file path=ppt/slides/slide23.xml><?xml version="1.0" encoding="utf-8"?>
+<p:sld xmlns:a="http://schemas.openxmlformats.org/drawingml/2006/main" xmlns:r="http://schemas.openxmlformats.org/officeDocument/2006/relationships" xmlns:p="http://schemas.openxmlformats.org/presentationml/2006/main">
+  <p:cSld>
+    <p:spTree>
+      <p:nvGrpSpPr>
+        <p:cNvPr id="1" name=""/>
+        <p:cNvGrpSpPr/>
+        <p:nvPr/>
+      </p:nvGrpSpPr>
+      <p:grpSpPr>
+        <a:xfrm>
+          <a:off x="0" y="0"/>
+          <a:ext cx="0" cy="0"/>
+          <a:chOff x="0" y="0"/>
+          <a:chExt cx="0" cy="0"/>
+        </a:xfrm>
+      </p:grpSpPr>
+      <p:sp>
+        <p:nvSpPr>
+          <p:cNvPr id="2" name="TextBox 1">
+            <a:extLst>
+              <a:ext uri="{FF2B5EF4-FFF2-40B4-BE49-F238E27FC236}">
+                <a16:creationId xmlns:a16="http://schemas.microsoft.com/office/drawing/2014/main" id="{2F95C7AD-28A6-6FFA-F6A5-977AB6EDBB6E}"/>
+              </a:ext>
+            </a:extLst>
+          </p:cNvPr>
+          <p:cNvSpPr txBox="1"/>
+          <p:nvPr/>
+        </p:nvSpPr>
+        <p:spPr>
+          <a:xfrm>
+            <a:off x="1627834" y="425726"/>
+            <a:ext cx="9686375" cy="1569660"/>
+          </a:xfrm>
+          <a:prstGeom prst="rect">
+            <a:avLst/>
+          </a:prstGeom>
+          <a:noFill/>
+        </p:spPr>
+        <p:txBody>
+          <a:bodyPr wrap="square" rtlCol="0">
+            <a:spAutoFit/>
+          </a:bodyPr>
+          <a:lstStyle/>
+          <a:p>
+            <a:r>
+              <a:rPr lang="da-DK" sz="3200" dirty="0"/>
+              <a:t>Add a ‘clear selected point’ or ‘X’ button to clear the selected point app state</a:t>
+            </a:r>
+          </a:p>
+          <a:p>
+            <a:pPr marL="571500" indent="-571500">
+              <a:buFontTx/>
+              <a:buChar char="-"/>
+            </a:pPr>
+            <a:endParaRPr lang="en-US" sz="3200" dirty="0"/>
+          </a:p>
+        </p:txBody>
+      </p:sp>
+      <p:pic>
+        <p:nvPicPr>
+          <p:cNvPr id="6" name="Picture 5">
+            <a:extLst>
+              <a:ext uri="{FF2B5EF4-FFF2-40B4-BE49-F238E27FC236}">
+                <a16:creationId xmlns:a16="http://schemas.microsoft.com/office/drawing/2014/main" id="{2F50840C-6575-849F-7A80-86BE40BE402E}"/>
+              </a:ext>
+            </a:extLst>
+          </p:cNvPr>
+          <p:cNvPicPr>
+            <a:picLocks noChangeAspect="1"/>
+          </p:cNvPicPr>
+          <p:nvPr/>
+        </p:nvPicPr>
+        <p:blipFill>
+          <a:blip r:embed="rId3"/>
+          <a:stretch>
+            <a:fillRect/>
+          </a:stretch>
+        </p:blipFill>
+        <p:spPr>
+          <a:xfrm>
+            <a:off x="3761950" y="1995386"/>
+            <a:ext cx="4350431" cy="3824722"/>
+          </a:xfrm>
+          <a:prstGeom prst="rect">
+            <a:avLst/>
+          </a:prstGeom>
+        </p:spPr>
+      </p:pic>
+    </p:spTree>
+    <p:extLst>
+      <p:ext uri="{BB962C8B-B14F-4D97-AF65-F5344CB8AC3E}">
+        <p14:creationId xmlns:p14="http://schemas.microsoft.com/office/powerpoint/2010/main" val="887829781"/>
+      </p:ext>
+    </p:extLst>
+  </p:cSld>
+  <p:clrMapOvr>
+    <a:masterClrMapping/>
+  </p:clrMapOvr>
+</p:sld>
+</file>
+
+<file path=ppt/slides/slide24.xml><?xml version="1.0" encoding="utf-8"?>
+<p:sld xmlns:a="http://schemas.openxmlformats.org/drawingml/2006/main" xmlns:r="http://schemas.openxmlformats.org/officeDocument/2006/relationships" xmlns:p="http://schemas.openxmlformats.org/presentationml/2006/main">
+  <p:cSld>
+    <p:spTree>
+      <p:nvGrpSpPr>
+        <p:cNvPr id="1" name=""/>
+        <p:cNvGrpSpPr/>
+        <p:nvPr/>
+      </p:nvGrpSpPr>
+      <p:grpSpPr>
+        <a:xfrm>
+          <a:off x="0" y="0"/>
+          <a:ext cx="0" cy="0"/>
+          <a:chOff x="0" y="0"/>
+          <a:chExt cx="0" cy="0"/>
+        </a:xfrm>
+      </p:grpSpPr>
+      <p:sp>
+        <p:nvSpPr>
+          <p:cNvPr id="3" name="TextBox 2">
+            <a:extLst>
+              <a:ext uri="{FF2B5EF4-FFF2-40B4-BE49-F238E27FC236}">
+                <a16:creationId xmlns:a16="http://schemas.microsoft.com/office/drawing/2014/main" id="{8A6B04B9-363F-8C76-2553-39888AB752B4}"/>
+              </a:ext>
+            </a:extLst>
+          </p:cNvPr>
+          <p:cNvSpPr txBox="1"/>
+          <p:nvPr/>
+        </p:nvSpPr>
+        <p:spPr>
+          <a:xfrm>
+            <a:off x="4990985" y="3044279"/>
+            <a:ext cx="2210029" cy="769441"/>
+          </a:xfrm>
+          <a:prstGeom prst="rect">
+            <a:avLst/>
+          </a:prstGeom>
+          <a:noFill/>
+        </p:spPr>
+        <p:txBody>
+          <a:bodyPr wrap="none" rtlCol="0">
+            <a:spAutoFit/>
+          </a:bodyPr>
+          <a:lstStyle/>
+          <a:p>
+            <a:r>
+              <a:rPr lang="en-US" sz="4400"/>
+              <a:t>Wrap Up</a:t>
+            </a:r>
+          </a:p>
+        </p:txBody>
+      </p:sp>
+    </p:spTree>
+    <p:extLst>
+      <p:ext uri="{BB962C8B-B14F-4D97-AF65-F5344CB8AC3E}">
+        <p14:creationId xmlns:p14="http://schemas.microsoft.com/office/powerpoint/2010/main" val="2805933387"/>
+      </p:ext>
+    </p:extLst>
+  </p:cSld>
+  <p:clrMapOvr>
+    <a:masterClrMapping/>
+  </p:clrMapOvr>
+</p:sld>
+</file>
+
+<file path=ppt/slides/slide25.xml><?xml version="1.0" encoding="utf-8"?>
+<p:sld xmlns:a="http://schemas.openxmlformats.org/drawingml/2006/main" xmlns:r="http://schemas.openxmlformats.org/officeDocument/2006/relationships" xmlns:p="http://schemas.openxmlformats.org/presentationml/2006/main">
+  <p:cSld>
+    <p:spTree>
+      <p:nvGrpSpPr>
+        <p:cNvPr id="1" name=""/>
+        <p:cNvGrpSpPr/>
+        <p:nvPr/>
+      </p:nvGrpSpPr>
+      <p:grpSpPr>
+        <a:xfrm>
+          <a:off x="0" y="0"/>
+          <a:ext cx="0" cy="0"/>
+          <a:chOff x="0" y="0"/>
+          <a:chExt cx="0" cy="0"/>
+        </a:xfrm>
+      </p:grpSpPr>
+      <p:pic>
+        <p:nvPicPr>
+          <p:cNvPr id="2" name="Picture 1">
+            <a:extLst>
+              <a:ext uri="{FF2B5EF4-FFF2-40B4-BE49-F238E27FC236}">
+                <a16:creationId xmlns:a16="http://schemas.microsoft.com/office/drawing/2014/main" id="{3576221B-5445-C99C-807A-E57066650809}"/>
+              </a:ext>
+            </a:extLst>
+          </p:cNvPr>
+          <p:cNvPicPr>
+            <a:picLocks noChangeAspect="1"/>
+          </p:cNvPicPr>
+          <p:nvPr/>
+        </p:nvPicPr>
+        <p:blipFill>
+          <a:blip r:embed="rId3"/>
+          <a:stretch>
+            <a:fillRect/>
+          </a:stretch>
+        </p:blipFill>
+        <p:spPr>
+          <a:xfrm>
+            <a:off x="2905648" y="1305857"/>
+            <a:ext cx="6380704" cy="4246286"/>
+          </a:xfrm>
+          <a:prstGeom prst="rect">
+            <a:avLst/>
+          </a:prstGeom>
+        </p:spPr>
+      </p:pic>
+    </p:spTree>
+    <p:extLst>
+      <p:ext uri="{BB962C8B-B14F-4D97-AF65-F5344CB8AC3E}">
+        <p14:creationId xmlns:p14="http://schemas.microsoft.com/office/powerpoint/2010/main" val="2185139754"/>
+      </p:ext>
+    </p:extLst>
+  </p:cSld>
+  <p:clrMapOvr>
+    <a:masterClrMapping/>
+  </p:clrMapOvr>
+</p:sld>
+</file>
+
+<file path=ppt/slides/slide3.xml><?xml version="1.0" encoding="utf-8"?>
+<p:sld xmlns:a="http://schemas.openxmlformats.org/drawingml/2006/main" xmlns:r="http://schemas.openxmlformats.org/officeDocument/2006/relationships" xmlns:p="http://schemas.openxmlformats.org/presentationml/2006/main">
+  <p:cSld>
+    <p:spTree>
+      <p:nvGrpSpPr>
+        <p:cNvPr id="1" name=""/>
+        <p:cNvGrpSpPr/>
+        <p:nvPr/>
+      </p:nvGrpSpPr>
+      <p:grpSpPr>
+        <a:xfrm>
+          <a:off x="0" y="0"/>
+          <a:ext cx="0" cy="0"/>
+          <a:chOff x="0" y="0"/>
+          <a:chExt cx="0" cy="0"/>
+        </a:xfrm>
+      </p:grpSpPr>
+      <p:sp>
+        <p:nvSpPr>
+          <p:cNvPr id="2" name="TextBox 1">
+            <a:extLst>
+              <a:ext uri="{FF2B5EF4-FFF2-40B4-BE49-F238E27FC236}">
+                <a16:creationId xmlns:a16="http://schemas.microsoft.com/office/drawing/2014/main" id="{2F95C7AD-28A6-6FFA-F6A5-977AB6EDBB6E}"/>
+              </a:ext>
+            </a:extLst>
+          </p:cNvPr>
+          <p:cNvSpPr txBox="1"/>
+          <p:nvPr/>
+        </p:nvSpPr>
+        <p:spPr>
+          <a:xfrm>
+            <a:off x="3492242" y="3044279"/>
+            <a:ext cx="4146841" cy="769441"/>
+          </a:xfrm>
+          <a:prstGeom prst="rect">
+            <a:avLst/>
+          </a:prstGeom>
+          <a:noFill/>
+        </p:spPr>
+        <p:txBody>
+          <a:bodyPr wrap="none" rtlCol="0">
+            <a:spAutoFit/>
+          </a:bodyPr>
+          <a:lstStyle/>
+          <a:p>
+            <a:r>
+              <a:rPr lang="da-DK" sz="4400" dirty="0"/>
+              <a:t>Aims and context</a:t>
+            </a:r>
+            <a:endParaRPr lang="en-US" sz="4400" dirty="0"/>
+          </a:p>
+        </p:txBody>
+      </p:sp>
+    </p:spTree>
+    <p:extLst>
+      <p:ext uri="{BB962C8B-B14F-4D97-AF65-F5344CB8AC3E}">
+        <p14:creationId xmlns:p14="http://schemas.microsoft.com/office/powerpoint/2010/main" val="3365791006"/>
+      </p:ext>
+    </p:extLst>
+  </p:cSld>
+  <p:clrMapOvr>
+    <a:masterClrMapping/>
+  </p:clrMapOvr>
+</p:sld>
+</file>
+
+<file path=ppt/slides/slide4.xml><?xml version="1.0" encoding="utf-8"?>
 <p:sld xmlns:a="http://schemas.openxmlformats.org/drawingml/2006/main" xmlns:r="http://schemas.openxmlformats.org/officeDocument/2006/relationships" xmlns:p="http://schemas.openxmlformats.org/presentationml/2006/main">
   <p:cSld>
     <p:spTree>
@@ -7385,128 +9899,7 @@
 </p:sld>
 </file>
 
-<file path=ppt/slides/slide3.xml><?xml version="1.0" encoding="utf-8"?>
-<p:sld xmlns:a="http://schemas.openxmlformats.org/drawingml/2006/main" xmlns:r="http://schemas.openxmlformats.org/officeDocument/2006/relationships" xmlns:p="http://schemas.openxmlformats.org/presentationml/2006/main">
-  <p:cSld>
-    <p:spTree>
-      <p:nvGrpSpPr>
-        <p:cNvPr id="1" name=""/>
-        <p:cNvGrpSpPr/>
-        <p:nvPr/>
-      </p:nvGrpSpPr>
-      <p:grpSpPr>
-        <a:xfrm>
-          <a:off x="0" y="0"/>
-          <a:ext cx="0" cy="0"/>
-          <a:chOff x="0" y="0"/>
-          <a:chExt cx="0" cy="0"/>
-        </a:xfrm>
-      </p:grpSpPr>
-      <p:sp>
-        <p:nvSpPr>
-          <p:cNvPr id="3" name="Content Placeholder 2">
-            <a:extLst>
-              <a:ext uri="{FF2B5EF4-FFF2-40B4-BE49-F238E27FC236}">
-                <a16:creationId xmlns:a16="http://schemas.microsoft.com/office/drawing/2014/main" id="{1BF2A43D-DF10-14A8-A20C-5FB897A3D7EC}"/>
-              </a:ext>
-            </a:extLst>
-          </p:cNvPr>
-          <p:cNvSpPr>
-            <a:spLocks noGrp="1"/>
-          </p:cNvSpPr>
-          <p:nvPr>
-            <p:ph idx="1"/>
-          </p:nvPr>
-        </p:nvSpPr>
-        <p:spPr>
-          <a:xfrm>
-            <a:off x="3614940" y="2601156"/>
-            <a:ext cx="6512040" cy="3254375"/>
-          </a:xfrm>
-        </p:spPr>
-        <p:txBody>
-          <a:bodyPr>
-            <a:normAutofit/>
-          </a:bodyPr>
-          <a:lstStyle/>
-          <a:p>
-            <a:r>
-              <a:rPr lang="en-US" sz="3600" dirty="0"/>
-              <a:t>…</a:t>
-            </a:r>
-          </a:p>
-        </p:txBody>
-      </p:sp>
-      <p:pic>
-        <p:nvPicPr>
-          <p:cNvPr id="4100" name="Picture 4" descr="Agenda - letters written in beautiful boxes on white background Stock  Illustration | Adobe Stock">
-            <a:extLst>
-              <a:ext uri="{FF2B5EF4-FFF2-40B4-BE49-F238E27FC236}">
-                <a16:creationId xmlns:a16="http://schemas.microsoft.com/office/drawing/2014/main" id="{2A21C2AB-5AB7-7BD8-FDED-86C41E95CC81}"/>
-              </a:ext>
-            </a:extLst>
-          </p:cNvPr>
-          <p:cNvPicPr>
-            <a:picLocks noChangeAspect="1" noChangeArrowheads="1"/>
-          </p:cNvPicPr>
-          <p:nvPr/>
-        </p:nvPicPr>
-        <p:blipFill>
-          <a:blip r:embed="rId3">
-            <a:extLst>
-              <a:ext uri="{BEBA8EAE-BF5A-486C-A8C5-ECC9F3942E4B}">
-                <a14:imgProps xmlns:a14="http://schemas.microsoft.com/office/drawing/2010/main">
-                  <a14:imgLayer r:embed="rId4">
-                    <a14:imgEffect>
-                      <a14:saturation sat="33000"/>
-                    </a14:imgEffect>
-                  </a14:imgLayer>
-                </a14:imgProps>
-              </a:ext>
-              <a:ext uri="{28A0092B-C50C-407E-A947-70E740481C1C}">
-                <a14:useLocalDpi xmlns:a14="http://schemas.microsoft.com/office/drawing/2010/main" val="0"/>
-              </a:ext>
-            </a:extLst>
-          </a:blip>
-          <a:srcRect/>
-          <a:stretch>
-            <a:fillRect/>
-          </a:stretch>
-        </p:blipFill>
-        <p:spPr bwMode="auto">
-          <a:xfrm>
-            <a:off x="3130197" y="440267"/>
-            <a:ext cx="5246158" cy="2160889"/>
-          </a:xfrm>
-          <a:prstGeom prst="rect">
-            <a:avLst/>
-          </a:prstGeom>
-          <a:noFill/>
-          <a:extLst>
-            <a:ext uri="{909E8E84-426E-40DD-AFC4-6F175D3DCCD1}">
-              <a14:hiddenFill xmlns:a14="http://schemas.microsoft.com/office/drawing/2010/main">
-                <a:solidFill>
-                  <a:srgbClr val="FFFFFF"/>
-                </a:solidFill>
-              </a14:hiddenFill>
-            </a:ext>
-          </a:extLst>
-        </p:spPr>
-      </p:pic>
-    </p:spTree>
-    <p:extLst>
-      <p:ext uri="{BB962C8B-B14F-4D97-AF65-F5344CB8AC3E}">
-        <p14:creationId xmlns:p14="http://schemas.microsoft.com/office/powerpoint/2010/main" val="1456164604"/>
-      </p:ext>
-    </p:extLst>
-  </p:cSld>
-  <p:clrMapOvr>
-    <a:masterClrMapping/>
-  </p:clrMapOvr>
-</p:sld>
-</file>
-
-<file path=ppt/slides/slide4.xml><?xml version="1.0" encoding="utf-8"?>
+<file path=ppt/slides/slide5.xml><?xml version="1.0" encoding="utf-8"?>
 <p:sld xmlns:a="http://schemas.openxmlformats.org/drawingml/2006/main" xmlns:r="http://schemas.openxmlformats.org/officeDocument/2006/relationships" xmlns:p="http://schemas.openxmlformats.org/presentationml/2006/main">
   <p:cSld>
     <p:spTree>
@@ -7525,104 +9918,55 @@
       </p:grpSpPr>
       <p:pic>
         <p:nvPicPr>
-          <p:cNvPr id="2" name="Picture 1">
-            <a:extLst>
-              <a:ext uri="{FF2B5EF4-FFF2-40B4-BE49-F238E27FC236}">
-                <a16:creationId xmlns:a16="http://schemas.microsoft.com/office/drawing/2014/main" id="{3576221B-5445-C99C-807A-E57066650809}"/>
+          <p:cNvPr id="3074" name="Picture 2" descr="Amazon.com: Top Poll : Alexa Skills">
+            <a:extLst>
+              <a:ext uri="{FF2B5EF4-FFF2-40B4-BE49-F238E27FC236}">
+                <a16:creationId xmlns:a16="http://schemas.microsoft.com/office/drawing/2014/main" id="{1AFC5558-4DD4-98B7-8252-39A01CBBA39A}"/>
               </a:ext>
             </a:extLst>
           </p:cNvPr>
           <p:cNvPicPr>
-            <a:picLocks noChangeAspect="1"/>
+            <a:picLocks noChangeAspect="1" noChangeArrowheads="1"/>
           </p:cNvPicPr>
           <p:nvPr/>
         </p:nvPicPr>
         <p:blipFill>
-          <a:blip r:embed="rId3"/>
+          <a:blip r:embed="rId3">
+            <a:extLst>
+              <a:ext uri="{28A0092B-C50C-407E-A947-70E740481C1C}">
+                <a14:useLocalDpi xmlns:a14="http://schemas.microsoft.com/office/drawing/2010/main" val="0"/>
+              </a:ext>
+            </a:extLst>
+          </a:blip>
+          <a:srcRect/>
           <a:stretch>
             <a:fillRect/>
           </a:stretch>
         </p:blipFill>
-        <p:spPr>
+        <p:spPr bwMode="auto">
           <a:xfrm>
-            <a:off x="2905648" y="1305857"/>
-            <a:ext cx="6380704" cy="4246286"/>
+            <a:off x="4659262" y="1992262"/>
+            <a:ext cx="2873476" cy="2873476"/>
           </a:xfrm>
           <a:prstGeom prst="rect">
             <a:avLst/>
           </a:prstGeom>
+          <a:noFill/>
+          <a:extLst>
+            <a:ext uri="{909E8E84-426E-40DD-AFC4-6F175D3DCCD1}">
+              <a14:hiddenFill xmlns:a14="http://schemas.microsoft.com/office/drawing/2010/main">
+                <a:solidFill>
+                  <a:srgbClr val="FFFFFF"/>
+                </a:solidFill>
+              </a14:hiddenFill>
+            </a:ext>
+          </a:extLst>
         </p:spPr>
       </p:pic>
     </p:spTree>
     <p:extLst>
       <p:ext uri="{BB962C8B-B14F-4D97-AF65-F5344CB8AC3E}">
-        <p14:creationId xmlns:p14="http://schemas.microsoft.com/office/powerpoint/2010/main" val="2185139754"/>
-      </p:ext>
-    </p:extLst>
-  </p:cSld>
-  <p:clrMapOvr>
-    <a:masterClrMapping/>
-  </p:clrMapOvr>
-</p:sld>
-</file>
-
-<file path=ppt/slides/slide5.xml><?xml version="1.0" encoding="utf-8"?>
-<p:sld xmlns:a="http://schemas.openxmlformats.org/drawingml/2006/main" xmlns:r="http://schemas.openxmlformats.org/officeDocument/2006/relationships" xmlns:p="http://schemas.openxmlformats.org/presentationml/2006/main">
-  <p:cSld>
-    <p:spTree>
-      <p:nvGrpSpPr>
-        <p:cNvPr id="1" name=""/>
-        <p:cNvGrpSpPr/>
-        <p:nvPr/>
-      </p:nvGrpSpPr>
-      <p:grpSpPr>
-        <a:xfrm>
-          <a:off x="0" y="0"/>
-          <a:ext cx="0" cy="0"/>
-          <a:chOff x="0" y="0"/>
-          <a:chExt cx="0" cy="0"/>
-        </a:xfrm>
-      </p:grpSpPr>
-      <p:sp>
-        <p:nvSpPr>
-          <p:cNvPr id="2" name="TextBox 1">
-            <a:extLst>
-              <a:ext uri="{FF2B5EF4-FFF2-40B4-BE49-F238E27FC236}">
-                <a16:creationId xmlns:a16="http://schemas.microsoft.com/office/drawing/2014/main" id="{2F95C7AD-28A6-6FFA-F6A5-977AB6EDBB6E}"/>
-              </a:ext>
-            </a:extLst>
-          </p:cNvPr>
-          <p:cNvSpPr txBox="1"/>
-          <p:nvPr/>
-        </p:nvSpPr>
-        <p:spPr>
-          <a:xfrm>
-            <a:off x="3492242" y="3044279"/>
-            <a:ext cx="5920019" cy="769441"/>
-          </a:xfrm>
-          <a:prstGeom prst="rect">
-            <a:avLst/>
-          </a:prstGeom>
-          <a:noFill/>
-        </p:spPr>
-        <p:txBody>
-          <a:bodyPr wrap="none" rtlCol="0">
-            <a:spAutoFit/>
-          </a:bodyPr>
-          <a:lstStyle/>
-          <a:p>
-            <a:r>
-              <a:rPr lang="da-DK" sz="4400" dirty="0"/>
-              <a:t>Developing the front end</a:t>
-            </a:r>
-            <a:endParaRPr lang="en-US" sz="4400" dirty="0"/>
-          </a:p>
-        </p:txBody>
-      </p:sp>
-    </p:spTree>
-    <p:extLst>
-      <p:ext uri="{BB962C8B-B14F-4D97-AF65-F5344CB8AC3E}">
-        <p14:creationId xmlns:p14="http://schemas.microsoft.com/office/powerpoint/2010/main" val="3365791006"/>
+        <p14:creationId xmlns:p14="http://schemas.microsoft.com/office/powerpoint/2010/main" val="1224307581"/>
       </p:ext>
     </p:extLst>
   </p:cSld>
@@ -7663,8 +10007,8 @@
         </p:nvSpPr>
         <p:spPr>
           <a:xfrm>
-            <a:off x="3397416" y="863265"/>
-            <a:ext cx="3631700" cy="769441"/>
+            <a:off x="1901567" y="3044279"/>
+            <a:ext cx="8901411" cy="769441"/>
           </a:xfrm>
           <a:prstGeom prst="rect">
             <a:avLst/>
@@ -7679,57 +10023,16 @@
           <a:p>
             <a:r>
               <a:rPr lang="da-DK" sz="4400" dirty="0"/>
-              <a:t>Init a react app</a:t>
+              <a:t>Introduction to DHI react components</a:t>
             </a:r>
             <a:endParaRPr lang="en-US" sz="4400" dirty="0"/>
-          </a:p>
-        </p:txBody>
-      </p:sp>
-      <p:sp>
-        <p:nvSpPr>
-          <p:cNvPr id="4" name="TextBox 3">
-            <a:extLst>
-              <a:ext uri="{FF2B5EF4-FFF2-40B4-BE49-F238E27FC236}">
-                <a16:creationId xmlns:a16="http://schemas.microsoft.com/office/drawing/2014/main" id="{BC884E33-4A6B-CA67-82CC-620D9C4953AD}"/>
-              </a:ext>
-            </a:extLst>
-          </p:cNvPr>
-          <p:cNvSpPr txBox="1"/>
-          <p:nvPr/>
-        </p:nvSpPr>
-        <p:spPr>
-          <a:xfrm>
-            <a:off x="1219200" y="3075093"/>
-            <a:ext cx="5257721" cy="369332"/>
-          </a:xfrm>
-          <a:prstGeom prst="rect">
-            <a:avLst/>
-          </a:prstGeom>
-          <a:noFill/>
-        </p:spPr>
-        <p:txBody>
-          <a:bodyPr wrap="none" rtlCol="0">
-            <a:spAutoFit/>
-          </a:bodyPr>
-          <a:lstStyle/>
-          <a:p>
-            <a:r>
-              <a:rPr lang="en-US" dirty="0">
-                <a:hlinkClick r:id="rId2"/>
-              </a:rPr>
-              <a:t>https://create-react-app.dev/docs/adding-typescript/</a:t>
-            </a:r>
-            <a:r>
-              <a:rPr lang="en-US" dirty="0"/>
-              <a:t> </a:t>
-            </a:r>
           </a:p>
         </p:txBody>
       </p:sp>
     </p:spTree>
     <p:extLst>
       <p:ext uri="{BB962C8B-B14F-4D97-AF65-F5344CB8AC3E}">
-        <p14:creationId xmlns:p14="http://schemas.microsoft.com/office/powerpoint/2010/main" val="2165732782"/>
+        <p14:creationId xmlns:p14="http://schemas.microsoft.com/office/powerpoint/2010/main" val="3958021336"/>
       </p:ext>
     </p:extLst>
   </p:cSld>
@@ -7756,90 +10059,12 @@
           <a:chExt cx="0" cy="0"/>
         </a:xfrm>
       </p:grpSpPr>
-      <p:sp>
-        <p:nvSpPr>
-          <p:cNvPr id="2" name="TextBox 1">
-            <a:extLst>
-              <a:ext uri="{FF2B5EF4-FFF2-40B4-BE49-F238E27FC236}">
-                <a16:creationId xmlns:a16="http://schemas.microsoft.com/office/drawing/2014/main" id="{2F95C7AD-28A6-6FFA-F6A5-977AB6EDBB6E}"/>
-              </a:ext>
-            </a:extLst>
-          </p:cNvPr>
-          <p:cNvSpPr txBox="1"/>
-          <p:nvPr/>
-        </p:nvSpPr>
-        <p:spPr>
-          <a:xfrm>
-            <a:off x="3397415" y="314625"/>
-            <a:ext cx="4707058" cy="769441"/>
-          </a:xfrm>
-          <a:prstGeom prst="rect">
-            <a:avLst/>
-          </a:prstGeom>
-          <a:noFill/>
-        </p:spPr>
-        <p:txBody>
-          <a:bodyPr wrap="none" rtlCol="0">
-            <a:spAutoFit/>
-          </a:bodyPr>
-          <a:lstStyle/>
-          <a:p>
-            <a:r>
-              <a:rPr lang="da-DK" sz="4400" dirty="0"/>
-              <a:t>Test the empty app</a:t>
-            </a:r>
-            <a:endParaRPr lang="en-US" sz="4400" dirty="0"/>
-          </a:p>
-        </p:txBody>
-      </p:sp>
-      <p:sp>
-        <p:nvSpPr>
-          <p:cNvPr id="4" name="TextBox 3">
-            <a:extLst>
-              <a:ext uri="{FF2B5EF4-FFF2-40B4-BE49-F238E27FC236}">
-                <a16:creationId xmlns:a16="http://schemas.microsoft.com/office/drawing/2014/main" id="{BC884E33-4A6B-CA67-82CC-620D9C4953AD}"/>
-              </a:ext>
-            </a:extLst>
-          </p:cNvPr>
-          <p:cNvSpPr txBox="1"/>
-          <p:nvPr/>
-        </p:nvSpPr>
-        <p:spPr>
-          <a:xfrm>
-            <a:off x="704426" y="1632706"/>
-            <a:ext cx="1079911" cy="369332"/>
-          </a:xfrm>
-          <a:prstGeom prst="rect">
-            <a:avLst/>
-          </a:prstGeom>
-          <a:noFill/>
-        </p:spPr>
-        <p:txBody>
-          <a:bodyPr wrap="none" rtlCol="0">
-            <a:spAutoFit/>
-          </a:bodyPr>
-          <a:lstStyle/>
-          <a:p>
-            <a:r>
-              <a:rPr lang="en-US" b="0" i="0" dirty="0">
-                <a:solidFill>
-                  <a:srgbClr val="BFC7D5"/>
-                </a:solidFill>
-                <a:effectLst/>
-                <a:latin typeface="SFMono-Regular"/>
-              </a:rPr>
-              <a:t>yarn start</a:t>
-            </a:r>
-            <a:endParaRPr lang="en-US" dirty="0"/>
-          </a:p>
-        </p:txBody>
-      </p:sp>
       <p:pic>
         <p:nvPicPr>
-          <p:cNvPr id="5" name="Picture 4">
-            <a:extLst>
-              <a:ext uri="{FF2B5EF4-FFF2-40B4-BE49-F238E27FC236}">
-                <a16:creationId xmlns:a16="http://schemas.microsoft.com/office/drawing/2014/main" id="{2AF5F4A3-955D-7715-DC2B-C4F6462C4483}"/>
+          <p:cNvPr id="4" name="Picture 3">
+            <a:extLst>
+              <a:ext uri="{FF2B5EF4-FFF2-40B4-BE49-F238E27FC236}">
+                <a16:creationId xmlns:a16="http://schemas.microsoft.com/office/drawing/2014/main" id="{6173E1BE-3354-A35E-BA44-23176C0C2906}"/>
               </a:ext>
             </a:extLst>
           </p:cNvPr>
@@ -7849,25 +10074,66 @@
           <p:nvPr/>
         </p:nvPicPr>
         <p:blipFill>
-          <a:blip r:embed="rId2"/>
+          <a:blip r:embed="rId3"/>
           <a:stretch>
             <a:fillRect/>
           </a:stretch>
         </p:blipFill>
         <p:spPr>
           <a:xfrm>
-            <a:off x="3476997" y="1426305"/>
-            <a:ext cx="5238005" cy="4855962"/>
+            <a:off x="2784763" y="58542"/>
+            <a:ext cx="6679985" cy="6799458"/>
           </a:xfrm>
           <a:prstGeom prst="rect">
             <a:avLst/>
           </a:prstGeom>
         </p:spPr>
       </p:pic>
+      <p:sp>
+        <p:nvSpPr>
+          <p:cNvPr id="6" name="TextBox 5">
+            <a:extLst>
+              <a:ext uri="{FF2B5EF4-FFF2-40B4-BE49-F238E27FC236}">
+                <a16:creationId xmlns:a16="http://schemas.microsoft.com/office/drawing/2014/main" id="{260F1DEF-745F-23D3-64FF-7ED0E354F409}"/>
+              </a:ext>
+            </a:extLst>
+          </p:cNvPr>
+          <p:cNvSpPr txBox="1"/>
+          <p:nvPr/>
+        </p:nvSpPr>
+        <p:spPr>
+          <a:xfrm>
+            <a:off x="9692640" y="6045723"/>
+            <a:ext cx="2427317" cy="646331"/>
+          </a:xfrm>
+          <a:prstGeom prst="rect">
+            <a:avLst/>
+          </a:prstGeom>
+          <a:noFill/>
+        </p:spPr>
+        <p:txBody>
+          <a:bodyPr wrap="square">
+            <a:spAutoFit/>
+          </a:bodyPr>
+          <a:lstStyle/>
+          <a:p>
+            <a:r>
+              <a:rPr lang="en-US" dirty="0">
+                <a:hlinkClick r:id="rId4"/>
+              </a:rPr>
+              <a:t>https://github.com/DHI/react-components</a:t>
+            </a:r>
+            <a:r>
+              <a:rPr lang="en-US" dirty="0"/>
+              <a:t> </a:t>
+            </a:r>
+          </a:p>
+        </p:txBody>
+      </p:sp>
     </p:spTree>
     <p:extLst>
       <p:ext uri="{BB962C8B-B14F-4D97-AF65-F5344CB8AC3E}">
-        <p14:creationId xmlns:p14="http://schemas.microsoft.com/office/powerpoint/2010/main" val="358308092"/>
+        <p14:creationId xmlns:p14="http://schemas.microsoft.com/office/powerpoint/2010/main" val="1014904882"/>
       </p:ext>
     </p:extLst>
   </p:cSld>
@@ -7896,10 +10162,10 @@
       </p:grpSpPr>
       <p:sp>
         <p:nvSpPr>
-          <p:cNvPr id="2" name="TextBox 1">
-            <a:extLst>
-              <a:ext uri="{FF2B5EF4-FFF2-40B4-BE49-F238E27FC236}">
-                <a16:creationId xmlns:a16="http://schemas.microsoft.com/office/drawing/2014/main" id="{2F95C7AD-28A6-6FFA-F6A5-977AB6EDBB6E}"/>
+          <p:cNvPr id="6" name="TextBox 5">
+            <a:extLst>
+              <a:ext uri="{FF2B5EF4-FFF2-40B4-BE49-F238E27FC236}">
+                <a16:creationId xmlns:a16="http://schemas.microsoft.com/office/drawing/2014/main" id="{260F1DEF-745F-23D3-64FF-7ED0E354F409}"/>
               </a:ext>
             </a:extLst>
           </p:cNvPr>
@@ -7908,8 +10174,8 @@
         </p:nvSpPr>
         <p:spPr>
           <a:xfrm>
-            <a:off x="3397415" y="314625"/>
-            <a:ext cx="5948295" cy="769441"/>
+            <a:off x="9692640" y="6045723"/>
+            <a:ext cx="2427317" cy="646331"/>
           </a:xfrm>
           <a:prstGeom prst="rect">
             <a:avLst/>
@@ -7917,25 +10183,30 @@
           <a:noFill/>
         </p:spPr>
         <p:txBody>
-          <a:bodyPr wrap="none" rtlCol="0">
+          <a:bodyPr wrap="square">
             <a:spAutoFit/>
           </a:bodyPr>
           <a:lstStyle/>
           <a:p>
             <a:r>
-              <a:rPr lang="da-DK" sz="4400" dirty="0"/>
-              <a:t>Add login and data pages</a:t>
-            </a:r>
-            <a:endParaRPr lang="en-US" sz="4400" dirty="0"/>
+              <a:rPr lang="en-US" dirty="0">
+                <a:hlinkClick r:id="rId3"/>
+              </a:rPr>
+              <a:t>https://github.com/DHI/react-components</a:t>
+            </a:r>
+            <a:r>
+              <a:rPr lang="en-US" dirty="0"/>
+              <a:t> </a:t>
+            </a:r>
           </a:p>
         </p:txBody>
       </p:sp>
       <p:pic>
         <p:nvPicPr>
-          <p:cNvPr id="8" name="Picture 7">
-            <a:extLst>
-              <a:ext uri="{FF2B5EF4-FFF2-40B4-BE49-F238E27FC236}">
-                <a16:creationId xmlns:a16="http://schemas.microsoft.com/office/drawing/2014/main" id="{F51A28EF-33E3-10BF-B7D2-75DD198EB5F9}"/>
+          <p:cNvPr id="3" name="Picture 2">
+            <a:extLst>
+              <a:ext uri="{FF2B5EF4-FFF2-40B4-BE49-F238E27FC236}">
+                <a16:creationId xmlns:a16="http://schemas.microsoft.com/office/drawing/2014/main" id="{B0025A73-B96C-58CA-F542-F4F4C0305980}"/>
               </a:ext>
             </a:extLst>
           </p:cNvPr>
@@ -7945,15 +10216,15 @@
           <p:nvPr/>
         </p:nvPicPr>
         <p:blipFill>
-          <a:blip r:embed="rId2"/>
+          <a:blip r:embed="rId4"/>
           <a:stretch>
             <a:fillRect/>
           </a:stretch>
         </p:blipFill>
         <p:spPr>
           <a:xfrm>
-            <a:off x="1732941" y="2352525"/>
-            <a:ext cx="8726118" cy="2152950"/>
+            <a:off x="1118493" y="2209630"/>
+            <a:ext cx="9955014" cy="2438740"/>
           </a:xfrm>
           <a:prstGeom prst="rect">
             <a:avLst/>
@@ -7963,7 +10234,7 @@
     </p:spTree>
     <p:extLst>
       <p:ext uri="{BB962C8B-B14F-4D97-AF65-F5344CB8AC3E}">
-        <p14:creationId xmlns:p14="http://schemas.microsoft.com/office/powerpoint/2010/main" val="1078570717"/>
+        <p14:creationId xmlns:p14="http://schemas.microsoft.com/office/powerpoint/2010/main" val="1949161927"/>
       </p:ext>
     </p:extLst>
   </p:cSld>
@@ -7992,10 +10263,10 @@
       </p:grpSpPr>
       <p:sp>
         <p:nvSpPr>
-          <p:cNvPr id="2" name="TextBox 1">
-            <a:extLst>
-              <a:ext uri="{FF2B5EF4-FFF2-40B4-BE49-F238E27FC236}">
-                <a16:creationId xmlns:a16="http://schemas.microsoft.com/office/drawing/2014/main" id="{2F95C7AD-28A6-6FFA-F6A5-977AB6EDBB6E}"/>
+          <p:cNvPr id="6" name="TextBox 5">
+            <a:extLst>
+              <a:ext uri="{FF2B5EF4-FFF2-40B4-BE49-F238E27FC236}">
+                <a16:creationId xmlns:a16="http://schemas.microsoft.com/office/drawing/2014/main" id="{260F1DEF-745F-23D3-64FF-7ED0E354F409}"/>
               </a:ext>
             </a:extLst>
           </p:cNvPr>
@@ -8004,8 +10275,8 @@
         </p:nvSpPr>
         <p:spPr>
           <a:xfrm>
-            <a:off x="3397415" y="314625"/>
-            <a:ext cx="4182812" cy="769441"/>
+            <a:off x="9692640" y="6045723"/>
+            <a:ext cx="2427317" cy="646331"/>
           </a:xfrm>
           <a:prstGeom prst="rect">
             <a:avLst/>
@@ -8013,60 +10284,30 @@
           <a:noFill/>
         </p:spPr>
         <p:txBody>
-          <a:bodyPr wrap="none" rtlCol="0">
+          <a:bodyPr wrap="square">
             <a:spAutoFit/>
           </a:bodyPr>
           <a:lstStyle/>
           <a:p>
             <a:r>
-              <a:rPr lang="da-DK" sz="4400" dirty="0"/>
-              <a:t>Add state storage</a:t>
-            </a:r>
-            <a:endParaRPr lang="en-US" sz="4400" dirty="0"/>
-          </a:p>
-        </p:txBody>
-      </p:sp>
-      <p:sp>
-        <p:nvSpPr>
-          <p:cNvPr id="3" name="TextBox 2">
-            <a:extLst>
-              <a:ext uri="{FF2B5EF4-FFF2-40B4-BE49-F238E27FC236}">
-                <a16:creationId xmlns:a16="http://schemas.microsoft.com/office/drawing/2014/main" id="{C58B6763-E146-6C0C-77B8-4D4745DBD649}"/>
-              </a:ext>
-            </a:extLst>
-          </p:cNvPr>
-          <p:cNvSpPr txBox="1"/>
-          <p:nvPr/>
-        </p:nvSpPr>
-        <p:spPr>
-          <a:xfrm>
-            <a:off x="636693" y="1625600"/>
-            <a:ext cx="4473725" cy="369332"/>
-          </a:xfrm>
-          <a:prstGeom prst="rect">
-            <a:avLst/>
-          </a:prstGeom>
-          <a:noFill/>
-        </p:spPr>
-        <p:txBody>
-          <a:bodyPr wrap="none" rtlCol="0">
-            <a:spAutoFit/>
-          </a:bodyPr>
-          <a:lstStyle/>
-          <a:p>
+              <a:rPr lang="en-US" dirty="0">
+                <a:hlinkClick r:id="rId3"/>
+              </a:rPr>
+              <a:t>https://github.com/DHI/react-components</a:t>
+            </a:r>
             <a:r>
               <a:rPr lang="en-US" dirty="0"/>
-              <a:t>https://mobx.js.org/defining-data-stores.html</a:t>
+              <a:t> </a:t>
             </a:r>
           </a:p>
         </p:txBody>
       </p:sp>
       <p:pic>
         <p:nvPicPr>
-          <p:cNvPr id="5" name="Picture 4">
-            <a:extLst>
-              <a:ext uri="{FF2B5EF4-FFF2-40B4-BE49-F238E27FC236}">
-                <a16:creationId xmlns:a16="http://schemas.microsoft.com/office/drawing/2014/main" id="{B5AB8A7D-CA8D-35C8-B605-C369C07C4A09}"/>
+          <p:cNvPr id="4" name="Picture 3">
+            <a:extLst>
+              <a:ext uri="{FF2B5EF4-FFF2-40B4-BE49-F238E27FC236}">
+                <a16:creationId xmlns:a16="http://schemas.microsoft.com/office/drawing/2014/main" id="{2285CE3C-67EB-4AD4-9113-10D7A5E3BEFD}"/>
               </a:ext>
             </a:extLst>
           </p:cNvPr>
@@ -8076,25 +10317,113 @@
           <p:nvPr/>
         </p:nvPicPr>
         <p:blipFill>
-          <a:blip r:embed="rId2"/>
+          <a:blip r:embed="rId4"/>
           <a:stretch>
             <a:fillRect/>
           </a:stretch>
         </p:blipFill>
         <p:spPr>
           <a:xfrm>
-            <a:off x="3842975" y="2323254"/>
-            <a:ext cx="4506050" cy="4076606"/>
+            <a:off x="401447" y="2682405"/>
+            <a:ext cx="9955014" cy="2438740"/>
           </a:xfrm>
           <a:prstGeom prst="rect">
             <a:avLst/>
           </a:prstGeom>
         </p:spPr>
       </p:pic>
+      <p:sp>
+        <p:nvSpPr>
+          <p:cNvPr id="2" name="Star: 5 Points 1">
+            <a:extLst>
+              <a:ext uri="{FF2B5EF4-FFF2-40B4-BE49-F238E27FC236}">
+                <a16:creationId xmlns:a16="http://schemas.microsoft.com/office/drawing/2014/main" id="{30A784E7-27C3-F752-7498-6BC717D7559C}"/>
+              </a:ext>
+            </a:extLst>
+          </p:cNvPr>
+          <p:cNvSpPr/>
+          <p:nvPr/>
+        </p:nvSpPr>
+        <p:spPr>
+          <a:xfrm>
+            <a:off x="10105170" y="3537111"/>
+            <a:ext cx="884255" cy="901886"/>
+          </a:xfrm>
+          <a:prstGeom prst="star5">
+            <a:avLst/>
+          </a:prstGeom>
+        </p:spPr>
+        <p:style>
+          <a:lnRef idx="0">
+            <a:schemeClr val="accent1"/>
+          </a:lnRef>
+          <a:fillRef idx="3">
+            <a:schemeClr val="accent1"/>
+          </a:fillRef>
+          <a:effectRef idx="3">
+            <a:schemeClr val="accent1"/>
+          </a:effectRef>
+          <a:fontRef idx="minor">
+            <a:schemeClr val="lt1"/>
+          </a:fontRef>
+        </p:style>
+        <p:txBody>
+          <a:bodyPr rtlCol="0" anchor="ctr"/>
+          <a:lstStyle/>
+          <a:p>
+            <a:pPr algn="ctr"/>
+            <a:endParaRPr lang="en-US" dirty="0">
+              <a:highlight>
+                <a:srgbClr val="00FF00"/>
+              </a:highlight>
+            </a:endParaRPr>
+          </a:p>
+        </p:txBody>
+      </p:sp>
+      <p:sp>
+        <p:nvSpPr>
+          <p:cNvPr id="7" name="TextBox 6">
+            <a:extLst>
+              <a:ext uri="{FF2B5EF4-FFF2-40B4-BE49-F238E27FC236}">
+                <a16:creationId xmlns:a16="http://schemas.microsoft.com/office/drawing/2014/main" id="{F68601A1-0FF5-F12C-E29A-029C91E1388B}"/>
+              </a:ext>
+            </a:extLst>
+          </p:cNvPr>
+          <p:cNvSpPr txBox="1"/>
+          <p:nvPr/>
+        </p:nvSpPr>
+        <p:spPr>
+          <a:xfrm>
+            <a:off x="4852586" y="165946"/>
+            <a:ext cx="7134368" cy="2123658"/>
+          </a:xfrm>
+          <a:prstGeom prst="rect">
+            <a:avLst/>
+          </a:prstGeom>
+          <a:noFill/>
+        </p:spPr>
+        <p:txBody>
+          <a:bodyPr wrap="square" rtlCol="0">
+            <a:spAutoFit/>
+          </a:bodyPr>
+          <a:lstStyle/>
+          <a:p>
+            <a:r>
+              <a:rPr lang="da-DK" sz="4400" dirty="0"/>
+              <a:t>Use the storybook link to launch an</a:t>
+            </a:r>
+            <a:r>
+              <a:rPr lang="en-US" sz="4400" dirty="0"/>
+              <a:t> interactive component explorer/tester</a:t>
+            </a:r>
+            <a:endParaRPr lang="da-DK" sz="4400" dirty="0"/>
+          </a:p>
+        </p:txBody>
+      </p:sp>
     </p:spTree>
     <p:extLst>
       <p:ext uri="{BB962C8B-B14F-4D97-AF65-F5344CB8AC3E}">
-        <p14:creationId xmlns:p14="http://schemas.microsoft.com/office/powerpoint/2010/main" val="4232163247"/>
+        <p14:creationId xmlns:p14="http://schemas.microsoft.com/office/powerpoint/2010/main" val="1203433852"/>
       </p:ext>
     </p:extLst>
   </p:cSld>

--- a/Presentations/DS-course-4-frontend.pptx
+++ b/Presentations/DS-course-4-frontend.pptx
@@ -221,7 +221,7 @@
           <a:p>
             <a:fld id="{16B0145C-99AC-4644-A36E-A4ECBC555925}" type="datetimeFigureOut">
               <a:rPr lang="en-US" smtClean="0"/>
-              <a:t>8/31/2022</a:t>
+              <a:t>9/7/2022</a:t>
             </a:fld>
             <a:endParaRPr lang="en-US"/>
           </a:p>
@@ -620,16 +620,34 @@
           <a:lstStyle/>
           <a:p>
             <a:r>
+              <a:rPr lang="en-US" dirty="0" err="1"/>
+              <a:t>Github</a:t>
+            </a:r>
+            <a:r>
               <a:rPr lang="en-US" dirty="0"/>
-              <a:t>Additional points can be added simply by updating the </a:t>
-            </a:r>
+              <a:t> token for installing DHI/react-components</a:t>
+            </a:r>
+          </a:p>
+          <a:p>
             <a:r>
               <a:rPr lang="en-US" dirty="0" err="1"/>
-              <a:t>points.geojson</a:t>
+              <a:t>Mapbox</a:t>
             </a:r>
             <a:r>
               <a:rPr lang="en-US" dirty="0"/>
-              <a:t> file</a:t>
+              <a:t> token for using both react-map-</a:t>
+            </a:r>
+            <a:r>
+              <a:rPr lang="en-US" dirty="0" err="1"/>
+              <a:t>gl</a:t>
+            </a:r>
+            <a:r>
+              <a:rPr lang="en-US" dirty="0"/>
+              <a:t> component and showing </a:t>
+            </a:r>
+            <a:r>
+              <a:rPr lang="en-US"/>
+              <a:t>vector tiles</a:t>
             </a:r>
           </a:p>
         </p:txBody>
@@ -651,7 +669,7 @@
           <a:p>
             <a:fld id="{A6E96146-6681-4DBF-B085-F659EAF9A4FE}" type="slidenum">
               <a:rPr lang="en-US" smtClean="0"/>
-              <a:t>20</a:t>
+              <a:t>17</a:t>
             </a:fld>
             <a:endParaRPr lang="en-US"/>
           </a:p>
@@ -660,7 +678,7 @@
     </p:spTree>
     <p:extLst>
       <p:ext uri="{BB962C8B-B14F-4D97-AF65-F5344CB8AC3E}">
-        <p14:creationId xmlns:p14="http://schemas.microsoft.com/office/powerpoint/2010/main" val="1971807371"/>
+        <p14:creationId xmlns:p14="http://schemas.microsoft.com/office/powerpoint/2010/main" val="854545794"/>
       </p:ext>
     </p:extLst>
   </p:cSld>
@@ -716,15 +734,7 @@
           <a:p>
             <a:r>
               <a:rPr lang="en-US" dirty="0"/>
-              <a:t>You can set the initial bounding box when initializing the </a:t>
-            </a:r>
-            <a:r>
-              <a:rPr lang="en-US" dirty="0" err="1"/>
-              <a:t>viewState</a:t>
-            </a:r>
-            <a:r>
-              <a:rPr lang="en-US" dirty="0"/>
-              <a:t> variable. Other approaches could include calculating the bounding box of all points once they are received (you would also need to change how the </a:t>
+              <a:t>Additional points can be added simply by updating the </a:t>
             </a:r>
             <a:r>
               <a:rPr lang="en-US" dirty="0" err="1"/>
@@ -732,7 +742,7 @@
             </a:r>
             <a:r>
               <a:rPr lang="en-US" dirty="0"/>
-              <a:t> file is fetched in order to do this)</a:t>
+              <a:t> file</a:t>
             </a:r>
           </a:p>
         </p:txBody>
@@ -754,7 +764,7 @@
           <a:p>
             <a:fld id="{A6E96146-6681-4DBF-B085-F659EAF9A4FE}" type="slidenum">
               <a:rPr lang="en-US" smtClean="0"/>
-              <a:t>21</a:t>
+              <a:t>20</a:t>
             </a:fld>
             <a:endParaRPr lang="en-US"/>
           </a:p>
@@ -763,7 +773,7 @@
     </p:spTree>
     <p:extLst>
       <p:ext uri="{BB962C8B-B14F-4D97-AF65-F5344CB8AC3E}">
-        <p14:creationId xmlns:p14="http://schemas.microsoft.com/office/powerpoint/2010/main" val="3198728267"/>
+        <p14:creationId xmlns:p14="http://schemas.microsoft.com/office/powerpoint/2010/main" val="1971807371"/>
       </p:ext>
     </p:extLst>
   </p:cSld>
@@ -819,7 +829,23 @@
           <a:p>
             <a:r>
               <a:rPr lang="en-US" dirty="0"/>
-              <a:t>The layout/position of the Data page components are controlled by JSS. Update the JSS so that the sidebar becomes a bottom bar.</a:t>
+              <a:t>You can set the initial bounding box when initializing the </a:t>
+            </a:r>
+            <a:r>
+              <a:rPr lang="en-US" dirty="0" err="1"/>
+              <a:t>viewState</a:t>
+            </a:r>
+            <a:r>
+              <a:rPr lang="en-US" dirty="0"/>
+              <a:t> variable. Other approaches could include calculating the bounding box of all points once they are received (you would also need to change how the </a:t>
+            </a:r>
+            <a:r>
+              <a:rPr lang="en-US" dirty="0" err="1"/>
+              <a:t>points.geojson</a:t>
+            </a:r>
+            <a:r>
+              <a:rPr lang="en-US" dirty="0"/>
+              <a:t> file is fetched in order to do this)</a:t>
             </a:r>
           </a:p>
         </p:txBody>
@@ -841,7 +867,7 @@
           <a:p>
             <a:fld id="{A6E96146-6681-4DBF-B085-F659EAF9A4FE}" type="slidenum">
               <a:rPr lang="en-US" smtClean="0"/>
-              <a:t>22</a:t>
+              <a:t>21</a:t>
             </a:fld>
             <a:endParaRPr lang="en-US"/>
           </a:p>
@@ -850,7 +876,7 @@
     </p:spTree>
     <p:extLst>
       <p:ext uri="{BB962C8B-B14F-4D97-AF65-F5344CB8AC3E}">
-        <p14:creationId xmlns:p14="http://schemas.microsoft.com/office/powerpoint/2010/main" val="3309120125"/>
+        <p14:creationId xmlns:p14="http://schemas.microsoft.com/office/powerpoint/2010/main" val="3198728267"/>
       </p:ext>
     </p:extLst>
   </p:cSld>
@@ -906,7 +932,7 @@
           <a:p>
             <a:r>
               <a:rPr lang="en-US" dirty="0"/>
-              <a:t>Find the code for the ‘Log Out’ button in this app, and use that as a basis for a new button in the sidebar, that clears the selected point app state.</a:t>
+              <a:t>The layout/position of the Data page components are controlled by JSS. Update the JSS so that the sidebar becomes a bottom bar.</a:t>
             </a:r>
           </a:p>
         </p:txBody>
@@ -928,7 +954,7 @@
           <a:p>
             <a:fld id="{A6E96146-6681-4DBF-B085-F659EAF9A4FE}" type="slidenum">
               <a:rPr lang="en-US" smtClean="0"/>
-              <a:t>23</a:t>
+              <a:t>22</a:t>
             </a:fld>
             <a:endParaRPr lang="en-US"/>
           </a:p>
@@ -937,7 +963,7 @@
     </p:spTree>
     <p:extLst>
       <p:ext uri="{BB962C8B-B14F-4D97-AF65-F5344CB8AC3E}">
-        <p14:creationId xmlns:p14="http://schemas.microsoft.com/office/powerpoint/2010/main" val="2078125574"/>
+        <p14:creationId xmlns:p14="http://schemas.microsoft.com/office/powerpoint/2010/main" val="3309120125"/>
       </p:ext>
     </p:extLst>
   </p:cSld>
@@ -992,6 +1018,93 @@
           <a:lstStyle/>
           <a:p>
             <a:r>
+              <a:rPr lang="en-US" dirty="0"/>
+              <a:t>Find the code for the ‘Log Out’ button in this app, and use that as a basis for a new button in the sidebar, that clears the selected point app state.</a:t>
+            </a:r>
+          </a:p>
+        </p:txBody>
+      </p:sp>
+      <p:sp>
+        <p:nvSpPr>
+          <p:cNvPr id="4" name="Slide Number Placeholder 3"/>
+          <p:cNvSpPr>
+            <a:spLocks noGrp="1"/>
+          </p:cNvSpPr>
+          <p:nvPr>
+            <p:ph type="sldNum" sz="quarter" idx="5"/>
+          </p:nvPr>
+        </p:nvSpPr>
+        <p:spPr/>
+        <p:txBody>
+          <a:bodyPr/>
+          <a:lstStyle/>
+          <a:p>
+            <a:fld id="{A6E96146-6681-4DBF-B085-F659EAF9A4FE}" type="slidenum">
+              <a:rPr lang="en-US" smtClean="0"/>
+              <a:t>23</a:t>
+            </a:fld>
+            <a:endParaRPr lang="en-US"/>
+          </a:p>
+        </p:txBody>
+      </p:sp>
+    </p:spTree>
+    <p:extLst>
+      <p:ext uri="{BB962C8B-B14F-4D97-AF65-F5344CB8AC3E}">
+        <p14:creationId xmlns:p14="http://schemas.microsoft.com/office/powerpoint/2010/main" val="2078125574"/>
+      </p:ext>
+    </p:extLst>
+  </p:cSld>
+  <p:clrMapOvr>
+    <a:masterClrMapping/>
+  </p:clrMapOvr>
+</p:notes>
+</file>
+
+<file path=ppt/notesSlides/notesSlide15.xml><?xml version="1.0" encoding="utf-8"?>
+<p:notes xmlns:a="http://schemas.openxmlformats.org/drawingml/2006/main" xmlns:r="http://schemas.openxmlformats.org/officeDocument/2006/relationships" xmlns:p="http://schemas.openxmlformats.org/presentationml/2006/main">
+  <p:cSld>
+    <p:spTree>
+      <p:nvGrpSpPr>
+        <p:cNvPr id="1" name=""/>
+        <p:cNvGrpSpPr/>
+        <p:nvPr/>
+      </p:nvGrpSpPr>
+      <p:grpSpPr>
+        <a:xfrm>
+          <a:off x="0" y="0"/>
+          <a:ext cx="0" cy="0"/>
+          <a:chOff x="0" y="0"/>
+          <a:chExt cx="0" cy="0"/>
+        </a:xfrm>
+      </p:grpSpPr>
+      <p:sp>
+        <p:nvSpPr>
+          <p:cNvPr id="2" name="Slide Image Placeholder 1"/>
+          <p:cNvSpPr>
+            <a:spLocks noGrp="1" noRot="1" noChangeAspect="1"/>
+          </p:cNvSpPr>
+          <p:nvPr>
+            <p:ph type="sldImg"/>
+          </p:nvPr>
+        </p:nvSpPr>
+        <p:spPr/>
+      </p:sp>
+      <p:sp>
+        <p:nvSpPr>
+          <p:cNvPr id="3" name="Notes Placeholder 2"/>
+          <p:cNvSpPr>
+            <a:spLocks noGrp="1"/>
+          </p:cNvSpPr>
+          <p:nvPr>
+            <p:ph type="body" idx="1"/>
+          </p:nvPr>
+        </p:nvSpPr>
+        <p:spPr/>
+        <p:txBody>
+          <a:bodyPr/>
+          <a:lstStyle/>
+          <a:p>
+            <a:r>
               <a:rPr lang="en-US" noProof="0" dirty="0"/>
               <a:t>Wrap Up. Before next live session (a week from now)</a:t>
             </a:r>
@@ -1059,7 +1172,7 @@
 </p:notes>
 </file>
 
-<file path=ppt/notesSlides/notesSlide15.xml><?xml version="1.0" encoding="utf-8"?>
+<file path=ppt/notesSlides/notesSlide16.xml><?xml version="1.0" encoding="utf-8"?>
 <p:notes xmlns:a="http://schemas.openxmlformats.org/drawingml/2006/main" xmlns:r="http://schemas.openxmlformats.org/officeDocument/2006/relationships" xmlns:p="http://schemas.openxmlformats.org/presentationml/2006/main">
   <p:cSld>
     <p:spTree>
@@ -2336,7 +2449,7 @@
           <a:p>
             <a:fld id="{973BC00D-352D-4681-8132-8CC5EB9D512D}" type="datetimeFigureOut">
               <a:rPr lang="en-US" smtClean="0"/>
-              <a:t>8/31/2022</a:t>
+              <a:t>9/7/2022</a:t>
             </a:fld>
             <a:endParaRPr lang="en-US"/>
           </a:p>
@@ -2534,7 +2647,7 @@
           <a:p>
             <a:fld id="{973BC00D-352D-4681-8132-8CC5EB9D512D}" type="datetimeFigureOut">
               <a:rPr lang="en-US" smtClean="0"/>
-              <a:t>8/31/2022</a:t>
+              <a:t>9/7/2022</a:t>
             </a:fld>
             <a:endParaRPr lang="en-US"/>
           </a:p>
@@ -2742,7 +2855,7 @@
           <a:p>
             <a:fld id="{973BC00D-352D-4681-8132-8CC5EB9D512D}" type="datetimeFigureOut">
               <a:rPr lang="en-US" smtClean="0"/>
-              <a:t>8/31/2022</a:t>
+              <a:t>9/7/2022</a:t>
             </a:fld>
             <a:endParaRPr lang="en-US"/>
           </a:p>
@@ -2940,7 +3053,7 @@
           <a:p>
             <a:fld id="{973BC00D-352D-4681-8132-8CC5EB9D512D}" type="datetimeFigureOut">
               <a:rPr lang="en-US" smtClean="0"/>
-              <a:t>8/31/2022</a:t>
+              <a:t>9/7/2022</a:t>
             </a:fld>
             <a:endParaRPr lang="en-US"/>
           </a:p>
@@ -3215,7 +3328,7 @@
           <a:p>
             <a:fld id="{973BC00D-352D-4681-8132-8CC5EB9D512D}" type="datetimeFigureOut">
               <a:rPr lang="en-US" smtClean="0"/>
-              <a:t>8/31/2022</a:t>
+              <a:t>9/7/2022</a:t>
             </a:fld>
             <a:endParaRPr lang="en-US"/>
           </a:p>
@@ -3480,7 +3593,7 @@
           <a:p>
             <a:fld id="{973BC00D-352D-4681-8132-8CC5EB9D512D}" type="datetimeFigureOut">
               <a:rPr lang="en-US" smtClean="0"/>
-              <a:t>8/31/2022</a:t>
+              <a:t>9/7/2022</a:t>
             </a:fld>
             <a:endParaRPr lang="en-US"/>
           </a:p>
@@ -3892,7 +4005,7 @@
           <a:p>
             <a:fld id="{973BC00D-352D-4681-8132-8CC5EB9D512D}" type="datetimeFigureOut">
               <a:rPr lang="en-US" smtClean="0"/>
-              <a:t>8/31/2022</a:t>
+              <a:t>9/7/2022</a:t>
             </a:fld>
             <a:endParaRPr lang="en-US"/>
           </a:p>
@@ -4033,7 +4146,7 @@
           <a:p>
             <a:fld id="{973BC00D-352D-4681-8132-8CC5EB9D512D}" type="datetimeFigureOut">
               <a:rPr lang="en-US" smtClean="0"/>
-              <a:t>8/31/2022</a:t>
+              <a:t>9/7/2022</a:t>
             </a:fld>
             <a:endParaRPr lang="en-US"/>
           </a:p>
@@ -4146,7 +4259,7 @@
           <a:p>
             <a:fld id="{973BC00D-352D-4681-8132-8CC5EB9D512D}" type="datetimeFigureOut">
               <a:rPr lang="en-US" smtClean="0"/>
-              <a:t>8/31/2022</a:t>
+              <a:t>9/7/2022</a:t>
             </a:fld>
             <a:endParaRPr lang="en-US"/>
           </a:p>
@@ -4457,7 +4570,7 @@
           <a:p>
             <a:fld id="{973BC00D-352D-4681-8132-8CC5EB9D512D}" type="datetimeFigureOut">
               <a:rPr lang="en-US" smtClean="0"/>
-              <a:t>8/31/2022</a:t>
+              <a:t>9/7/2022</a:t>
             </a:fld>
             <a:endParaRPr lang="en-US"/>
           </a:p>
@@ -4745,7 +4858,7 @@
           <a:p>
             <a:fld id="{973BC00D-352D-4681-8132-8CC5EB9D512D}" type="datetimeFigureOut">
               <a:rPr lang="en-US" smtClean="0"/>
-              <a:t>8/31/2022</a:t>
+              <a:t>9/7/2022</a:t>
             </a:fld>
             <a:endParaRPr lang="en-US"/>
           </a:p>
@@ -4986,7 +5099,7 @@
           <a:p>
             <a:fld id="{973BC00D-352D-4681-8132-8CC5EB9D512D}" type="datetimeFigureOut">
               <a:rPr lang="en-US" smtClean="0"/>
-              <a:t>8/31/2022</a:t>
+              <a:t>9/7/2022</a:t>
             </a:fld>
             <a:endParaRPr lang="en-US"/>
           </a:p>
@@ -6848,7 +6961,7 @@
             </a:r>
             <a:r>
               <a:rPr lang="da-DK" sz="2800" dirty="0">
-                <a:hlinkClick r:id="rId2"/>
+                <a:hlinkClick r:id="rId3"/>
               </a:rPr>
               <a:t>https://github.com/DHI/react-components/blob/master/packages/react-components/README.md</a:t>
             </a:r>
@@ -6868,7 +6981,7 @@
             </a:r>
             <a:r>
               <a:rPr lang="da-DK" sz="2800" dirty="0">
-                <a:hlinkClick r:id="rId3"/>
+                <a:hlinkClick r:id="rId4"/>
               </a:rPr>
               <a:t>https://account.mapbox.com/access-tokens/</a:t>
             </a:r>

--- a/Presentations/DS-course-4-frontend.pptx
+++ b/Presentations/DS-course-4-frontend.pptx
@@ -221,7 +221,7 @@
           <a:p>
             <a:fld id="{16B0145C-99AC-4644-A36E-A4ECBC555925}" type="datetimeFigureOut">
               <a:rPr lang="en-US" smtClean="0"/>
-              <a:t>9/7/2022</a:t>
+              <a:t>9/8/2022</a:t>
             </a:fld>
             <a:endParaRPr lang="en-US"/>
           </a:p>
@@ -625,7 +625,15 @@
             </a:r>
             <a:r>
               <a:rPr lang="en-US" dirty="0"/>
-              <a:t> token for installing DHI/react-components</a:t>
+              <a:t> token for installing DHI/react-components, goes into .</a:t>
+            </a:r>
+            <a:r>
+              <a:rPr lang="en-US" dirty="0" err="1"/>
+              <a:t>npmrc</a:t>
+            </a:r>
+            <a:r>
+              <a:rPr lang="en-US" dirty="0"/>
+              <a:t> file</a:t>
             </a:r>
           </a:p>
           <a:p>
@@ -643,12 +651,13 @@
             </a:r>
             <a:r>
               <a:rPr lang="en-US" dirty="0"/>
-              <a:t> component and showing </a:t>
+              <a:t> component and showing vector tiles, goes into </a:t>
             </a:r>
             <a:r>
               <a:rPr lang="en-US"/>
-              <a:t>vector tiles</a:t>
-            </a:r>
+              <a:t>.env file</a:t>
+            </a:r>
+            <a:endParaRPr lang="en-US" dirty="0"/>
           </a:p>
         </p:txBody>
       </p:sp>
@@ -2449,7 +2458,7 @@
           <a:p>
             <a:fld id="{973BC00D-352D-4681-8132-8CC5EB9D512D}" type="datetimeFigureOut">
               <a:rPr lang="en-US" smtClean="0"/>
-              <a:t>9/7/2022</a:t>
+              <a:t>9/8/2022</a:t>
             </a:fld>
             <a:endParaRPr lang="en-US"/>
           </a:p>
@@ -2647,7 +2656,7 @@
           <a:p>
             <a:fld id="{973BC00D-352D-4681-8132-8CC5EB9D512D}" type="datetimeFigureOut">
               <a:rPr lang="en-US" smtClean="0"/>
-              <a:t>9/7/2022</a:t>
+              <a:t>9/8/2022</a:t>
             </a:fld>
             <a:endParaRPr lang="en-US"/>
           </a:p>
@@ -2855,7 +2864,7 @@
           <a:p>
             <a:fld id="{973BC00D-352D-4681-8132-8CC5EB9D512D}" type="datetimeFigureOut">
               <a:rPr lang="en-US" smtClean="0"/>
-              <a:t>9/7/2022</a:t>
+              <a:t>9/8/2022</a:t>
             </a:fld>
             <a:endParaRPr lang="en-US"/>
           </a:p>
@@ -3053,7 +3062,7 @@
           <a:p>
             <a:fld id="{973BC00D-352D-4681-8132-8CC5EB9D512D}" type="datetimeFigureOut">
               <a:rPr lang="en-US" smtClean="0"/>
-              <a:t>9/7/2022</a:t>
+              <a:t>9/8/2022</a:t>
             </a:fld>
             <a:endParaRPr lang="en-US"/>
           </a:p>
@@ -3328,7 +3337,7 @@
           <a:p>
             <a:fld id="{973BC00D-352D-4681-8132-8CC5EB9D512D}" type="datetimeFigureOut">
               <a:rPr lang="en-US" smtClean="0"/>
-              <a:t>9/7/2022</a:t>
+              <a:t>9/8/2022</a:t>
             </a:fld>
             <a:endParaRPr lang="en-US"/>
           </a:p>
@@ -3593,7 +3602,7 @@
           <a:p>
             <a:fld id="{973BC00D-352D-4681-8132-8CC5EB9D512D}" type="datetimeFigureOut">
               <a:rPr lang="en-US" smtClean="0"/>
-              <a:t>9/7/2022</a:t>
+              <a:t>9/8/2022</a:t>
             </a:fld>
             <a:endParaRPr lang="en-US"/>
           </a:p>
@@ -4005,7 +4014,7 @@
           <a:p>
             <a:fld id="{973BC00D-352D-4681-8132-8CC5EB9D512D}" type="datetimeFigureOut">
               <a:rPr lang="en-US" smtClean="0"/>
-              <a:t>9/7/2022</a:t>
+              <a:t>9/8/2022</a:t>
             </a:fld>
             <a:endParaRPr lang="en-US"/>
           </a:p>
@@ -4146,7 +4155,7 @@
           <a:p>
             <a:fld id="{973BC00D-352D-4681-8132-8CC5EB9D512D}" type="datetimeFigureOut">
               <a:rPr lang="en-US" smtClean="0"/>
-              <a:t>9/7/2022</a:t>
+              <a:t>9/8/2022</a:t>
             </a:fld>
             <a:endParaRPr lang="en-US"/>
           </a:p>
@@ -4259,7 +4268,7 @@
           <a:p>
             <a:fld id="{973BC00D-352D-4681-8132-8CC5EB9D512D}" type="datetimeFigureOut">
               <a:rPr lang="en-US" smtClean="0"/>
-              <a:t>9/7/2022</a:t>
+              <a:t>9/8/2022</a:t>
             </a:fld>
             <a:endParaRPr lang="en-US"/>
           </a:p>
@@ -4570,7 +4579,7 @@
           <a:p>
             <a:fld id="{973BC00D-352D-4681-8132-8CC5EB9D512D}" type="datetimeFigureOut">
               <a:rPr lang="en-US" smtClean="0"/>
-              <a:t>9/7/2022</a:t>
+              <a:t>9/8/2022</a:t>
             </a:fld>
             <a:endParaRPr lang="en-US"/>
           </a:p>
@@ -4858,7 +4867,7 @@
           <a:p>
             <a:fld id="{973BC00D-352D-4681-8132-8CC5EB9D512D}" type="datetimeFigureOut">
               <a:rPr lang="en-US" smtClean="0"/>
-              <a:t>9/7/2022</a:t>
+              <a:t>9/8/2022</a:t>
             </a:fld>
             <a:endParaRPr lang="en-US"/>
           </a:p>
@@ -5099,7 +5108,7 @@
           <a:p>
             <a:fld id="{973BC00D-352D-4681-8132-8CC5EB9D512D}" type="datetimeFigureOut">
               <a:rPr lang="en-US" smtClean="0"/>
-              <a:t>9/7/2022</a:t>
+              <a:t>9/8/2022</a:t>
             </a:fld>
             <a:endParaRPr lang="en-US"/>
           </a:p>

--- a/Presentations/DS-course-4-frontend.pptx
+++ b/Presentations/DS-course-4-frontend.pptx
@@ -5,7 +5,7 @@
     <p:sldMasterId id="2147483648" r:id="rId1"/>
   </p:sldMasterIdLst>
   <p:notesMasterIdLst>
-    <p:notesMasterId r:id="rId27"/>
+    <p:notesMasterId r:id="rId26"/>
   </p:notesMasterIdLst>
   <p:sldIdLst>
     <p:sldId id="257" r:id="rId2"/>
@@ -32,7 +32,6 @@
     <p:sldId id="404" r:id="rId23"/>
     <p:sldId id="405" r:id="rId24"/>
     <p:sldId id="360" r:id="rId25"/>
-    <p:sldId id="372" r:id="rId26"/>
   </p:sldIdLst>
   <p:sldSz cx="12192000" cy="6858000"/>
   <p:notesSz cx="6858000" cy="9144000"/>
@@ -221,7 +220,7 @@
           <a:p>
             <a:fld id="{16B0145C-99AC-4644-A36E-A4ECBC555925}" type="datetimeFigureOut">
               <a:rPr lang="en-US" smtClean="0"/>
-              <a:t>9/8/2022</a:t>
+              <a:t>9/9/2022</a:t>
             </a:fld>
             <a:endParaRPr lang="en-US"/>
           </a:p>
@@ -741,18 +740,7 @@
           <a:bodyPr/>
           <a:lstStyle/>
           <a:p>
-            <a:r>
-              <a:rPr lang="en-US" dirty="0"/>
-              <a:t>Additional points can be added simply by updating the </a:t>
-            </a:r>
-            <a:r>
-              <a:rPr lang="en-US" dirty="0" err="1"/>
-              <a:t>points.geojson</a:t>
-            </a:r>
-            <a:r>
-              <a:rPr lang="en-US" dirty="0"/>
-              <a:t> file</a:t>
-            </a:r>
+            <a:endParaRPr lang="en-US" dirty="0"/>
           </a:p>
         </p:txBody>
       </p:sp>
@@ -773,7 +761,7 @@
           <a:p>
             <a:fld id="{A6E96146-6681-4DBF-B085-F659EAF9A4FE}" type="slidenum">
               <a:rPr lang="en-US" smtClean="0"/>
-              <a:t>20</a:t>
+              <a:t>18</a:t>
             </a:fld>
             <a:endParaRPr lang="en-US"/>
           </a:p>
@@ -782,7 +770,7 @@
     </p:spTree>
     <p:extLst>
       <p:ext uri="{BB962C8B-B14F-4D97-AF65-F5344CB8AC3E}">
-        <p14:creationId xmlns:p14="http://schemas.microsoft.com/office/powerpoint/2010/main" val="1971807371"/>
+        <p14:creationId xmlns:p14="http://schemas.microsoft.com/office/powerpoint/2010/main" val="3672985893"/>
       </p:ext>
     </p:extLst>
   </p:cSld>
@@ -838,15 +826,7 @@
           <a:p>
             <a:r>
               <a:rPr lang="en-US" dirty="0"/>
-              <a:t>You can set the initial bounding box when initializing the </a:t>
-            </a:r>
-            <a:r>
-              <a:rPr lang="en-US" dirty="0" err="1"/>
-              <a:t>viewState</a:t>
-            </a:r>
-            <a:r>
-              <a:rPr lang="en-US" dirty="0"/>
-              <a:t> variable. Other approaches could include calculating the bounding box of all points once they are received (you would also need to change how the </a:t>
+              <a:t>Additional points can be added simply by updating the </a:t>
             </a:r>
             <a:r>
               <a:rPr lang="en-US" dirty="0" err="1"/>
@@ -854,7 +834,7 @@
             </a:r>
             <a:r>
               <a:rPr lang="en-US" dirty="0"/>
-              <a:t> file is fetched in order to do this)</a:t>
+              <a:t> file</a:t>
             </a:r>
           </a:p>
         </p:txBody>
@@ -876,7 +856,7 @@
           <a:p>
             <a:fld id="{A6E96146-6681-4DBF-B085-F659EAF9A4FE}" type="slidenum">
               <a:rPr lang="en-US" smtClean="0"/>
-              <a:t>21</a:t>
+              <a:t>20</a:t>
             </a:fld>
             <a:endParaRPr lang="en-US"/>
           </a:p>
@@ -885,7 +865,7 @@
     </p:spTree>
     <p:extLst>
       <p:ext uri="{BB962C8B-B14F-4D97-AF65-F5344CB8AC3E}">
-        <p14:creationId xmlns:p14="http://schemas.microsoft.com/office/powerpoint/2010/main" val="3198728267"/>
+        <p14:creationId xmlns:p14="http://schemas.microsoft.com/office/powerpoint/2010/main" val="1971807371"/>
       </p:ext>
     </p:extLst>
   </p:cSld>
@@ -941,7 +921,23 @@
           <a:p>
             <a:r>
               <a:rPr lang="en-US" dirty="0"/>
-              <a:t>The layout/position of the Data page components are controlled by JSS. Update the JSS so that the sidebar becomes a bottom bar.</a:t>
+              <a:t>You can set the initial bounding box when initializing the </a:t>
+            </a:r>
+            <a:r>
+              <a:rPr lang="en-US" dirty="0" err="1"/>
+              <a:t>viewState</a:t>
+            </a:r>
+            <a:r>
+              <a:rPr lang="en-US" dirty="0"/>
+              <a:t> variable. Other approaches could include calculating the bounding box of all points once they are received (you would also need to change how the </a:t>
+            </a:r>
+            <a:r>
+              <a:rPr lang="en-US" dirty="0" err="1"/>
+              <a:t>points.geojson</a:t>
+            </a:r>
+            <a:r>
+              <a:rPr lang="en-US" dirty="0"/>
+              <a:t> file is fetched in order to do this)</a:t>
             </a:r>
           </a:p>
         </p:txBody>
@@ -963,7 +959,7 @@
           <a:p>
             <a:fld id="{A6E96146-6681-4DBF-B085-F659EAF9A4FE}" type="slidenum">
               <a:rPr lang="en-US" smtClean="0"/>
-              <a:t>22</a:t>
+              <a:t>21</a:t>
             </a:fld>
             <a:endParaRPr lang="en-US"/>
           </a:p>
@@ -972,7 +968,7 @@
     </p:spTree>
     <p:extLst>
       <p:ext uri="{BB962C8B-B14F-4D97-AF65-F5344CB8AC3E}">
-        <p14:creationId xmlns:p14="http://schemas.microsoft.com/office/powerpoint/2010/main" val="3309120125"/>
+        <p14:creationId xmlns:p14="http://schemas.microsoft.com/office/powerpoint/2010/main" val="3198728267"/>
       </p:ext>
     </p:extLst>
   </p:cSld>
@@ -1028,7 +1024,7 @@
           <a:p>
             <a:r>
               <a:rPr lang="en-US" dirty="0"/>
-              <a:t>Find the code for the ‘Log Out’ button in this app, and use that as a basis for a new button in the sidebar, that clears the selected point app state.</a:t>
+              <a:t>The layout/position of the Data page components are controlled by JSS. Update the JSS so that the sidebar becomes a bottom bar.</a:t>
             </a:r>
           </a:p>
         </p:txBody>
@@ -1050,7 +1046,7 @@
           <a:p>
             <a:fld id="{A6E96146-6681-4DBF-B085-F659EAF9A4FE}" type="slidenum">
               <a:rPr lang="en-US" smtClean="0"/>
-              <a:t>23</a:t>
+              <a:t>22</a:t>
             </a:fld>
             <a:endParaRPr lang="en-US"/>
           </a:p>
@@ -1059,7 +1055,7 @@
     </p:spTree>
     <p:extLst>
       <p:ext uri="{BB962C8B-B14F-4D97-AF65-F5344CB8AC3E}">
-        <p14:creationId xmlns:p14="http://schemas.microsoft.com/office/powerpoint/2010/main" val="2078125574"/>
+        <p14:creationId xmlns:p14="http://schemas.microsoft.com/office/powerpoint/2010/main" val="3309120125"/>
       </p:ext>
     </p:extLst>
   </p:cSld>
@@ -1114,34 +1110,9 @@
           <a:lstStyle/>
           <a:p>
             <a:r>
-              <a:rPr lang="en-US" noProof="0" dirty="0"/>
-              <a:t>Wrap Up. Before next live session (a week from now)</a:t>
-            </a:r>
-          </a:p>
-          <a:p>
-            <a:endParaRPr lang="en-US" noProof="0" dirty="0"/>
-          </a:p>
-          <a:p>
-            <a:r>
-              <a:rPr lang="en-US" noProof="0" dirty="0"/>
-              <a:t>Go to the Campus site. Under module 5 you will find:</a:t>
-            </a:r>
-          </a:p>
-          <a:p>
-            <a:endParaRPr lang="en-US" noProof="0" dirty="0"/>
-          </a:p>
-          <a:p>
-            <a:pPr marL="171450" indent="-171450">
-              <a:buFont typeface="Arial" panose="020B0604020202020204" pitchFamily="34" charset="0"/>
-              <a:buChar char="•"/>
-            </a:pPr>
-            <a:r>
-              <a:rPr lang="en-US" noProof="0" dirty="0"/>
-              <a:t>Provide feedback </a:t>
-            </a:r>
-          </a:p>
-          <a:p>
-            <a:endParaRPr lang="en-US" dirty="0"/>
+              <a:rPr lang="en-US" dirty="0"/>
+              <a:t>Find the code for the ‘Log Out’ button in this app, and use that as a basis for a new button in the sidebar, that clears the selected point app state.</a:t>
+            </a:r>
           </a:p>
         </p:txBody>
       </p:sp>
@@ -1160,9 +1131,9 @@
           <a:bodyPr/>
           <a:lstStyle/>
           <a:p>
-            <a:fld id="{63C35790-097B-4F4A-AC65-68906F1196B8}" type="slidenum">
+            <a:fld id="{A6E96146-6681-4DBF-B085-F659EAF9A4FE}" type="slidenum">
               <a:rPr lang="en-US" smtClean="0"/>
-              <a:t>24</a:t>
+              <a:t>23</a:t>
             </a:fld>
             <a:endParaRPr lang="en-US"/>
           </a:p>
@@ -1171,7 +1142,7 @@
     </p:spTree>
     <p:extLst>
       <p:ext uri="{BB962C8B-B14F-4D97-AF65-F5344CB8AC3E}">
-        <p14:creationId xmlns:p14="http://schemas.microsoft.com/office/powerpoint/2010/main" val="3967404615"/>
+        <p14:creationId xmlns:p14="http://schemas.microsoft.com/office/powerpoint/2010/main" val="2078125574"/>
       </p:ext>
     </p:extLst>
   </p:cSld>
@@ -1227,8 +1198,24 @@
           <a:p>
             <a:r>
               <a:rPr lang="en-US" noProof="0" dirty="0"/>
-              <a:t>&lt;use this slide for breaks&gt;</a:t>
-            </a:r>
+              <a:t>Q/A</a:t>
+            </a:r>
+          </a:p>
+          <a:p>
+            <a:endParaRPr lang="en-US" noProof="0"/>
+          </a:p>
+          <a:p>
+            <a:r>
+              <a:rPr lang="en-US" noProof="0"/>
+              <a:t>Next </a:t>
+            </a:r>
+            <a:r>
+              <a:rPr lang="en-US" noProof="0" dirty="0"/>
+              <a:t>is the deployment module</a:t>
+            </a:r>
+          </a:p>
+          <a:p>
+            <a:endParaRPr lang="en-US" dirty="0"/>
           </a:p>
         </p:txBody>
       </p:sp>
@@ -1249,7 +1236,7 @@
           <a:p>
             <a:fld id="{63C35790-097B-4F4A-AC65-68906F1196B8}" type="slidenum">
               <a:rPr lang="en-US" smtClean="0"/>
-              <a:t>25</a:t>
+              <a:t>24</a:t>
             </a:fld>
             <a:endParaRPr lang="en-US"/>
           </a:p>
@@ -1258,7 +1245,7 @@
     </p:spTree>
     <p:extLst>
       <p:ext uri="{BB962C8B-B14F-4D97-AF65-F5344CB8AC3E}">
-        <p14:creationId xmlns:p14="http://schemas.microsoft.com/office/powerpoint/2010/main" val="1321608382"/>
+        <p14:creationId xmlns:p14="http://schemas.microsoft.com/office/powerpoint/2010/main" val="3967404615"/>
       </p:ext>
     </p:extLst>
   </p:cSld>
@@ -2458,7 +2445,7 @@
           <a:p>
             <a:fld id="{973BC00D-352D-4681-8132-8CC5EB9D512D}" type="datetimeFigureOut">
               <a:rPr lang="en-US" smtClean="0"/>
-              <a:t>9/8/2022</a:t>
+              <a:t>9/9/2022</a:t>
             </a:fld>
             <a:endParaRPr lang="en-US"/>
           </a:p>
@@ -2656,7 +2643,7 @@
           <a:p>
             <a:fld id="{973BC00D-352D-4681-8132-8CC5EB9D512D}" type="datetimeFigureOut">
               <a:rPr lang="en-US" smtClean="0"/>
-              <a:t>9/8/2022</a:t>
+              <a:t>9/9/2022</a:t>
             </a:fld>
             <a:endParaRPr lang="en-US"/>
           </a:p>
@@ -2864,7 +2851,7 @@
           <a:p>
             <a:fld id="{973BC00D-352D-4681-8132-8CC5EB9D512D}" type="datetimeFigureOut">
               <a:rPr lang="en-US" smtClean="0"/>
-              <a:t>9/8/2022</a:t>
+              <a:t>9/9/2022</a:t>
             </a:fld>
             <a:endParaRPr lang="en-US"/>
           </a:p>
@@ -3062,7 +3049,7 @@
           <a:p>
             <a:fld id="{973BC00D-352D-4681-8132-8CC5EB9D512D}" type="datetimeFigureOut">
               <a:rPr lang="en-US" smtClean="0"/>
-              <a:t>9/8/2022</a:t>
+              <a:t>9/9/2022</a:t>
             </a:fld>
             <a:endParaRPr lang="en-US"/>
           </a:p>
@@ -3337,7 +3324,7 @@
           <a:p>
             <a:fld id="{973BC00D-352D-4681-8132-8CC5EB9D512D}" type="datetimeFigureOut">
               <a:rPr lang="en-US" smtClean="0"/>
-              <a:t>9/8/2022</a:t>
+              <a:t>9/9/2022</a:t>
             </a:fld>
             <a:endParaRPr lang="en-US"/>
           </a:p>
@@ -3602,7 +3589,7 @@
           <a:p>
             <a:fld id="{973BC00D-352D-4681-8132-8CC5EB9D512D}" type="datetimeFigureOut">
               <a:rPr lang="en-US" smtClean="0"/>
-              <a:t>9/8/2022</a:t>
+              <a:t>9/9/2022</a:t>
             </a:fld>
             <a:endParaRPr lang="en-US"/>
           </a:p>
@@ -4014,7 +4001,7 @@
           <a:p>
             <a:fld id="{973BC00D-352D-4681-8132-8CC5EB9D512D}" type="datetimeFigureOut">
               <a:rPr lang="en-US" smtClean="0"/>
-              <a:t>9/8/2022</a:t>
+              <a:t>9/9/2022</a:t>
             </a:fld>
             <a:endParaRPr lang="en-US"/>
           </a:p>
@@ -4155,7 +4142,7 @@
           <a:p>
             <a:fld id="{973BC00D-352D-4681-8132-8CC5EB9D512D}" type="datetimeFigureOut">
               <a:rPr lang="en-US" smtClean="0"/>
-              <a:t>9/8/2022</a:t>
+              <a:t>9/9/2022</a:t>
             </a:fld>
             <a:endParaRPr lang="en-US"/>
           </a:p>
@@ -4268,7 +4255,7 @@
           <a:p>
             <a:fld id="{973BC00D-352D-4681-8132-8CC5EB9D512D}" type="datetimeFigureOut">
               <a:rPr lang="en-US" smtClean="0"/>
-              <a:t>9/8/2022</a:t>
+              <a:t>9/9/2022</a:t>
             </a:fld>
             <a:endParaRPr lang="en-US"/>
           </a:p>
@@ -4579,7 +4566,7 @@
           <a:p>
             <a:fld id="{973BC00D-352D-4681-8132-8CC5EB9D512D}" type="datetimeFigureOut">
               <a:rPr lang="en-US" smtClean="0"/>
-              <a:t>9/8/2022</a:t>
+              <a:t>9/9/2022</a:t>
             </a:fld>
             <a:endParaRPr lang="en-US"/>
           </a:p>
@@ -4867,7 +4854,7 @@
           <a:p>
             <a:fld id="{973BC00D-352D-4681-8132-8CC5EB9D512D}" type="datetimeFigureOut">
               <a:rPr lang="en-US" smtClean="0"/>
-              <a:t>9/8/2022</a:t>
+              <a:t>9/9/2022</a:t>
             </a:fld>
             <a:endParaRPr lang="en-US"/>
           </a:p>
@@ -5108,7 +5095,7 @@
           <a:p>
             <a:fld id="{973BC00D-352D-4681-8132-8CC5EB9D512D}" type="datetimeFigureOut">
               <a:rPr lang="en-US" smtClean="0"/>
-              <a:t>9/8/2022</a:t>
+              <a:t>9/9/2022</a:t>
             </a:fld>
             <a:endParaRPr lang="en-US"/>
           </a:p>
@@ -5913,15 +5900,7 @@
           <a:p>
             <a:r>
               <a:rPr lang="en-US" sz="4400" dirty="0"/>
-              <a:t>You can find the code for each story in the </a:t>
-            </a:r>
-            <a:r>
-              <a:rPr lang="en-US" sz="4400" dirty="0" err="1"/>
-              <a:t>github</a:t>
-            </a:r>
-            <a:r>
-              <a:rPr lang="en-US" sz="4400" dirty="0"/>
-              <a:t> repository</a:t>
+              <a:t>You can find the code for each story in the GitHub repository</a:t>
             </a:r>
             <a:endParaRPr lang="da-DK" sz="4400" dirty="0"/>
           </a:p>
@@ -7160,8 +7139,8 @@
         </p:nvSpPr>
         <p:spPr>
           <a:xfrm>
-            <a:off x="1901567" y="3044279"/>
-            <a:ext cx="6267037" cy="769441"/>
+            <a:off x="1056736" y="2807611"/>
+            <a:ext cx="8174867" cy="1446550"/>
           </a:xfrm>
           <a:prstGeom prst="rect">
             <a:avLst/>
@@ -7177,6 +7156,12 @@
             <a:r>
               <a:rPr lang="da-DK" sz="4400" dirty="0"/>
               <a:t>Take home exercises/ideas</a:t>
+            </a:r>
+          </a:p>
+          <a:p>
+            <a:r>
+              <a:rPr lang="da-DK" sz="4400" dirty="0"/>
+              <a:t>(not compulsory - no assignment)</a:t>
             </a:r>
             <a:endParaRPr lang="en-US" sz="4400" dirty="0"/>
           </a:p>
@@ -7911,7 +7896,7 @@
         <p:spPr>
           <a:xfrm>
             <a:off x="4990985" y="3044279"/>
-            <a:ext cx="2210029" cy="769441"/>
+            <a:ext cx="2144305" cy="769441"/>
           </a:xfrm>
           <a:prstGeom prst="rect">
             <a:avLst/>
@@ -7925,8 +7910,8 @@
           <a:lstStyle/>
           <a:p>
             <a:r>
-              <a:rPr lang="en-US" sz="4400"/>
-              <a:t>Wrap Up</a:t>
+              <a:rPr lang="en-US" sz="4400" dirty="0"/>
+              <a:t>Wrap up</a:t>
             </a:r>
           </a:p>
         </p:txBody>
@@ -7935,66 +7920,6 @@
     <p:extLst>
       <p:ext uri="{BB962C8B-B14F-4D97-AF65-F5344CB8AC3E}">
         <p14:creationId xmlns:p14="http://schemas.microsoft.com/office/powerpoint/2010/main" val="2805933387"/>
-      </p:ext>
-    </p:extLst>
-  </p:cSld>
-  <p:clrMapOvr>
-    <a:masterClrMapping/>
-  </p:clrMapOvr>
-</p:sld>
-</file>
-
-<file path=ppt/slides/slide25.xml><?xml version="1.0" encoding="utf-8"?>
-<p:sld xmlns:a="http://schemas.openxmlformats.org/drawingml/2006/main" xmlns:r="http://schemas.openxmlformats.org/officeDocument/2006/relationships" xmlns:p="http://schemas.openxmlformats.org/presentationml/2006/main">
-  <p:cSld>
-    <p:spTree>
-      <p:nvGrpSpPr>
-        <p:cNvPr id="1" name=""/>
-        <p:cNvGrpSpPr/>
-        <p:nvPr/>
-      </p:nvGrpSpPr>
-      <p:grpSpPr>
-        <a:xfrm>
-          <a:off x="0" y="0"/>
-          <a:ext cx="0" cy="0"/>
-          <a:chOff x="0" y="0"/>
-          <a:chExt cx="0" cy="0"/>
-        </a:xfrm>
-      </p:grpSpPr>
-      <p:pic>
-        <p:nvPicPr>
-          <p:cNvPr id="2" name="Picture 1">
-            <a:extLst>
-              <a:ext uri="{FF2B5EF4-FFF2-40B4-BE49-F238E27FC236}">
-                <a16:creationId xmlns:a16="http://schemas.microsoft.com/office/drawing/2014/main" id="{3576221B-5445-C99C-807A-E57066650809}"/>
-              </a:ext>
-            </a:extLst>
-          </p:cNvPr>
-          <p:cNvPicPr>
-            <a:picLocks noChangeAspect="1"/>
-          </p:cNvPicPr>
-          <p:nvPr/>
-        </p:nvPicPr>
-        <p:blipFill>
-          <a:blip r:embed="rId3"/>
-          <a:stretch>
-            <a:fillRect/>
-          </a:stretch>
-        </p:blipFill>
-        <p:spPr>
-          <a:xfrm>
-            <a:off x="2905648" y="1305857"/>
-            <a:ext cx="6380704" cy="4246286"/>
-          </a:xfrm>
-          <a:prstGeom prst="rect">
-            <a:avLst/>
-          </a:prstGeom>
-        </p:spPr>
-      </p:pic>
-    </p:spTree>
-    <p:extLst>
-      <p:ext uri="{BB962C8B-B14F-4D97-AF65-F5344CB8AC3E}">
-        <p14:creationId xmlns:p14="http://schemas.microsoft.com/office/powerpoint/2010/main" val="2185139754"/>
       </p:ext>
     </p:extLst>
   </p:cSld>
@@ -8306,7 +8231,7 @@
             <a:pPr algn="ctr"/>
             <a:r>
               <a:rPr lang="en-US" dirty="0"/>
-              <a:t>Server</a:t>
+              <a:t>API</a:t>
             </a:r>
           </a:p>
         </p:txBody>
@@ -8355,7 +8280,7 @@
             <a:pPr algn="ctr"/>
             <a:r>
               <a:rPr lang="en-US" dirty="0"/>
-              <a:t>Browser</a:t>
+              <a:t>Frontend</a:t>
             </a:r>
           </a:p>
         </p:txBody>
@@ -9766,8 +9691,8 @@
         </p:nvCxnSpPr>
         <p:spPr>
           <a:xfrm flipH="1">
-            <a:off x="4939407" y="461802"/>
-            <a:ext cx="788942" cy="451473"/>
+            <a:off x="4878855" y="461802"/>
+            <a:ext cx="849494" cy="502758"/>
           </a:xfrm>
           <a:prstGeom prst="straightConnector1">
             <a:avLst/>
@@ -9811,7 +9736,7 @@
         </p:nvSpPr>
         <p:spPr>
           <a:xfrm>
-            <a:off x="2273363" y="74510"/>
+            <a:off x="2212811" y="125795"/>
             <a:ext cx="2666044" cy="1677530"/>
           </a:xfrm>
           <a:prstGeom prst="ellipse">
